--- a/doc/ppt/PlaatEnergy Design.pptx
+++ b/doc/ppt/PlaatEnergy Design.pptx
@@ -20,12 +20,12 @@
     <p:sldId id="280" r:id="rId11"/>
     <p:sldId id="281" r:id="rId12"/>
     <p:sldId id="284" r:id="rId13"/>
-    <p:sldId id="285" r:id="rId14"/>
-    <p:sldId id="286" r:id="rId15"/>
-    <p:sldId id="294" r:id="rId16"/>
-    <p:sldId id="264" r:id="rId17"/>
-    <p:sldId id="287" r:id="rId18"/>
-    <p:sldId id="288" r:id="rId19"/>
+    <p:sldId id="264" r:id="rId14"/>
+    <p:sldId id="287" r:id="rId15"/>
+    <p:sldId id="288" r:id="rId16"/>
+    <p:sldId id="285" r:id="rId17"/>
+    <p:sldId id="286" r:id="rId18"/>
+    <p:sldId id="294" r:id="rId19"/>
     <p:sldId id="289" r:id="rId20"/>
     <p:sldId id="290" r:id="rId21"/>
     <p:sldId id="291" r:id="rId22"/>
@@ -3919,11 +3919,7 @@
             <a:pPr algn="ctr"/>
             <a:r>
               <a:rPr lang="en-US" dirty="0" smtClean="0"/>
-              <a:t>Presentation </a:t>
-            </a:r>
-            <a:r>
-              <a:rPr lang="en-US" dirty="0" smtClean="0"/>
-              <a:t>Layer</a:t>
+              <a:t>Presentation Layer</a:t>
             </a:r>
             <a:endParaRPr lang="nl-NL" dirty="0"/>
           </a:p>
@@ -4071,11 +4067,7 @@
           <a:p>
             <a:r>
               <a:rPr lang="en-US" dirty="0" err="1" smtClean="0"/>
-              <a:t>p</a:t>
-            </a:r>
-            <a:r>
-              <a:rPr lang="en-US" dirty="0" err="1" smtClean="0"/>
-              <a:t>hp</a:t>
+              <a:t>php</a:t>
             </a:r>
             <a:r>
               <a:rPr lang="en-US" dirty="0" smtClean="0"/>
@@ -4351,31 +4343,27 @@
           <a:p>
             <a:r>
               <a:rPr lang="en-US" dirty="0" smtClean="0"/>
-              <a:t>User friendly user web interface</a:t>
-            </a:r>
-          </a:p>
-          <a:p>
+              <a:t>User friendly </a:t>
+            </a:r>
             <a:r>
               <a:rPr lang="en-US" dirty="0" smtClean="0"/>
-              <a:t>Show </a:t>
+              <a:t>web </a:t>
             </a:r>
             <a:r>
               <a:rPr lang="en-US" dirty="0" smtClean="0"/>
-              <a:t>real-time, historical and forecast </a:t>
-            </a:r>
+              <a:t>interface</a:t>
+            </a:r>
+          </a:p>
+          <a:p>
             <a:r>
               <a:rPr lang="en-US" dirty="0" smtClean="0"/>
-              <a:t>data</a:t>
+              <a:t>Show real-time, historical and forecast data</a:t>
             </a:r>
           </a:p>
           <a:p>
             <a:r>
               <a:rPr lang="en-US" dirty="0" smtClean="0"/>
-              <a:t>Show financial </a:t>
-            </a:r>
-            <a:r>
-              <a:rPr lang="en-US" dirty="0" smtClean="0"/>
-              <a:t>data</a:t>
+              <a:t>Show financial data</a:t>
             </a:r>
           </a:p>
           <a:p>
@@ -4503,7 +4491,7 @@
       </p:grpSpPr>
       <p:pic>
         <p:nvPicPr>
-          <p:cNvPr id="32771" name="Picture 3"/>
+          <p:cNvPr id="6145" name="Picture 1"/>
           <p:cNvPicPr>
             <a:picLocks noChangeAspect="1" noChangeArrowheads="1"/>
           </p:cNvPicPr>
@@ -4560,7 +4548,7 @@
       </p:grpSpPr>
       <p:pic>
         <p:nvPicPr>
-          <p:cNvPr id="33794" name="Picture 2"/>
+          <p:cNvPr id="34818" name="Picture 2"/>
           <p:cNvPicPr>
             <a:picLocks noChangeAspect="1" noChangeArrowheads="1"/>
           </p:cNvPicPr>
@@ -4575,7 +4563,7 @@
         </p:blipFill>
         <p:spPr bwMode="auto">
           <a:xfrm>
-            <a:off x="0" y="0"/>
+            <a:off x="1" y="0"/>
             <a:ext cx="9144000" cy="6858000"/>
           </a:xfrm>
           <a:prstGeom prst="rect">
@@ -4617,7 +4605,7 @@
       </p:grpSpPr>
       <p:pic>
         <p:nvPicPr>
-          <p:cNvPr id="39938" name="Picture 2"/>
+          <p:cNvPr id="35842" name="Picture 2"/>
           <p:cNvPicPr>
             <a:picLocks noChangeAspect="1" noChangeArrowheads="1"/>
           </p:cNvPicPr>
@@ -4674,7 +4662,7 @@
       </p:grpSpPr>
       <p:pic>
         <p:nvPicPr>
-          <p:cNvPr id="6145" name="Picture 1"/>
+          <p:cNvPr id="32771" name="Picture 3"/>
           <p:cNvPicPr>
             <a:picLocks noChangeAspect="1" noChangeArrowheads="1"/>
           </p:cNvPicPr>
@@ -4731,7 +4719,7 @@
       </p:grpSpPr>
       <p:pic>
         <p:nvPicPr>
-          <p:cNvPr id="34818" name="Picture 2"/>
+          <p:cNvPr id="33794" name="Picture 2"/>
           <p:cNvPicPr>
             <a:picLocks noChangeAspect="1" noChangeArrowheads="1"/>
           </p:cNvPicPr>
@@ -4746,7 +4734,7 @@
         </p:blipFill>
         <p:spPr bwMode="auto">
           <a:xfrm>
-            <a:off x="1" y="0"/>
+            <a:off x="0" y="0"/>
             <a:ext cx="9144000" cy="6858000"/>
           </a:xfrm>
           <a:prstGeom prst="rect">
@@ -4788,7 +4776,7 @@
       </p:grpSpPr>
       <p:pic>
         <p:nvPicPr>
-          <p:cNvPr id="35842" name="Picture 2"/>
+          <p:cNvPr id="39938" name="Picture 2"/>
           <p:cNvPicPr>
             <a:picLocks noChangeAspect="1" noChangeArrowheads="1"/>
           </p:cNvPicPr>
@@ -4910,7 +4898,12 @@
             <p:ph type="title"/>
           </p:nvPr>
         </p:nvSpPr>
-        <p:spPr/>
+        <p:spPr>
+          <a:xfrm>
+            <a:off x="395536" y="0"/>
+            <a:ext cx="8229600" cy="1143000"/>
+          </a:xfrm>
+        </p:spPr>
         <p:txBody>
           <a:bodyPr/>
           <a:lstStyle/>
@@ -5184,8 +5177,21 @@
           <a:p>
             <a:r>
               <a:rPr lang="en-US" dirty="0" smtClean="0"/>
-              <a:t>My energy / gas us is dropped with 25%  / 50% because I am more aware.</a:t>
-            </a:r>
+              <a:t>My energy / gas </a:t>
+            </a:r>
+            <a:r>
+              <a:rPr lang="en-US" dirty="0" smtClean="0"/>
+              <a:t>use </a:t>
+            </a:r>
+            <a:r>
+              <a:rPr lang="en-US" dirty="0" smtClean="0"/>
+              <a:t>is dropped with 25%  / 50% because I am more </a:t>
+            </a:r>
+            <a:r>
+              <a:rPr lang="en-US" dirty="0" smtClean="0"/>
+              <a:t>aware now.</a:t>
+            </a:r>
+            <a:endParaRPr lang="en-US" dirty="0" smtClean="0"/>
           </a:p>
           <a:p>
             <a:r>
@@ -5205,22 +5211,6 @@
               <a:t></a:t>
             </a:r>
             <a:endParaRPr lang="en-US" dirty="0" smtClean="0"/>
-          </a:p>
-          <a:p>
-            <a:r>
-              <a:rPr lang="en-US" dirty="0" smtClean="0"/>
-              <a:t>Oostpoort church in Gouda is going to use my software soon. Project is on the move </a:t>
-            </a:r>
-            <a:r>
-              <a:rPr lang="en-US" dirty="0" smtClean="0">
-                <a:sym typeface="Wingdings" pitchFamily="2" charset="2"/>
-              </a:rPr>
-              <a:t></a:t>
-            </a:r>
-            <a:r>
-              <a:rPr lang="en-US" dirty="0" smtClean="0"/>
-              <a:t> </a:t>
-            </a:r>
           </a:p>
         </p:txBody>
       </p:sp>
@@ -5285,13 +5275,23 @@
         <p:spPr/>
         <p:txBody>
           <a:bodyPr>
-            <a:normAutofit lnSpcReduction="10000"/>
+            <a:normAutofit fontScale="92500" lnSpcReduction="10000"/>
           </a:bodyPr>
           <a:lstStyle/>
           <a:p>
             <a:r>
               <a:rPr lang="en-US" dirty="0" smtClean="0"/>
-              <a:t>Add Google Nest product support</a:t>
+              <a:t>Add support for infrared energy meters.</a:t>
+            </a:r>
+          </a:p>
+          <a:p>
+            <a:r>
+              <a:rPr lang="en-US" dirty="0" smtClean="0"/>
+              <a:t>Add </a:t>
+            </a:r>
+            <a:r>
+              <a:rPr lang="en-US" dirty="0" smtClean="0"/>
+              <a:t>Google Nest product support</a:t>
             </a:r>
           </a:p>
           <a:p>
@@ -5307,7 +5307,6 @@
               <a:rPr lang="en-US" dirty="0" smtClean="0"/>
               <a:t>Nest Protect. Receive notification when gas and/or fire is detected </a:t>
             </a:r>
-            <a:endParaRPr lang="en-US" dirty="0" smtClean="0"/>
           </a:p>
           <a:p>
             <a:r>
@@ -5467,7 +5466,12 @@
             <p:ph type="title"/>
           </p:nvPr>
         </p:nvSpPr>
-        <p:spPr/>
+        <p:spPr>
+          <a:xfrm>
+            <a:off x="467544" y="0"/>
+            <a:ext cx="8229600" cy="1143000"/>
+          </a:xfrm>
+        </p:spPr>
         <p:txBody>
           <a:bodyPr/>
           <a:lstStyle/>
@@ -5574,7 +5578,12 @@
             <p:ph type="title"/>
           </p:nvPr>
         </p:nvSpPr>
-        <p:spPr/>
+        <p:spPr>
+          <a:xfrm>
+            <a:off x="395536" y="0"/>
+            <a:ext cx="8229600" cy="1143000"/>
+          </a:xfrm>
+        </p:spPr>
         <p:txBody>
           <a:bodyPr/>
           <a:lstStyle/>
@@ -5639,7 +5648,6 @@
               <a:rPr lang="en-US" sz="4900" dirty="0" smtClean="0"/>
               <a:t>Raspberry Pi 2B</a:t>
             </a:r>
-            <a:endParaRPr lang="en-US" sz="4900" dirty="0" smtClean="0"/>
           </a:p>
           <a:p>
             <a:r>
@@ -5662,11 +5670,7 @@
           <a:p>
             <a:r>
               <a:rPr lang="en-US" sz="4900" dirty="0" smtClean="0"/>
-              <a:t>Raspberry </a:t>
-            </a:r>
-            <a:r>
-              <a:rPr lang="en-US" sz="4900" dirty="0" smtClean="0"/>
-              <a:t>Pi Case</a:t>
+              <a:t>Raspberry Pi Case</a:t>
             </a:r>
           </a:p>
           <a:p>
@@ -5678,15 +5682,7 @@
           <a:p>
             <a:r>
               <a:rPr lang="en-US" sz="4900" dirty="0" smtClean="0"/>
-              <a:t>Pi </a:t>
-            </a:r>
-            <a:r>
-              <a:rPr lang="en-US" sz="4900" dirty="0" smtClean="0"/>
-              <a:t>Sense Hat </a:t>
-            </a:r>
-            <a:r>
-              <a:rPr lang="en-US" sz="4900" dirty="0" smtClean="0"/>
-              <a:t> (optional)</a:t>
+              <a:t>Pi Sense Hat  (optional)</a:t>
             </a:r>
             <a:endParaRPr lang="en-US" sz="2400" dirty="0" smtClean="0"/>
           </a:p>
@@ -6174,7 +6170,15 @@
           <a:p>
             <a:r>
               <a:rPr lang="en-US" sz="2400" dirty="0" smtClean="0"/>
-              <a:t>Hardware view – Basic configuration 1</a:t>
+              <a:t>Hardware view – </a:t>
+            </a:r>
+            <a:r>
+              <a:rPr lang="en-US" sz="2400" dirty="0" smtClean="0"/>
+              <a:t>Configuration </a:t>
+            </a:r>
+            <a:r>
+              <a:rPr lang="en-US" sz="2400" dirty="0" smtClean="0"/>
+              <a:t>1</a:t>
             </a:r>
             <a:endParaRPr lang="nl-NL" sz="2400" dirty="0"/>
           </a:p>
@@ -7136,7 +7140,15 @@
           <a:p>
             <a:r>
               <a:rPr lang="en-US" sz="2400" dirty="0" smtClean="0"/>
-              <a:t>Hardware view – Basic configuration 2</a:t>
+              <a:t>Hardware view – </a:t>
+            </a:r>
+            <a:r>
+              <a:rPr lang="en-US" sz="2400" dirty="0" smtClean="0"/>
+              <a:t>Configuration </a:t>
+            </a:r>
+            <a:r>
+              <a:rPr lang="en-US" sz="2400" dirty="0" smtClean="0"/>
+              <a:t>2</a:t>
             </a:r>
             <a:endParaRPr lang="nl-NL" sz="2400" dirty="0"/>
           </a:p>
@@ -7244,52 +7256,6 @@
           <a:lstStyle/>
           <a:p>
             <a:endParaRPr lang="nl-NL"/>
-          </a:p>
-        </p:txBody>
-      </p:sp>
-      <p:sp>
-        <p:nvSpPr>
-          <p:cNvPr id="121" name="Tekstvak 120"/>
-          <p:cNvSpPr txBox="1"/>
-          <p:nvPr/>
-        </p:nvSpPr>
-        <p:spPr>
-          <a:xfrm>
-            <a:off x="3923928" y="4941168"/>
-            <a:ext cx="1224136" cy="646331"/>
-          </a:xfrm>
-          <a:prstGeom prst="rect">
-            <a:avLst/>
-          </a:prstGeom>
-          <a:noFill/>
-        </p:spPr>
-        <p:txBody>
-          <a:bodyPr wrap="square" rtlCol="0">
-            <a:spAutoFit/>
-          </a:bodyPr>
-          <a:lstStyle/>
-          <a:p>
-            <a:pPr algn="ctr"/>
-            <a:r>
-              <a:rPr lang="en-US" sz="1200" dirty="0" err="1" smtClean="0"/>
-              <a:t>PlaatEnergy</a:t>
-            </a:r>
-            <a:endParaRPr lang="en-US" sz="1200" dirty="0" smtClean="0"/>
-          </a:p>
-          <a:p>
-            <a:pPr algn="ctr"/>
-            <a:r>
-              <a:rPr lang="en-US" sz="1200" dirty="0" smtClean="0"/>
-              <a:t>Slide on attach</a:t>
-            </a:r>
-          </a:p>
-          <a:p>
-            <a:pPr algn="ctr"/>
-            <a:r>
-              <a:rPr lang="en-US" sz="1200" dirty="0" smtClean="0"/>
-              <a:t>monitor</a:t>
-            </a:r>
-            <a:endParaRPr lang="nl-NL" sz="1200" dirty="0"/>
           </a:p>
         </p:txBody>
       </p:sp>
@@ -7405,6 +7371,52 @@
             <a:r>
               <a:rPr lang="en-US" sz="1200" dirty="0" smtClean="0"/>
               <a:t>Bluetooth</a:t>
+            </a:r>
+            <a:endParaRPr lang="nl-NL" sz="1200" dirty="0"/>
+          </a:p>
+        </p:txBody>
+      </p:sp>
+      <p:sp>
+        <p:nvSpPr>
+          <p:cNvPr id="23" name="Tekstvak 22"/>
+          <p:cNvSpPr txBox="1"/>
+          <p:nvPr/>
+        </p:nvSpPr>
+        <p:spPr>
+          <a:xfrm>
+            <a:off x="467544" y="4365104"/>
+            <a:ext cx="1224136" cy="646331"/>
+          </a:xfrm>
+          <a:prstGeom prst="rect">
+            <a:avLst/>
+          </a:prstGeom>
+          <a:noFill/>
+        </p:spPr>
+        <p:txBody>
+          <a:bodyPr wrap="square" rtlCol="0">
+            <a:spAutoFit/>
+          </a:bodyPr>
+          <a:lstStyle/>
+          <a:p>
+            <a:pPr algn="ctr"/>
+            <a:r>
+              <a:rPr lang="en-US" sz="1200" dirty="0" err="1" smtClean="0"/>
+              <a:t>PlaatEnergy</a:t>
+            </a:r>
+            <a:endParaRPr lang="en-US" sz="1200" dirty="0" smtClean="0"/>
+          </a:p>
+          <a:p>
+            <a:pPr algn="ctr"/>
+            <a:r>
+              <a:rPr lang="en-US" sz="1200" dirty="0" smtClean="0"/>
+              <a:t>Reachable by</a:t>
+            </a:r>
+          </a:p>
+          <a:p>
+            <a:pPr algn="ctr"/>
+            <a:r>
+              <a:rPr lang="en-US" sz="1200" dirty="0" smtClean="0"/>
+              <a:t>intranet</a:t>
             </a:r>
             <a:endParaRPr lang="nl-NL" sz="1200" dirty="0"/>
           </a:p>
@@ -7964,7 +7976,15 @@
           <a:p>
             <a:r>
               <a:rPr lang="en-US" sz="2400" dirty="0" smtClean="0"/>
-              <a:t>Hardware view – Basic configuration 3</a:t>
+              <a:t>Hardware view – </a:t>
+            </a:r>
+            <a:r>
+              <a:rPr lang="en-US" sz="2400" dirty="0" smtClean="0"/>
+              <a:t>Configuration </a:t>
+            </a:r>
+            <a:r>
+              <a:rPr lang="en-US" sz="2400" dirty="0" smtClean="0"/>
+              <a:t>3</a:t>
             </a:r>
             <a:endParaRPr lang="nl-NL" sz="2400" dirty="0"/>
           </a:p>
@@ -8230,6 +8250,52 @@
           </a:fontRef>
         </p:style>
       </p:cxnSp>
+      <p:sp>
+        <p:nvSpPr>
+          <p:cNvPr id="23" name="Tekstvak 22"/>
+          <p:cNvSpPr txBox="1"/>
+          <p:nvPr/>
+        </p:nvSpPr>
+        <p:spPr>
+          <a:xfrm>
+            <a:off x="467544" y="4365104"/>
+            <a:ext cx="1224136" cy="646331"/>
+          </a:xfrm>
+          <a:prstGeom prst="rect">
+            <a:avLst/>
+          </a:prstGeom>
+          <a:noFill/>
+        </p:spPr>
+        <p:txBody>
+          <a:bodyPr wrap="square" rtlCol="0">
+            <a:spAutoFit/>
+          </a:bodyPr>
+          <a:lstStyle/>
+          <a:p>
+            <a:pPr algn="ctr"/>
+            <a:r>
+              <a:rPr lang="en-US" sz="1200" dirty="0" err="1" smtClean="0"/>
+              <a:t>PlaatEnergy</a:t>
+            </a:r>
+            <a:endParaRPr lang="en-US" sz="1200" dirty="0" smtClean="0"/>
+          </a:p>
+          <a:p>
+            <a:pPr algn="ctr"/>
+            <a:r>
+              <a:rPr lang="en-US" sz="1200" dirty="0" smtClean="0"/>
+              <a:t>Reachable by</a:t>
+            </a:r>
+          </a:p>
+          <a:p>
+            <a:pPr algn="ctr"/>
+            <a:r>
+              <a:rPr lang="en-US" sz="1200" dirty="0" smtClean="0"/>
+              <a:t>intranet</a:t>
+            </a:r>
+            <a:endParaRPr lang="nl-NL" sz="1200" dirty="0"/>
+          </a:p>
+        </p:txBody>
+      </p:sp>
     </p:spTree>
   </p:cSld>
   <p:clrMapOvr>
@@ -9029,7 +9095,15 @@
           <a:p>
             <a:r>
               <a:rPr lang="en-US" sz="2400" dirty="0" smtClean="0"/>
-              <a:t>Hardware view – Basic configuration 4</a:t>
+              <a:t>Hardware view – </a:t>
+            </a:r>
+            <a:r>
+              <a:rPr lang="en-US" sz="2400" dirty="0" smtClean="0"/>
+              <a:t>Configuration </a:t>
+            </a:r>
+            <a:r>
+              <a:rPr lang="en-US" sz="2400" dirty="0" smtClean="0"/>
+              <a:t>4</a:t>
             </a:r>
             <a:endParaRPr lang="nl-NL" sz="2400" dirty="0"/>
           </a:p>
@@ -9331,52 +9405,13 @@
       </p:pic>
       <p:sp>
         <p:nvSpPr>
-          <p:cNvPr id="120" name="Tekstvak 119"/>
-          <p:cNvSpPr txBox="1"/>
-          <p:nvPr/>
-        </p:nvSpPr>
-        <p:spPr>
-          <a:xfrm>
-            <a:off x="539552" y="2492896"/>
-            <a:ext cx="1224136" cy="646331"/>
-          </a:xfrm>
-          <a:prstGeom prst="rect">
-            <a:avLst/>
-          </a:prstGeom>
-          <a:noFill/>
-        </p:spPr>
-        <p:txBody>
-          <a:bodyPr wrap="square" rtlCol="0">
-            <a:spAutoFit/>
-          </a:bodyPr>
-          <a:lstStyle/>
-          <a:p>
-            <a:pPr algn="ctr"/>
-            <a:r>
-              <a:rPr lang="en-US" sz="1200" dirty="0" err="1" smtClean="0"/>
-              <a:t>PlaatEnergy</a:t>
-            </a:r>
-            <a:endParaRPr lang="en-US" sz="1200" dirty="0" smtClean="0"/>
-          </a:p>
-          <a:p>
-            <a:pPr algn="ctr"/>
-            <a:r>
-              <a:rPr lang="en-US" sz="1200" dirty="0" smtClean="0"/>
-              <a:t>Secure access on internet</a:t>
-            </a:r>
-            <a:endParaRPr lang="nl-NL" sz="1200" dirty="0"/>
-          </a:p>
-        </p:txBody>
-      </p:sp>
-      <p:sp>
-        <p:nvSpPr>
           <p:cNvPr id="121" name="Tekstvak 120"/>
           <p:cNvSpPr txBox="1"/>
           <p:nvPr/>
         </p:nvSpPr>
         <p:spPr>
           <a:xfrm>
-            <a:off x="3923928" y="4941168"/>
+            <a:off x="7092280" y="4941168"/>
             <a:ext cx="1224136" cy="646331"/>
           </a:xfrm>
           <a:prstGeom prst="rect">
@@ -9537,6 +9572,52 @@
           </a:fontRef>
         </p:style>
       </p:cxnSp>
+      <p:sp>
+        <p:nvSpPr>
+          <p:cNvPr id="36" name="Tekstvak 35"/>
+          <p:cNvSpPr txBox="1"/>
+          <p:nvPr/>
+        </p:nvSpPr>
+        <p:spPr>
+          <a:xfrm>
+            <a:off x="251520" y="4725144"/>
+            <a:ext cx="1224136" cy="646331"/>
+          </a:xfrm>
+          <a:prstGeom prst="rect">
+            <a:avLst/>
+          </a:prstGeom>
+          <a:noFill/>
+        </p:spPr>
+        <p:txBody>
+          <a:bodyPr wrap="square" rtlCol="0">
+            <a:spAutoFit/>
+          </a:bodyPr>
+          <a:lstStyle/>
+          <a:p>
+            <a:pPr algn="ctr"/>
+            <a:r>
+              <a:rPr lang="en-US" sz="1200" dirty="0" err="1" smtClean="0"/>
+              <a:t>PlaatEnergy</a:t>
+            </a:r>
+            <a:endParaRPr lang="en-US" sz="1200" dirty="0" smtClean="0"/>
+          </a:p>
+          <a:p>
+            <a:pPr algn="ctr"/>
+            <a:r>
+              <a:rPr lang="en-US" sz="1200" dirty="0" smtClean="0"/>
+              <a:t>Reachable by</a:t>
+            </a:r>
+          </a:p>
+          <a:p>
+            <a:pPr algn="ctr"/>
+            <a:r>
+              <a:rPr lang="en-US" sz="1200" dirty="0" smtClean="0"/>
+              <a:t>internet</a:t>
+            </a:r>
+            <a:endParaRPr lang="nl-NL" sz="1200" dirty="0"/>
+          </a:p>
+        </p:txBody>
+      </p:sp>
     </p:spTree>
   </p:cSld>
   <p:clrMapOvr>
@@ -10563,7 +10644,11 @@
           <a:p>
             <a:r>
               <a:rPr lang="en-US" sz="2400" dirty="0" smtClean="0"/>
-              <a:t>Hardware view – Complex configuration  </a:t>
+              <a:t>Hardware view – </a:t>
+            </a:r>
+            <a:r>
+              <a:rPr lang="en-US" sz="2400" dirty="0" smtClean="0"/>
+              <a:t>Configuration  5</a:t>
             </a:r>
             <a:endParaRPr lang="nl-NL" sz="2400" dirty="0"/>
           </a:p>
@@ -10961,11 +11046,7 @@
             <a:pPr algn="ctr"/>
             <a:r>
               <a:rPr lang="en-US" sz="1200" dirty="0" smtClean="0"/>
-              <a:t>slide </a:t>
-            </a:r>
-            <a:r>
-              <a:rPr lang="en-US" sz="1200" dirty="0" smtClean="0"/>
-              <a:t>show</a:t>
+              <a:t>slide show</a:t>
             </a:r>
           </a:p>
           <a:p>

--- a/doc/ppt/PlaatEnergy Design.pptx
+++ b/doc/ppt/PlaatEnergy Design.pptx
@@ -3544,6 +3544,13 @@
   <p:clrMapOvr>
     <a:masterClrMapping/>
   </p:clrMapOvr>
+  <p:timing>
+    <p:tnLst>
+      <p:par>
+        <p:cTn id="1" dur="indefinite" restart="never" nodeType="tmRoot"/>
+      </p:par>
+    </p:tnLst>
+  </p:timing>
 </p:sld>
 </file>
 
@@ -3634,7 +3641,7 @@
             <a:pPr algn="ctr"/>
             <a:r>
               <a:rPr lang="en-US" dirty="0" smtClean="0"/>
-              <a:t>Sensor Script</a:t>
+              <a:t>sensor scripts</a:t>
             </a:r>
             <a:endParaRPr lang="nl-NL" dirty="0"/>
           </a:p>
@@ -3685,7 +3692,11 @@
             <a:pPr algn="ctr"/>
             <a:r>
               <a:rPr lang="en-US" dirty="0" smtClean="0"/>
-              <a:t>Sensor Script</a:t>
+              <a:t>s</a:t>
+            </a:r>
+            <a:r>
+              <a:rPr lang="en-US" dirty="0" smtClean="0"/>
+              <a:t>ensor scripts</a:t>
             </a:r>
             <a:endParaRPr lang="nl-NL" dirty="0"/>
           </a:p>
@@ -3736,7 +3747,7 @@
             <a:pPr algn="ctr"/>
             <a:r>
               <a:rPr lang="en-US" dirty="0" smtClean="0"/>
-              <a:t>Sensor Script</a:t>
+              <a:t>sensor script</a:t>
             </a:r>
             <a:endParaRPr lang="nl-NL" dirty="0"/>
           </a:p>
@@ -3787,7 +3798,7 @@
             <a:pPr algn="ctr"/>
             <a:r>
               <a:rPr lang="en-US" dirty="0" smtClean="0"/>
-              <a:t>Sensor Script</a:t>
+              <a:t>sensor script</a:t>
             </a:r>
             <a:endParaRPr lang="nl-NL" dirty="0"/>
           </a:p>
@@ -3875,7 +3886,15 @@
             <a:pPr algn="ctr"/>
             <a:r>
               <a:rPr lang="en-US" dirty="0" smtClean="0"/>
-              <a:t>Data Aggregation algorithm </a:t>
+              <a:t>Business Logic + Data </a:t>
+            </a:r>
+            <a:r>
+              <a:rPr lang="en-US" dirty="0" smtClean="0"/>
+              <a:t>Aggregation algorithm </a:t>
+            </a:r>
+            <a:r>
+              <a:rPr lang="en-US" dirty="0" smtClean="0"/>
+              <a:t> layer</a:t>
             </a:r>
             <a:endParaRPr lang="nl-NL" dirty="0"/>
           </a:p>
@@ -4113,7 +4132,7 @@
           <a:p>
             <a:r>
               <a:rPr lang="en-US" dirty="0" err="1" smtClean="0"/>
-              <a:t>sql</a:t>
+              <a:t>php</a:t>
             </a:r>
             <a:endParaRPr lang="nl-NL" dirty="0"/>
           </a:p>
@@ -4270,6 +4289,13 @@
   <p:clrMapOvr>
     <a:masterClrMapping/>
   </p:clrMapOvr>
+  <p:timing>
+    <p:tnLst>
+      <p:par>
+        <p:cTn id="1" dur="indefinite" restart="never" nodeType="tmRoot"/>
+      </p:par>
+    </p:tnLst>
+  </p:timing>
 </p:sld>
 </file>
 
@@ -4343,15 +4369,7 @@
           <a:p>
             <a:r>
               <a:rPr lang="en-US" dirty="0" smtClean="0"/>
-              <a:t>User friendly </a:t>
-            </a:r>
-            <a:r>
-              <a:rPr lang="en-US" dirty="0" smtClean="0"/>
-              <a:t>web </a:t>
-            </a:r>
-            <a:r>
-              <a:rPr lang="en-US" dirty="0" smtClean="0"/>
-              <a:t>interface</a:t>
+              <a:t>User friendly web interface</a:t>
             </a:r>
           </a:p>
           <a:p>
@@ -4412,6 +4430,13 @@
   <p:clrMapOvr>
     <a:masterClrMapping/>
   </p:clrMapOvr>
+  <p:timing>
+    <p:tnLst>
+      <p:par>
+        <p:cTn id="1" dur="indefinite" restart="never" nodeType="tmRoot"/>
+      </p:par>
+    </p:tnLst>
+  </p:timing>
 </p:sld>
 </file>
 
@@ -5003,6 +5028,13 @@
   <p:clrMapOvr>
     <a:masterClrMapping/>
   </p:clrMapOvr>
+  <p:timing>
+    <p:tnLst>
+      <p:par>
+        <p:cTn id="1" dur="indefinite" restart="never" nodeType="tmRoot"/>
+      </p:par>
+    </p:tnLst>
+  </p:timing>
 </p:sld>
 </file>
 
@@ -5177,21 +5209,8 @@
           <a:p>
             <a:r>
               <a:rPr lang="en-US" dirty="0" smtClean="0"/>
-              <a:t>My energy / gas </a:t>
-            </a:r>
-            <a:r>
-              <a:rPr lang="en-US" dirty="0" smtClean="0"/>
-              <a:t>use </a:t>
-            </a:r>
-            <a:r>
-              <a:rPr lang="en-US" dirty="0" smtClean="0"/>
-              <a:t>is dropped with 25%  / 50% because I am more </a:t>
-            </a:r>
-            <a:r>
-              <a:rPr lang="en-US" dirty="0" smtClean="0"/>
-              <a:t>aware now.</a:t>
-            </a:r>
-            <a:endParaRPr lang="en-US" dirty="0" smtClean="0"/>
+              <a:t>My energy / gas use is dropped with 25%  / 50% because I am more aware now.</a:t>
+            </a:r>
           </a:p>
           <a:p>
             <a:r>
@@ -5287,11 +5306,7 @@
           <a:p>
             <a:r>
               <a:rPr lang="en-US" dirty="0" smtClean="0"/>
-              <a:t>Add </a:t>
-            </a:r>
-            <a:r>
-              <a:rPr lang="en-US" dirty="0" smtClean="0"/>
-              <a:t>Google Nest product support</a:t>
+              <a:t>Add Google Nest product support</a:t>
             </a:r>
           </a:p>
           <a:p>
@@ -5548,6 +5563,13 @@
   <p:clrMapOvr>
     <a:masterClrMapping/>
   </p:clrMapOvr>
+  <p:timing>
+    <p:tnLst>
+      <p:par>
+        <p:cTn id="1" dur="indefinite" restart="never" nodeType="tmRoot"/>
+      </p:par>
+    </p:tnLst>
+  </p:timing>
 </p:sld>
 </file>
 
@@ -5873,6 +5895,13 @@
   <p:clrMapOvr>
     <a:masterClrMapping/>
   </p:clrMapOvr>
+  <p:timing>
+    <p:tnLst>
+      <p:par>
+        <p:cTn id="1" dur="indefinite" restart="never" nodeType="tmRoot"/>
+      </p:par>
+    </p:tnLst>
+  </p:timing>
 </p:sld>
 </file>
 
@@ -6170,15 +6199,7 @@
           <a:p>
             <a:r>
               <a:rPr lang="en-US" sz="2400" dirty="0" smtClean="0"/>
-              <a:t>Hardware view – </a:t>
-            </a:r>
-            <a:r>
-              <a:rPr lang="en-US" sz="2400" dirty="0" smtClean="0"/>
-              <a:t>Configuration </a:t>
-            </a:r>
-            <a:r>
-              <a:rPr lang="en-US" sz="2400" dirty="0" smtClean="0"/>
-              <a:t>1</a:t>
+              <a:t>Hardware view – Configuration 1</a:t>
             </a:r>
             <a:endParaRPr lang="nl-NL" sz="2400" dirty="0"/>
           </a:p>
@@ -6589,6 +6610,13 @@
   <p:clrMapOvr>
     <a:masterClrMapping/>
   </p:clrMapOvr>
+  <p:timing>
+    <p:tnLst>
+      <p:par>
+        <p:cTn id="1" dur="indefinite" restart="never" nodeType="tmRoot"/>
+      </p:par>
+    </p:tnLst>
+  </p:timing>
 </p:sld>
 </file>
 
@@ -7140,15 +7168,7 @@
           <a:p>
             <a:r>
               <a:rPr lang="en-US" sz="2400" dirty="0" smtClean="0"/>
-              <a:t>Hardware view – </a:t>
-            </a:r>
-            <a:r>
-              <a:rPr lang="en-US" sz="2400" dirty="0" smtClean="0"/>
-              <a:t>Configuration </a:t>
-            </a:r>
-            <a:r>
-              <a:rPr lang="en-US" sz="2400" dirty="0" smtClean="0"/>
-              <a:t>2</a:t>
+              <a:t>Hardware view – Configuration 2</a:t>
             </a:r>
             <a:endParaRPr lang="nl-NL" sz="2400" dirty="0"/>
           </a:p>
@@ -7427,6 +7447,13 @@
   <p:clrMapOvr>
     <a:masterClrMapping/>
   </p:clrMapOvr>
+  <p:timing>
+    <p:tnLst>
+      <p:par>
+        <p:cTn id="1" dur="indefinite" restart="never" nodeType="tmRoot"/>
+      </p:par>
+    </p:tnLst>
+  </p:timing>
 </p:sld>
 </file>
 
@@ -7976,15 +8003,7 @@
           <a:p>
             <a:r>
               <a:rPr lang="en-US" sz="2400" dirty="0" smtClean="0"/>
-              <a:t>Hardware view – </a:t>
-            </a:r>
-            <a:r>
-              <a:rPr lang="en-US" sz="2400" dirty="0" smtClean="0"/>
-              <a:t>Configuration </a:t>
-            </a:r>
-            <a:r>
-              <a:rPr lang="en-US" sz="2400" dirty="0" smtClean="0"/>
-              <a:t>3</a:t>
+              <a:t>Hardware view – Configuration 3</a:t>
             </a:r>
             <a:endParaRPr lang="nl-NL" sz="2400" dirty="0"/>
           </a:p>
@@ -8301,6 +8320,13 @@
   <p:clrMapOvr>
     <a:masterClrMapping/>
   </p:clrMapOvr>
+  <p:timing>
+    <p:tnLst>
+      <p:par>
+        <p:cTn id="1" dur="indefinite" restart="never" nodeType="tmRoot"/>
+      </p:par>
+    </p:tnLst>
+  </p:timing>
 </p:sld>
 </file>
 
@@ -9095,15 +9121,7 @@
           <a:p>
             <a:r>
               <a:rPr lang="en-US" sz="2400" dirty="0" smtClean="0"/>
-              <a:t>Hardware view – </a:t>
-            </a:r>
-            <a:r>
-              <a:rPr lang="en-US" sz="2400" dirty="0" smtClean="0"/>
-              <a:t>Configuration </a:t>
-            </a:r>
-            <a:r>
-              <a:rPr lang="en-US" sz="2400" dirty="0" smtClean="0"/>
-              <a:t>4</a:t>
+              <a:t>Hardware view – Configuration 4</a:t>
             </a:r>
             <a:endParaRPr lang="nl-NL" sz="2400" dirty="0"/>
           </a:p>
@@ -9623,6 +9641,13 @@
   <p:clrMapOvr>
     <a:masterClrMapping/>
   </p:clrMapOvr>
+  <p:timing>
+    <p:tnLst>
+      <p:par>
+        <p:cTn id="1" dur="indefinite" restart="never" nodeType="tmRoot"/>
+      </p:par>
+    </p:tnLst>
+  </p:timing>
 </p:sld>
 </file>
 
@@ -10644,11 +10669,7 @@
           <a:p>
             <a:r>
               <a:rPr lang="en-US" sz="2400" dirty="0" smtClean="0"/>
-              <a:t>Hardware view – </a:t>
-            </a:r>
-            <a:r>
-              <a:rPr lang="en-US" sz="2400" dirty="0" smtClean="0"/>
-              <a:t>Configuration  5</a:t>
+              <a:t>Hardware view – Configuration  5</a:t>
             </a:r>
             <a:endParaRPr lang="nl-NL" sz="2400" dirty="0"/>
           </a:p>
@@ -11303,6 +11324,13 @@
   <p:clrMapOvr>
     <a:masterClrMapping/>
   </p:clrMapOvr>
+  <p:timing>
+    <p:tnLst>
+      <p:par>
+        <p:cTn id="1" dur="indefinite" restart="never" nodeType="tmRoot"/>
+      </p:par>
+    </p:tnLst>
+  </p:timing>
 </p:sld>
 </file>
 

--- a/doc/ppt/PlaatEnergy Design.pptx
+++ b/doc/ppt/PlaatEnergy Design.pptx
@@ -3692,11 +3692,7 @@
             <a:pPr algn="ctr"/>
             <a:r>
               <a:rPr lang="en-US" dirty="0" smtClean="0"/>
-              <a:t>s</a:t>
-            </a:r>
-            <a:r>
-              <a:rPr lang="en-US" dirty="0" smtClean="0"/>
-              <a:t>ensor scripts</a:t>
+              <a:t>sensor scripts</a:t>
             </a:r>
             <a:endParaRPr lang="nl-NL" dirty="0"/>
           </a:p>
@@ -3886,15 +3882,7 @@
             <a:pPr algn="ctr"/>
             <a:r>
               <a:rPr lang="en-US" dirty="0" smtClean="0"/>
-              <a:t>Business Logic + Data </a:t>
-            </a:r>
-            <a:r>
-              <a:rPr lang="en-US" dirty="0" smtClean="0"/>
-              <a:t>Aggregation algorithm </a:t>
-            </a:r>
-            <a:r>
-              <a:rPr lang="en-US" dirty="0" smtClean="0"/>
-              <a:t> layer</a:t>
+              <a:t>Business Logic + Data Aggregation algorithm  layer</a:t>
             </a:r>
             <a:endParaRPr lang="nl-NL" dirty="0"/>
           </a:p>
@@ -9262,83 +9250,16 @@
           </a:p>
         </p:txBody>
       </p:sp>
-      <p:pic>
-        <p:nvPicPr>
-          <p:cNvPr id="1037" name="Picture 13"/>
-          <p:cNvPicPr>
-            <a:picLocks noChangeAspect="1" noChangeArrowheads="1"/>
-          </p:cNvPicPr>
-          <p:nvPr/>
-        </p:nvPicPr>
-        <p:blipFill>
-          <a:blip r:embed="rId5" cstate="print"/>
-          <a:srcRect/>
-          <a:stretch>
-            <a:fillRect/>
-          </a:stretch>
-        </p:blipFill>
-        <p:spPr bwMode="auto">
-          <a:xfrm>
-            <a:off x="5076056" y="4581128"/>
-            <a:ext cx="2124075" cy="1581150"/>
-          </a:xfrm>
-          <a:prstGeom prst="rect">
-            <a:avLst/>
-          </a:prstGeom>
-          <a:noFill/>
-          <a:ln w="9525">
-            <a:noFill/>
-            <a:miter lim="800000"/>
-            <a:headEnd/>
-            <a:tailEnd/>
-          </a:ln>
-        </p:spPr>
-      </p:pic>
-      <p:cxnSp>
-        <p:nvCxnSpPr>
-          <p:cNvPr id="112" name="Rechte verbindingslijn met pijl 111"/>
-          <p:cNvCxnSpPr>
-            <a:stCxn id="5" idx="2"/>
-          </p:cNvCxnSpPr>
-          <p:nvPr/>
-        </p:nvCxnSpPr>
-        <p:spPr>
-          <a:xfrm>
-            <a:off x="6012160" y="4062556"/>
-            <a:ext cx="0" cy="518572"/>
-          </a:xfrm>
-          <a:prstGeom prst="straightConnector1">
-            <a:avLst/>
-          </a:prstGeom>
-          <a:ln w="28575">
-            <a:tailEnd type="arrow"/>
-          </a:ln>
-        </p:spPr>
-        <p:style>
-          <a:lnRef idx="1">
-            <a:schemeClr val="accent2"/>
-          </a:lnRef>
-          <a:fillRef idx="0">
-            <a:schemeClr val="accent2"/>
-          </a:fillRef>
-          <a:effectRef idx="0">
-            <a:schemeClr val="accent2"/>
-          </a:effectRef>
-          <a:fontRef idx="minor">
-            <a:schemeClr val="tx1"/>
-          </a:fontRef>
-        </p:style>
-      </p:cxnSp>
-      <p:sp>
-        <p:nvSpPr>
-          <p:cNvPr id="114" name="Tekstvak 113"/>
+      <p:sp>
+        <p:nvSpPr>
+          <p:cNvPr id="117" name="Tekstvak 116"/>
           <p:cNvSpPr txBox="1"/>
           <p:nvPr/>
         </p:nvSpPr>
         <p:spPr>
           <a:xfrm>
-            <a:off x="6012160" y="4221088"/>
-            <a:ext cx="936104" cy="276999"/>
+            <a:off x="7308304" y="1628800"/>
+            <a:ext cx="1080120" cy="276999"/>
           </a:xfrm>
           <a:prstGeom prst="rect">
             <a:avLst/>
@@ -9353,115 +9274,7 @@
           <a:p>
             <a:r>
               <a:rPr lang="en-US" sz="1200" dirty="0" smtClean="0"/>
-              <a:t>HDMI cable</a:t>
-            </a:r>
-            <a:endParaRPr lang="nl-NL" sz="1200" dirty="0"/>
-          </a:p>
-        </p:txBody>
-      </p:sp>
-      <p:sp>
-        <p:nvSpPr>
-          <p:cNvPr id="117" name="Tekstvak 116"/>
-          <p:cNvSpPr txBox="1"/>
-          <p:nvPr/>
-        </p:nvSpPr>
-        <p:spPr>
-          <a:xfrm>
-            <a:off x="7308304" y="1628800"/>
-            <a:ext cx="1080120" cy="276999"/>
-          </a:xfrm>
-          <a:prstGeom prst="rect">
-            <a:avLst/>
-          </a:prstGeom>
-          <a:noFill/>
-        </p:spPr>
-        <p:txBody>
-          <a:bodyPr wrap="square" rtlCol="0">
-            <a:spAutoFit/>
-          </a:bodyPr>
-          <a:lstStyle/>
-          <a:p>
-            <a:r>
-              <a:rPr lang="en-US" sz="1200" dirty="0" smtClean="0"/>
               <a:t>Bluetooth</a:t>
-            </a:r>
-            <a:endParaRPr lang="nl-NL" sz="1200" dirty="0"/>
-          </a:p>
-        </p:txBody>
-      </p:sp>
-      <p:pic>
-        <p:nvPicPr>
-          <p:cNvPr id="118" name="Picture 10"/>
-          <p:cNvPicPr>
-            <a:picLocks noChangeAspect="1" noChangeArrowheads="1"/>
-          </p:cNvPicPr>
-          <p:nvPr/>
-        </p:nvPicPr>
-        <p:blipFill>
-          <a:blip r:embed="rId4" cstate="print"/>
-          <a:srcRect/>
-          <a:stretch>
-            <a:fillRect/>
-          </a:stretch>
-        </p:blipFill>
-        <p:spPr bwMode="auto">
-          <a:xfrm>
-            <a:off x="5239122" y="4725144"/>
-            <a:ext cx="1716192" cy="1008112"/>
-          </a:xfrm>
-          <a:prstGeom prst="rect">
-            <a:avLst/>
-          </a:prstGeom>
-          <a:noFill/>
-          <a:ln w="9525">
-            <a:noFill/>
-            <a:miter lim="800000"/>
-            <a:headEnd/>
-            <a:tailEnd/>
-          </a:ln>
-        </p:spPr>
-      </p:pic>
-      <p:sp>
-        <p:nvSpPr>
-          <p:cNvPr id="121" name="Tekstvak 120"/>
-          <p:cNvSpPr txBox="1"/>
-          <p:nvPr/>
-        </p:nvSpPr>
-        <p:spPr>
-          <a:xfrm>
-            <a:off x="7092280" y="4941168"/>
-            <a:ext cx="1224136" cy="646331"/>
-          </a:xfrm>
-          <a:prstGeom prst="rect">
-            <a:avLst/>
-          </a:prstGeom>
-          <a:noFill/>
-        </p:spPr>
-        <p:txBody>
-          <a:bodyPr wrap="square" rtlCol="0">
-            <a:spAutoFit/>
-          </a:bodyPr>
-          <a:lstStyle/>
-          <a:p>
-            <a:pPr algn="ctr"/>
-            <a:r>
-              <a:rPr lang="en-US" sz="1200" dirty="0" err="1" smtClean="0"/>
-              <a:t>PlaatEnergy</a:t>
-            </a:r>
-            <a:endParaRPr lang="en-US" sz="1200" dirty="0" smtClean="0"/>
-          </a:p>
-          <a:p>
-            <a:pPr algn="ctr"/>
-            <a:r>
-              <a:rPr lang="en-US" sz="1200" dirty="0" smtClean="0"/>
-              <a:t>Slide on attach</a:t>
-            </a:r>
-          </a:p>
-          <a:p>
-            <a:pPr algn="ctr"/>
-            <a:r>
-              <a:rPr lang="en-US" sz="1200" dirty="0" smtClean="0"/>
-              <a:t>monitor</a:t>
             </a:r>
             <a:endParaRPr lang="nl-NL" sz="1200" dirty="0"/>
           </a:p>
@@ -10604,8 +10417,8 @@
         </p:blipFill>
         <p:spPr bwMode="auto">
           <a:xfrm>
-            <a:off x="251520" y="5229200"/>
-            <a:ext cx="1916236" cy="1628800"/>
+            <a:off x="107504" y="5229200"/>
+            <a:ext cx="1746805" cy="1484784"/>
           </a:xfrm>
           <a:prstGeom prst="rect">
             <a:avLst/>
@@ -10630,8 +10443,8 @@
         </p:blipFill>
         <p:spPr bwMode="auto">
           <a:xfrm>
-            <a:off x="395536" y="5445224"/>
-            <a:ext cx="1080120" cy="785183"/>
+            <a:off x="251520" y="5445225"/>
+            <a:ext cx="1008112" cy="680492"/>
           </a:xfrm>
           <a:prstGeom prst="rect">
             <a:avLst/>

--- a/doc/ppt/PlaatEnergy Design.pptx
+++ b/doc/ppt/PlaatEnergy Design.pptx
@@ -5,7 +5,7 @@
     <p:sldMasterId id="2147483648" r:id="rId1"/>
   </p:sldMasterIdLst>
   <p:notesMasterIdLst>
-    <p:notesMasterId r:id="rId26"/>
+    <p:notesMasterId r:id="rId27"/>
   </p:notesMasterIdLst>
   <p:sldIdLst>
     <p:sldId id="262" r:id="rId2"/>
@@ -17,21 +17,22 @@
     <p:sldId id="278" r:id="rId8"/>
     <p:sldId id="271" r:id="rId9"/>
     <p:sldId id="256" r:id="rId10"/>
-    <p:sldId id="280" r:id="rId11"/>
-    <p:sldId id="281" r:id="rId12"/>
-    <p:sldId id="284" r:id="rId13"/>
-    <p:sldId id="264" r:id="rId14"/>
-    <p:sldId id="287" r:id="rId15"/>
-    <p:sldId id="288" r:id="rId16"/>
-    <p:sldId id="285" r:id="rId17"/>
-    <p:sldId id="286" r:id="rId18"/>
-    <p:sldId id="294" r:id="rId19"/>
-    <p:sldId id="289" r:id="rId20"/>
-    <p:sldId id="290" r:id="rId21"/>
-    <p:sldId id="291" r:id="rId22"/>
-    <p:sldId id="292" r:id="rId23"/>
-    <p:sldId id="293" r:id="rId24"/>
-    <p:sldId id="295" r:id="rId25"/>
+    <p:sldId id="296" r:id="rId11"/>
+    <p:sldId id="280" r:id="rId12"/>
+    <p:sldId id="281" r:id="rId13"/>
+    <p:sldId id="284" r:id="rId14"/>
+    <p:sldId id="264" r:id="rId15"/>
+    <p:sldId id="287" r:id="rId16"/>
+    <p:sldId id="288" r:id="rId17"/>
+    <p:sldId id="285" r:id="rId18"/>
+    <p:sldId id="286" r:id="rId19"/>
+    <p:sldId id="294" r:id="rId20"/>
+    <p:sldId id="289" r:id="rId21"/>
+    <p:sldId id="290" r:id="rId22"/>
+    <p:sldId id="291" r:id="rId23"/>
+    <p:sldId id="292" r:id="rId24"/>
+    <p:sldId id="293" r:id="rId25"/>
+    <p:sldId id="295" r:id="rId26"/>
   </p:sldIdLst>
   <p:sldSz cx="9144000" cy="6858000" type="screen4x3"/>
   <p:notesSz cx="6858000" cy="9144000"/>
@@ -216,7 +217,7 @@
             <a:fld id="{AAA9B6CD-1D48-452A-A7F2-8CBBE02CC7D2}" type="datetimeFigureOut">
               <a:rPr lang="nl-NL" smtClean="0"/>
               <a:pPr/>
-              <a:t>24-4-2016</a:t>
+              <a:t>11-6-2016</a:t>
             </a:fld>
             <a:endParaRPr lang="nl-NL"/>
           </a:p>
@@ -664,7 +665,7 @@
             <a:fld id="{96BAE843-BE96-40CB-B634-F63C679A4CF5}" type="datetimeFigureOut">
               <a:rPr lang="nl-NL" smtClean="0"/>
               <a:pPr/>
-              <a:t>24-4-2016</a:t>
+              <a:t>11-6-2016</a:t>
             </a:fld>
             <a:endParaRPr lang="nl-NL"/>
           </a:p>
@@ -831,7 +832,7 @@
             <a:fld id="{96BAE843-BE96-40CB-B634-F63C679A4CF5}" type="datetimeFigureOut">
               <a:rPr lang="nl-NL" smtClean="0"/>
               <a:pPr/>
-              <a:t>24-4-2016</a:t>
+              <a:t>11-6-2016</a:t>
             </a:fld>
             <a:endParaRPr lang="nl-NL"/>
           </a:p>
@@ -1008,7 +1009,7 @@
             <a:fld id="{96BAE843-BE96-40CB-B634-F63C679A4CF5}" type="datetimeFigureOut">
               <a:rPr lang="nl-NL" smtClean="0"/>
               <a:pPr/>
-              <a:t>24-4-2016</a:t>
+              <a:t>11-6-2016</a:t>
             </a:fld>
             <a:endParaRPr lang="nl-NL"/>
           </a:p>
@@ -1175,7 +1176,7 @@
             <a:fld id="{96BAE843-BE96-40CB-B634-F63C679A4CF5}" type="datetimeFigureOut">
               <a:rPr lang="nl-NL" smtClean="0"/>
               <a:pPr/>
-              <a:t>24-4-2016</a:t>
+              <a:t>11-6-2016</a:t>
             </a:fld>
             <a:endParaRPr lang="nl-NL"/>
           </a:p>
@@ -1418,7 +1419,7 @@
             <a:fld id="{96BAE843-BE96-40CB-B634-F63C679A4CF5}" type="datetimeFigureOut">
               <a:rPr lang="nl-NL" smtClean="0"/>
               <a:pPr/>
-              <a:t>24-4-2016</a:t>
+              <a:t>11-6-2016</a:t>
             </a:fld>
             <a:endParaRPr lang="nl-NL"/>
           </a:p>
@@ -1703,7 +1704,7 @@
             <a:fld id="{96BAE843-BE96-40CB-B634-F63C679A4CF5}" type="datetimeFigureOut">
               <a:rPr lang="nl-NL" smtClean="0"/>
               <a:pPr/>
-              <a:t>24-4-2016</a:t>
+              <a:t>11-6-2016</a:t>
             </a:fld>
             <a:endParaRPr lang="nl-NL"/>
           </a:p>
@@ -2122,7 +2123,7 @@
             <a:fld id="{96BAE843-BE96-40CB-B634-F63C679A4CF5}" type="datetimeFigureOut">
               <a:rPr lang="nl-NL" smtClean="0"/>
               <a:pPr/>
-              <a:t>24-4-2016</a:t>
+              <a:t>11-6-2016</a:t>
             </a:fld>
             <a:endParaRPr lang="nl-NL"/>
           </a:p>
@@ -2237,7 +2238,7 @@
             <a:fld id="{96BAE843-BE96-40CB-B634-F63C679A4CF5}" type="datetimeFigureOut">
               <a:rPr lang="nl-NL" smtClean="0"/>
               <a:pPr/>
-              <a:t>24-4-2016</a:t>
+              <a:t>11-6-2016</a:t>
             </a:fld>
             <a:endParaRPr lang="nl-NL"/>
           </a:p>
@@ -2329,7 +2330,7 @@
             <a:fld id="{96BAE843-BE96-40CB-B634-F63C679A4CF5}" type="datetimeFigureOut">
               <a:rPr lang="nl-NL" smtClean="0"/>
               <a:pPr/>
-              <a:t>24-4-2016</a:t>
+              <a:t>11-6-2016</a:t>
             </a:fld>
             <a:endParaRPr lang="nl-NL"/>
           </a:p>
@@ -2603,7 +2604,7 @@
             <a:fld id="{96BAE843-BE96-40CB-B634-F63C679A4CF5}" type="datetimeFigureOut">
               <a:rPr lang="nl-NL" smtClean="0"/>
               <a:pPr/>
-              <a:t>24-4-2016</a:t>
+              <a:t>11-6-2016</a:t>
             </a:fld>
             <a:endParaRPr lang="nl-NL"/>
           </a:p>
@@ -2853,7 +2854,7 @@
             <a:fld id="{96BAE843-BE96-40CB-B634-F63C679A4CF5}" type="datetimeFigureOut">
               <a:rPr lang="nl-NL" smtClean="0"/>
               <a:pPr/>
-              <a:t>24-4-2016</a:t>
+              <a:t>11-6-2016</a:t>
             </a:fld>
             <a:endParaRPr lang="nl-NL"/>
           </a:p>
@@ -3063,7 +3064,7 @@
             <a:fld id="{96BAE843-BE96-40CB-B634-F63C679A4CF5}" type="datetimeFigureOut">
               <a:rPr lang="nl-NL" smtClean="0"/>
               <a:pPr/>
-              <a:t>24-4-2016</a:t>
+              <a:t>11-6-2016</a:t>
             </a:fld>
             <a:endParaRPr lang="nl-NL"/>
           </a:p>
@@ -3573,41 +3574,444 @@
       </p:grpSpPr>
       <p:sp>
         <p:nvSpPr>
-          <p:cNvPr id="2" name="Titel 1"/>
+          <p:cNvPr id="5" name="Tekstvak 4"/>
+          <p:cNvSpPr txBox="1"/>
+          <p:nvPr/>
+        </p:nvSpPr>
+        <p:spPr>
+          <a:xfrm>
+            <a:off x="5364088" y="2636912"/>
+            <a:ext cx="1800200" cy="1569660"/>
+          </a:xfrm>
+          <a:prstGeom prst="rect">
+            <a:avLst/>
+          </a:prstGeom>
+        </p:spPr>
+        <p:style>
+          <a:lnRef idx="2">
+            <a:schemeClr val="accent2">
+              <a:shade val="50000"/>
+            </a:schemeClr>
+          </a:lnRef>
+          <a:fillRef idx="1">
+            <a:schemeClr val="accent2"/>
+          </a:fillRef>
+          <a:effectRef idx="0">
+            <a:schemeClr val="accent2"/>
+          </a:effectRef>
+          <a:fontRef idx="minor">
+            <a:schemeClr val="lt1"/>
+          </a:fontRef>
+        </p:style>
+        <p:txBody>
+          <a:bodyPr wrap="square" rtlCol="0">
+            <a:spAutoFit/>
+          </a:bodyPr>
+          <a:lstStyle/>
+          <a:p>
+            <a:pPr algn="ctr"/>
+            <a:r>
+              <a:rPr lang="en-US" dirty="0" smtClean="0"/>
+              <a:t>Raspberry Pi</a:t>
+            </a:r>
+          </a:p>
+          <a:p>
+            <a:pPr algn="ctr"/>
+            <a:endParaRPr lang="en-US" dirty="0" smtClean="0"/>
+          </a:p>
+          <a:p>
+            <a:pPr algn="ctr"/>
+            <a:r>
+              <a:rPr lang="en-US" sz="2400" dirty="0" err="1" smtClean="0"/>
+              <a:t>PlaatEnergy</a:t>
+            </a:r>
+            <a:r>
+              <a:rPr lang="en-US" dirty="0" smtClean="0"/>
+              <a:t> </a:t>
+            </a:r>
+          </a:p>
+          <a:p>
+            <a:pPr algn="ctr"/>
+            <a:endParaRPr lang="en-US" dirty="0" smtClean="0"/>
+          </a:p>
+          <a:p>
+            <a:pPr algn="ctr"/>
+            <a:r>
+              <a:rPr lang="en-US" dirty="0" smtClean="0"/>
+              <a:t>Sense Hat (Pi)</a:t>
+            </a:r>
+            <a:endParaRPr lang="nl-NL" dirty="0"/>
+          </a:p>
+        </p:txBody>
+      </p:sp>
+      <p:sp>
+        <p:nvSpPr>
+          <p:cNvPr id="6" name="Tekstvak 5"/>
+          <p:cNvSpPr txBox="1"/>
+          <p:nvPr/>
+        </p:nvSpPr>
+        <p:spPr>
+          <a:xfrm>
+            <a:off x="2267744" y="2276872"/>
+            <a:ext cx="1656184" cy="646331"/>
+          </a:xfrm>
+          <a:prstGeom prst="rect">
+            <a:avLst/>
+          </a:prstGeom>
+        </p:spPr>
+        <p:style>
+          <a:lnRef idx="2">
+            <a:schemeClr val="accent2">
+              <a:shade val="50000"/>
+            </a:schemeClr>
+          </a:lnRef>
+          <a:fillRef idx="1">
+            <a:schemeClr val="accent2"/>
+          </a:fillRef>
+          <a:effectRef idx="0">
+            <a:schemeClr val="accent2"/>
+          </a:effectRef>
+          <a:fontRef idx="minor">
+            <a:schemeClr val="lt1"/>
+          </a:fontRef>
+        </p:style>
+        <p:txBody>
+          <a:bodyPr wrap="square" rtlCol="0">
+            <a:spAutoFit/>
+          </a:bodyPr>
+          <a:lstStyle/>
+          <a:p>
+            <a:pPr algn="ctr"/>
+            <a:r>
+              <a:rPr lang="en-US" dirty="0" smtClean="0"/>
+              <a:t>Solar </a:t>
+            </a:r>
+          </a:p>
+          <a:p>
+            <a:pPr algn="ctr"/>
+            <a:r>
+              <a:rPr lang="en-US" dirty="0" smtClean="0"/>
+              <a:t>Converter</a:t>
+            </a:r>
+            <a:endParaRPr lang="nl-NL" dirty="0"/>
+          </a:p>
+        </p:txBody>
+      </p:sp>
+      <p:sp>
+        <p:nvSpPr>
+          <p:cNvPr id="7" name="Tekstvak 6"/>
+          <p:cNvSpPr txBox="1"/>
+          <p:nvPr/>
+        </p:nvSpPr>
+        <p:spPr>
+          <a:xfrm>
+            <a:off x="7308304" y="908720"/>
+            <a:ext cx="1512168" cy="646331"/>
+          </a:xfrm>
+          <a:prstGeom prst="rect">
+            <a:avLst/>
+          </a:prstGeom>
+        </p:spPr>
+        <p:style>
+          <a:lnRef idx="2">
+            <a:schemeClr val="accent2">
+              <a:shade val="50000"/>
+            </a:schemeClr>
+          </a:lnRef>
+          <a:fillRef idx="1">
+            <a:schemeClr val="accent2"/>
+          </a:fillRef>
+          <a:effectRef idx="0">
+            <a:schemeClr val="accent2"/>
+          </a:effectRef>
+          <a:fontRef idx="minor">
+            <a:schemeClr val="lt1"/>
+          </a:fontRef>
+        </p:style>
+        <p:txBody>
+          <a:bodyPr wrap="square" rtlCol="0">
+            <a:spAutoFit/>
+          </a:bodyPr>
+          <a:lstStyle/>
+          <a:p>
+            <a:pPr algn="ctr"/>
+            <a:r>
+              <a:rPr lang="en-US" dirty="0" smtClean="0"/>
+              <a:t>Digital Energy</a:t>
+            </a:r>
+          </a:p>
+          <a:p>
+            <a:pPr algn="ctr"/>
+            <a:r>
+              <a:rPr lang="en-US" dirty="0" smtClean="0"/>
+              <a:t>Meter</a:t>
+            </a:r>
+          </a:p>
+        </p:txBody>
+      </p:sp>
+      <p:sp>
+        <p:nvSpPr>
+          <p:cNvPr id="8" name="Tekstvak 7"/>
+          <p:cNvSpPr txBox="1"/>
+          <p:nvPr/>
+        </p:nvSpPr>
+        <p:spPr>
+          <a:xfrm>
+            <a:off x="7308304" y="1988840"/>
+            <a:ext cx="1512168" cy="646331"/>
+          </a:xfrm>
+          <a:prstGeom prst="rect">
+            <a:avLst/>
+          </a:prstGeom>
+        </p:spPr>
+        <p:style>
+          <a:lnRef idx="2">
+            <a:schemeClr val="accent2">
+              <a:shade val="50000"/>
+            </a:schemeClr>
+          </a:lnRef>
+          <a:fillRef idx="1">
+            <a:schemeClr val="accent2"/>
+          </a:fillRef>
+          <a:effectRef idx="0">
+            <a:schemeClr val="accent2"/>
+          </a:effectRef>
+          <a:fontRef idx="minor">
+            <a:schemeClr val="lt1"/>
+          </a:fontRef>
+        </p:style>
+        <p:txBody>
+          <a:bodyPr wrap="square" rtlCol="0">
+            <a:spAutoFit/>
+          </a:bodyPr>
+          <a:lstStyle/>
+          <a:p>
+            <a:pPr algn="ctr"/>
+            <a:r>
+              <a:rPr lang="en-US" dirty="0" smtClean="0"/>
+              <a:t>Digital Gas</a:t>
+            </a:r>
+          </a:p>
+          <a:p>
+            <a:pPr algn="ctr"/>
+            <a:r>
+              <a:rPr lang="en-US" dirty="0" smtClean="0"/>
+              <a:t>Meter</a:t>
+            </a:r>
+          </a:p>
+        </p:txBody>
+      </p:sp>
+      <p:sp>
+        <p:nvSpPr>
+          <p:cNvPr id="1026" name="AutoShape 2" descr="Afbeeldingsresultaat voor solar panel"/>
           <p:cNvSpPr>
-            <a:spLocks noGrp="1"/>
+            <a:spLocks noChangeAspect="1" noChangeArrowheads="1"/>
           </p:cNvSpPr>
-          <p:nvPr>
-            <p:ph type="title"/>
-          </p:nvPr>
-        </p:nvSpPr>
-        <p:spPr/>
-        <p:txBody>
-          <a:bodyPr>
-            <a:normAutofit/>
+          <p:nvPr/>
+        </p:nvSpPr>
+        <p:spPr bwMode="auto">
+          <a:xfrm>
+            <a:off x="155575" y="-144463"/>
+            <a:ext cx="304800" cy="304801"/>
+          </a:xfrm>
+          <a:prstGeom prst="rect">
+            <a:avLst/>
+          </a:prstGeom>
+          <a:noFill/>
+        </p:spPr>
+        <p:txBody>
+          <a:bodyPr vert="horz" wrap="square" lIns="91440" tIns="45720" rIns="91440" bIns="45720" numCol="1" anchor="t" anchorCtr="0" compatLnSpc="1">
+            <a:prstTxWarp prst="textNoShape">
+              <a:avLst/>
+            </a:prstTxWarp>
           </a:bodyPr>
           <a:lstStyle/>
           <a:p>
-            <a:r>
-              <a:rPr lang="en-US" dirty="0" smtClean="0"/>
-              <a:t>PlaatEnergy Software Architecture</a:t>
-            </a:r>
-            <a:endParaRPr lang="nl-NL" dirty="0"/>
-          </a:p>
-        </p:txBody>
-      </p:sp>
-      <p:sp>
-        <p:nvSpPr>
-          <p:cNvPr id="4" name="Rechthoek 3"/>
+            <a:endParaRPr lang="nl-NL"/>
+          </a:p>
+        </p:txBody>
+      </p:sp>
+      <p:sp>
+        <p:nvSpPr>
+          <p:cNvPr id="1028" name="AutoShape 4" descr="Afbeeldingsresultaat voor solar panel"/>
+          <p:cNvSpPr>
+            <a:spLocks noChangeAspect="1" noChangeArrowheads="1"/>
+          </p:cNvSpPr>
+          <p:nvPr/>
+        </p:nvSpPr>
+        <p:spPr bwMode="auto">
+          <a:xfrm>
+            <a:off x="155575" y="-144463"/>
+            <a:ext cx="304800" cy="304801"/>
+          </a:xfrm>
+          <a:prstGeom prst="rect">
+            <a:avLst/>
+          </a:prstGeom>
+          <a:noFill/>
+        </p:spPr>
+        <p:txBody>
+          <a:bodyPr vert="horz" wrap="square" lIns="91440" tIns="45720" rIns="91440" bIns="45720" numCol="1" anchor="t" anchorCtr="0" compatLnSpc="1">
+            <a:prstTxWarp prst="textNoShape">
+              <a:avLst/>
+            </a:prstTxWarp>
+          </a:bodyPr>
+          <a:lstStyle/>
+          <a:p>
+            <a:endParaRPr lang="nl-NL"/>
+          </a:p>
+        </p:txBody>
+      </p:sp>
+      <p:cxnSp>
+        <p:nvCxnSpPr>
+          <p:cNvPr id="17" name="Rechte verbindingslijn met pijl 16"/>
+          <p:cNvCxnSpPr>
+            <a:stCxn id="8" idx="0"/>
+            <a:endCxn id="7" idx="2"/>
+          </p:cNvCxnSpPr>
+          <p:nvPr/>
+        </p:nvCxnSpPr>
+        <p:spPr>
+          <a:xfrm flipV="1">
+            <a:off x="8064388" y="1555051"/>
+            <a:ext cx="0" cy="433789"/>
+          </a:xfrm>
+          <a:prstGeom prst="straightConnector1">
+            <a:avLst/>
+          </a:prstGeom>
+          <a:ln w="28575">
+            <a:tailEnd type="arrow"/>
+          </a:ln>
+        </p:spPr>
+        <p:style>
+          <a:lnRef idx="1">
+            <a:schemeClr val="accent2"/>
+          </a:lnRef>
+          <a:fillRef idx="0">
+            <a:schemeClr val="accent2"/>
+          </a:fillRef>
+          <a:effectRef idx="0">
+            <a:schemeClr val="accent2"/>
+          </a:effectRef>
+          <a:fontRef idx="minor">
+            <a:schemeClr val="tx1"/>
+          </a:fontRef>
+        </p:style>
+      </p:cxnSp>
+      <p:cxnSp>
+        <p:nvCxnSpPr>
+          <p:cNvPr id="24" name="Rechte verbindingslijn met pijl 23"/>
+          <p:cNvCxnSpPr/>
+          <p:nvPr/>
+        </p:nvCxnSpPr>
+        <p:spPr>
+          <a:xfrm>
+            <a:off x="6228184" y="1196752"/>
+            <a:ext cx="1080120" cy="0"/>
+          </a:xfrm>
+          <a:prstGeom prst="straightConnector1">
+            <a:avLst/>
+          </a:prstGeom>
+          <a:ln w="38100">
+            <a:headEnd type="none" w="med" len="med"/>
+            <a:tailEnd type="none" w="med" len="med"/>
+          </a:ln>
+        </p:spPr>
+        <p:style>
+          <a:lnRef idx="1">
+            <a:schemeClr val="accent2"/>
+          </a:lnRef>
+          <a:fillRef idx="0">
+            <a:schemeClr val="accent2"/>
+          </a:fillRef>
+          <a:effectRef idx="0">
+            <a:schemeClr val="accent2"/>
+          </a:effectRef>
+          <a:fontRef idx="minor">
+            <a:schemeClr val="tx1"/>
+          </a:fontRef>
+        </p:style>
+      </p:cxnSp>
+      <p:cxnSp>
+        <p:nvCxnSpPr>
+          <p:cNvPr id="30" name="Rechte verbindingslijn met pijl 29"/>
+          <p:cNvCxnSpPr>
+            <a:endCxn id="5" idx="0"/>
+          </p:cNvCxnSpPr>
+          <p:nvPr/>
+        </p:nvCxnSpPr>
+        <p:spPr>
+          <a:xfrm>
+            <a:off x="6228184" y="1196752"/>
+            <a:ext cx="36004" cy="1440160"/>
+          </a:xfrm>
+          <a:prstGeom prst="straightConnector1">
+            <a:avLst/>
+          </a:prstGeom>
+          <a:ln w="28575">
+            <a:tailEnd type="arrow"/>
+          </a:ln>
+        </p:spPr>
+        <p:style>
+          <a:lnRef idx="1">
+            <a:schemeClr val="accent2"/>
+          </a:lnRef>
+          <a:fillRef idx="0">
+            <a:schemeClr val="accent2"/>
+          </a:fillRef>
+          <a:effectRef idx="0">
+            <a:schemeClr val="accent2"/>
+          </a:effectRef>
+          <a:fontRef idx="minor">
+            <a:schemeClr val="tx1"/>
+          </a:fontRef>
+        </p:style>
+      </p:cxnSp>
+      <p:cxnSp>
+        <p:nvCxnSpPr>
+          <p:cNvPr id="37" name="Rechte verbindingslijn met pijl 36"/>
+          <p:cNvCxnSpPr/>
+          <p:nvPr/>
+        </p:nvCxnSpPr>
+        <p:spPr>
+          <a:xfrm flipV="1">
+            <a:off x="3131840" y="2010192"/>
+            <a:ext cx="0" cy="266680"/>
+          </a:xfrm>
+          <a:prstGeom prst="straightConnector1">
+            <a:avLst/>
+          </a:prstGeom>
+          <a:ln w="38100">
+            <a:headEnd type="none" w="med" len="med"/>
+            <a:tailEnd type="none" w="med" len="med"/>
+          </a:ln>
+        </p:spPr>
+        <p:style>
+          <a:lnRef idx="1">
+            <a:schemeClr val="accent2"/>
+          </a:lnRef>
+          <a:fillRef idx="0">
+            <a:schemeClr val="accent2"/>
+          </a:fillRef>
+          <a:effectRef idx="0">
+            <a:schemeClr val="accent2"/>
+          </a:effectRef>
+          <a:fontRef idx="minor">
+            <a:schemeClr val="tx1"/>
+          </a:fontRef>
+        </p:style>
+      </p:cxnSp>
+      <p:sp>
+        <p:nvSpPr>
+          <p:cNvPr id="49" name="Afgeronde rechthoek 48"/>
           <p:cNvSpPr/>
           <p:nvPr/>
         </p:nvSpPr>
         <p:spPr>
           <a:xfrm>
-            <a:off x="467544" y="4725144"/>
-            <a:ext cx="1800200" cy="648072"/>
-          </a:xfrm>
-          <a:prstGeom prst="rect">
+            <a:off x="2339752" y="4149080"/>
+            <a:ext cx="1512168" cy="576064"/>
+          </a:xfrm>
+          <a:prstGeom prst="roundRect">
             <a:avLst/>
           </a:prstGeom>
         </p:spPr>
@@ -3634,31 +4038,511 @@
             <a:pPr algn="ctr"/>
             <a:r>
               <a:rPr lang="en-US" dirty="0" smtClean="0"/>
-              <a:t>Solar Converter</a:t>
-            </a:r>
-          </a:p>
+              <a:t>Intranet</a:t>
+            </a:r>
+            <a:endParaRPr lang="nl-NL" dirty="0"/>
+          </a:p>
+        </p:txBody>
+      </p:sp>
+      <p:sp>
+        <p:nvSpPr>
+          <p:cNvPr id="50" name="Tekstvak 49"/>
+          <p:cNvSpPr txBox="1"/>
+          <p:nvPr/>
+        </p:nvSpPr>
+        <p:spPr>
+          <a:xfrm>
+            <a:off x="2267744" y="3501008"/>
+            <a:ext cx="1656184" cy="369332"/>
+          </a:xfrm>
+          <a:prstGeom prst="rect">
+            <a:avLst/>
+          </a:prstGeom>
+        </p:spPr>
+        <p:style>
+          <a:lnRef idx="2">
+            <a:schemeClr val="accent2">
+              <a:shade val="50000"/>
+            </a:schemeClr>
+          </a:lnRef>
+          <a:fillRef idx="1">
+            <a:schemeClr val="accent2"/>
+          </a:fillRef>
+          <a:effectRef idx="0">
+            <a:schemeClr val="accent2"/>
+          </a:effectRef>
+          <a:fontRef idx="minor">
+            <a:schemeClr val="lt1"/>
+          </a:fontRef>
+        </p:style>
+        <p:txBody>
+          <a:bodyPr wrap="square" rtlCol="0">
+            <a:spAutoFit/>
+          </a:bodyPr>
+          <a:lstStyle/>
           <a:p>
             <a:pPr algn="ctr"/>
             <a:r>
               <a:rPr lang="en-US" dirty="0" smtClean="0"/>
-              <a:t>sensor scripts</a:t>
+              <a:t>Router</a:t>
             </a:r>
             <a:endParaRPr lang="nl-NL" dirty="0"/>
           </a:p>
         </p:txBody>
       </p:sp>
-      <p:sp>
-        <p:nvSpPr>
-          <p:cNvPr id="5" name="Rechthoek 4"/>
+      <p:cxnSp>
+        <p:nvCxnSpPr>
+          <p:cNvPr id="51" name="Rechte verbindingslijn met pijl 50"/>
+          <p:cNvCxnSpPr>
+            <a:stCxn id="6" idx="2"/>
+            <a:endCxn id="50" idx="0"/>
+          </p:cNvCxnSpPr>
+          <p:nvPr/>
+        </p:nvCxnSpPr>
+        <p:spPr>
+          <a:xfrm>
+            <a:off x="3095836" y="2923203"/>
+            <a:ext cx="0" cy="577805"/>
+          </a:xfrm>
+          <a:prstGeom prst="straightConnector1">
+            <a:avLst/>
+          </a:prstGeom>
+          <a:ln w="28575">
+            <a:tailEnd type="arrow"/>
+          </a:ln>
+        </p:spPr>
+        <p:style>
+          <a:lnRef idx="1">
+            <a:schemeClr val="accent2"/>
+          </a:lnRef>
+          <a:fillRef idx="0">
+            <a:schemeClr val="accent2"/>
+          </a:fillRef>
+          <a:effectRef idx="0">
+            <a:schemeClr val="accent2"/>
+          </a:effectRef>
+          <a:fontRef idx="minor">
+            <a:schemeClr val="tx1"/>
+          </a:fontRef>
+        </p:style>
+      </p:cxnSp>
+      <p:cxnSp>
+        <p:nvCxnSpPr>
+          <p:cNvPr id="60" name="Rechte verbindingslijn met pijl 59"/>
+          <p:cNvCxnSpPr/>
+          <p:nvPr/>
+        </p:nvCxnSpPr>
+        <p:spPr>
+          <a:xfrm>
+            <a:off x="3059832" y="3861048"/>
+            <a:ext cx="0" cy="278740"/>
+          </a:xfrm>
+          <a:prstGeom prst="straightConnector1">
+            <a:avLst/>
+          </a:prstGeom>
+          <a:ln w="28575">
+            <a:tailEnd type="arrow"/>
+          </a:ln>
+        </p:spPr>
+        <p:style>
+          <a:lnRef idx="1">
+            <a:schemeClr val="accent2"/>
+          </a:lnRef>
+          <a:fillRef idx="0">
+            <a:schemeClr val="accent2"/>
+          </a:fillRef>
+          <a:effectRef idx="0">
+            <a:schemeClr val="accent2"/>
+          </a:effectRef>
+          <a:fontRef idx="minor">
+            <a:schemeClr val="tx1"/>
+          </a:fontRef>
+        </p:style>
+      </p:cxnSp>
+      <p:cxnSp>
+        <p:nvCxnSpPr>
+          <p:cNvPr id="62" name="Rechte verbindingslijn met pijl 61"/>
+          <p:cNvCxnSpPr/>
+          <p:nvPr/>
+        </p:nvCxnSpPr>
+        <p:spPr>
+          <a:xfrm flipH="1">
+            <a:off x="3923928" y="3645024"/>
+            <a:ext cx="1440160" cy="0"/>
+          </a:xfrm>
+          <a:prstGeom prst="straightConnector1">
+            <a:avLst/>
+          </a:prstGeom>
+          <a:ln w="28575">
+            <a:tailEnd type="arrow"/>
+          </a:ln>
+        </p:spPr>
+        <p:style>
+          <a:lnRef idx="1">
+            <a:schemeClr val="accent2"/>
+          </a:lnRef>
+          <a:fillRef idx="0">
+            <a:schemeClr val="accent2"/>
+          </a:fillRef>
+          <a:effectRef idx="0">
+            <a:schemeClr val="accent2"/>
+          </a:effectRef>
+          <a:fontRef idx="minor">
+            <a:schemeClr val="tx1"/>
+          </a:fontRef>
+        </p:style>
+      </p:cxnSp>
+      <p:pic>
+        <p:nvPicPr>
+          <p:cNvPr id="1033" name="Picture 9" descr="http://ic.tweakimg.net/ext/i/1272126825.jpeg"/>
+          <p:cNvPicPr>
+            <a:picLocks noChangeAspect="1" noChangeArrowheads="1"/>
+          </p:cNvPicPr>
+          <p:nvPr/>
+        </p:nvPicPr>
+        <p:blipFill>
+          <a:blip r:embed="rId2" cstate="print"/>
+          <a:srcRect/>
+          <a:stretch>
+            <a:fillRect/>
+          </a:stretch>
+        </p:blipFill>
+        <p:spPr bwMode="auto">
+          <a:xfrm>
+            <a:off x="323528" y="5301208"/>
+            <a:ext cx="1916236" cy="1556792"/>
+          </a:xfrm>
+          <a:prstGeom prst="rect">
+            <a:avLst/>
+          </a:prstGeom>
+          <a:noFill/>
+        </p:spPr>
+      </p:pic>
+      <p:cxnSp>
+        <p:nvCxnSpPr>
+          <p:cNvPr id="78" name="Rechte verbindingslijn met pijl 77"/>
+          <p:cNvCxnSpPr>
+            <a:stCxn id="49" idx="2"/>
+            <a:endCxn id="34" idx="0"/>
+          </p:cNvCxnSpPr>
+          <p:nvPr/>
+        </p:nvCxnSpPr>
+        <p:spPr>
+          <a:xfrm>
+            <a:off x="3095836" y="4725144"/>
+            <a:ext cx="0" cy="216024"/>
+          </a:xfrm>
+          <a:prstGeom prst="straightConnector1">
+            <a:avLst/>
+          </a:prstGeom>
+          <a:ln w="28575">
+            <a:tailEnd type="arrow"/>
+          </a:ln>
+        </p:spPr>
+        <p:style>
+          <a:lnRef idx="1">
+            <a:schemeClr val="accent2"/>
+          </a:lnRef>
+          <a:fillRef idx="0">
+            <a:schemeClr val="accent2"/>
+          </a:fillRef>
+          <a:effectRef idx="0">
+            <a:schemeClr val="accent2"/>
+          </a:effectRef>
+          <a:fontRef idx="minor">
+            <a:schemeClr val="tx1"/>
+          </a:fontRef>
+        </p:style>
+      </p:cxnSp>
+      <p:pic>
+        <p:nvPicPr>
+          <p:cNvPr id="1034" name="Picture 10"/>
+          <p:cNvPicPr>
+            <a:picLocks noChangeAspect="1" noChangeArrowheads="1"/>
+          </p:cNvPicPr>
+          <p:nvPr/>
+        </p:nvPicPr>
+        <p:blipFill>
+          <a:blip r:embed="rId3" cstate="print"/>
+          <a:srcRect/>
+          <a:stretch>
+            <a:fillRect/>
+          </a:stretch>
+        </p:blipFill>
+        <p:spPr bwMode="auto">
+          <a:xfrm>
+            <a:off x="467544" y="5517232"/>
+            <a:ext cx="1080120" cy="680492"/>
+          </a:xfrm>
+          <a:prstGeom prst="rect">
+            <a:avLst/>
+          </a:prstGeom>
+          <a:noFill/>
+          <a:ln w="9525">
+            <a:noFill/>
+            <a:miter lim="800000"/>
+            <a:headEnd/>
+            <a:tailEnd/>
+          </a:ln>
+        </p:spPr>
+      </p:pic>
+      <p:sp>
+        <p:nvSpPr>
+          <p:cNvPr id="86" name="Tekstvak 85"/>
+          <p:cNvSpPr txBox="1"/>
+          <p:nvPr/>
+        </p:nvSpPr>
+        <p:spPr>
+          <a:xfrm>
+            <a:off x="251520" y="188640"/>
+            <a:ext cx="5040560" cy="461665"/>
+          </a:xfrm>
+          <a:prstGeom prst="rect">
+            <a:avLst/>
+          </a:prstGeom>
+          <a:noFill/>
+        </p:spPr>
+        <p:txBody>
+          <a:bodyPr wrap="square" rtlCol="0">
+            <a:spAutoFit/>
+          </a:bodyPr>
+          <a:lstStyle/>
+          <a:p>
+            <a:r>
+              <a:rPr lang="en-US" sz="2400" dirty="0" smtClean="0"/>
+              <a:t>Hardware view – Configuration </a:t>
+            </a:r>
+            <a:r>
+              <a:rPr lang="en-US" sz="2400" dirty="0" smtClean="0"/>
+              <a:t>6</a:t>
+            </a:r>
+            <a:endParaRPr lang="nl-NL" sz="2400" dirty="0"/>
+          </a:p>
+        </p:txBody>
+      </p:sp>
+      <p:sp>
+        <p:nvSpPr>
+          <p:cNvPr id="87" name="Tekstvak 86"/>
+          <p:cNvSpPr txBox="1"/>
+          <p:nvPr/>
+        </p:nvSpPr>
+        <p:spPr>
+          <a:xfrm>
+            <a:off x="6084168" y="908720"/>
+            <a:ext cx="1026277" cy="276999"/>
+          </a:xfrm>
+          <a:prstGeom prst="rect">
+            <a:avLst/>
+          </a:prstGeom>
+          <a:noFill/>
+        </p:spPr>
+        <p:txBody>
+          <a:bodyPr wrap="square" rtlCol="0">
+            <a:spAutoFit/>
+          </a:bodyPr>
+          <a:lstStyle/>
+          <a:p>
+            <a:r>
+              <a:rPr lang="en-US" sz="1200" dirty="0" smtClean="0"/>
+              <a:t>P1 cable</a:t>
+            </a:r>
+            <a:endParaRPr lang="nl-NL" sz="1200" dirty="0"/>
+          </a:p>
+        </p:txBody>
+      </p:sp>
+      <p:sp>
+        <p:nvSpPr>
+          <p:cNvPr id="88" name="Tekstvak 87"/>
+          <p:cNvSpPr txBox="1"/>
+          <p:nvPr/>
+        </p:nvSpPr>
+        <p:spPr>
+          <a:xfrm>
+            <a:off x="3995936" y="3356992"/>
+            <a:ext cx="864096" cy="646331"/>
+          </a:xfrm>
+          <a:prstGeom prst="rect">
+            <a:avLst/>
+          </a:prstGeom>
+          <a:noFill/>
+        </p:spPr>
+        <p:txBody>
+          <a:bodyPr wrap="square" rtlCol="0">
+            <a:spAutoFit/>
+          </a:bodyPr>
+          <a:lstStyle/>
+          <a:p>
+            <a:pPr algn="ctr"/>
+            <a:r>
+              <a:rPr lang="en-US" sz="1200" dirty="0" smtClean="0"/>
+              <a:t>Ethernet </a:t>
+            </a:r>
+          </a:p>
+          <a:p>
+            <a:pPr algn="ctr"/>
+            <a:r>
+              <a:rPr lang="en-US" sz="1200" dirty="0" smtClean="0"/>
+              <a:t>or </a:t>
+            </a:r>
+          </a:p>
+          <a:p>
+            <a:pPr algn="ctr"/>
+            <a:r>
+              <a:rPr lang="en-US" sz="1200" dirty="0" smtClean="0"/>
+              <a:t>Wifi</a:t>
+            </a:r>
+            <a:endParaRPr lang="nl-NL" sz="1200" dirty="0"/>
+          </a:p>
+        </p:txBody>
+      </p:sp>
+      <p:sp>
+        <p:nvSpPr>
+          <p:cNvPr id="91" name="Tekstvak 90"/>
+          <p:cNvSpPr txBox="1"/>
+          <p:nvPr/>
+        </p:nvSpPr>
+        <p:spPr>
+          <a:xfrm>
+            <a:off x="2555776" y="3068960"/>
+            <a:ext cx="576064" cy="276999"/>
+          </a:xfrm>
+          <a:prstGeom prst="rect">
+            <a:avLst/>
+          </a:prstGeom>
+          <a:noFill/>
+        </p:spPr>
+        <p:txBody>
+          <a:bodyPr wrap="square" rtlCol="0">
+            <a:spAutoFit/>
+          </a:bodyPr>
+          <a:lstStyle/>
+          <a:p>
+            <a:r>
+              <a:rPr lang="en-US" sz="1200" dirty="0" smtClean="0"/>
+              <a:t>Wifi</a:t>
+            </a:r>
+            <a:endParaRPr lang="nl-NL" sz="1200" dirty="0"/>
+          </a:p>
+        </p:txBody>
+      </p:sp>
+      <p:sp>
+        <p:nvSpPr>
+          <p:cNvPr id="1036" name="AutoShape 12" descr="Afbeeldingsresultaat voor Monitor"/>
+          <p:cNvSpPr>
+            <a:spLocks noChangeAspect="1" noChangeArrowheads="1"/>
+          </p:cNvSpPr>
+          <p:nvPr/>
+        </p:nvSpPr>
+        <p:spPr bwMode="auto">
+          <a:xfrm>
+            <a:off x="155575" y="-144463"/>
+            <a:ext cx="304800" cy="304801"/>
+          </a:xfrm>
+          <a:prstGeom prst="rect">
+            <a:avLst/>
+          </a:prstGeom>
+          <a:noFill/>
+        </p:spPr>
+        <p:txBody>
+          <a:bodyPr vert="horz" wrap="square" lIns="91440" tIns="45720" rIns="91440" bIns="45720" numCol="1" anchor="t" anchorCtr="0" compatLnSpc="1">
+            <a:prstTxWarp prst="textNoShape">
+              <a:avLst/>
+            </a:prstTxWarp>
+          </a:bodyPr>
+          <a:lstStyle/>
+          <a:p>
+            <a:endParaRPr lang="nl-NL"/>
+          </a:p>
+        </p:txBody>
+      </p:sp>
+      <p:sp>
+        <p:nvSpPr>
+          <p:cNvPr id="117" name="Tekstvak 116"/>
+          <p:cNvSpPr txBox="1"/>
+          <p:nvPr/>
+        </p:nvSpPr>
+        <p:spPr>
+          <a:xfrm>
+            <a:off x="7308304" y="1628800"/>
+            <a:ext cx="1080120" cy="276999"/>
+          </a:xfrm>
+          <a:prstGeom prst="rect">
+            <a:avLst/>
+          </a:prstGeom>
+          <a:noFill/>
+        </p:spPr>
+        <p:txBody>
+          <a:bodyPr wrap="square" rtlCol="0">
+            <a:spAutoFit/>
+          </a:bodyPr>
+          <a:lstStyle/>
+          <a:p>
+            <a:r>
+              <a:rPr lang="en-US" sz="1200" dirty="0" smtClean="0"/>
+              <a:t>Bluetooth</a:t>
+            </a:r>
+            <a:endParaRPr lang="nl-NL" sz="1200" dirty="0"/>
+          </a:p>
+        </p:txBody>
+      </p:sp>
+      <p:sp>
+        <p:nvSpPr>
+          <p:cNvPr id="34" name="Tekstvak 33"/>
+          <p:cNvSpPr txBox="1"/>
+          <p:nvPr/>
+        </p:nvSpPr>
+        <p:spPr>
+          <a:xfrm>
+            <a:off x="2267744" y="4941168"/>
+            <a:ext cx="1656184" cy="369332"/>
+          </a:xfrm>
+          <a:prstGeom prst="rect">
+            <a:avLst/>
+          </a:prstGeom>
+        </p:spPr>
+        <p:style>
+          <a:lnRef idx="2">
+            <a:schemeClr val="accent2">
+              <a:shade val="50000"/>
+            </a:schemeClr>
+          </a:lnRef>
+          <a:fillRef idx="1">
+            <a:schemeClr val="accent2"/>
+          </a:fillRef>
+          <a:effectRef idx="0">
+            <a:schemeClr val="accent2"/>
+          </a:effectRef>
+          <a:fontRef idx="minor">
+            <a:schemeClr val="lt1"/>
+          </a:fontRef>
+        </p:style>
+        <p:txBody>
+          <a:bodyPr wrap="square" rtlCol="0">
+            <a:spAutoFit/>
+          </a:bodyPr>
+          <a:lstStyle/>
+          <a:p>
+            <a:pPr algn="ctr"/>
+            <a:r>
+              <a:rPr lang="en-US" dirty="0" smtClean="0"/>
+              <a:t>Router</a:t>
+            </a:r>
+            <a:endParaRPr lang="nl-NL" dirty="0"/>
+          </a:p>
+        </p:txBody>
+      </p:sp>
+      <p:sp>
+        <p:nvSpPr>
+          <p:cNvPr id="38" name="Afgeronde rechthoek 37"/>
           <p:cNvSpPr/>
           <p:nvPr/>
         </p:nvSpPr>
         <p:spPr>
           <a:xfrm>
-            <a:off x="2267744" y="4725144"/>
-            <a:ext cx="1656184" cy="648072"/>
-          </a:xfrm>
-          <a:prstGeom prst="rect">
+            <a:off x="2339752" y="5517232"/>
+            <a:ext cx="1512168" cy="576064"/>
+          </a:xfrm>
+          <a:prstGeom prst="roundRect">
             <a:avLst/>
           </a:prstGeom>
         </p:spPr>
@@ -3685,381 +4569,55 @@
             <a:pPr algn="ctr"/>
             <a:r>
               <a:rPr lang="en-US" dirty="0" smtClean="0"/>
-              <a:t>Energy Meter</a:t>
-            </a:r>
-          </a:p>
-          <a:p>
-            <a:pPr algn="ctr"/>
-            <a:r>
-              <a:rPr lang="en-US" dirty="0" smtClean="0"/>
-              <a:t>sensor scripts</a:t>
+              <a:t>Internet</a:t>
             </a:r>
             <a:endParaRPr lang="nl-NL" dirty="0"/>
           </a:p>
         </p:txBody>
       </p:sp>
-      <p:sp>
-        <p:nvSpPr>
-          <p:cNvPr id="6" name="Rechthoek 5"/>
-          <p:cNvSpPr/>
-          <p:nvPr/>
-        </p:nvSpPr>
-        <p:spPr>
-          <a:xfrm>
-            <a:off x="3923928" y="4725144"/>
-            <a:ext cx="1800200" cy="648072"/>
-          </a:xfrm>
-          <a:prstGeom prst="rect">
-            <a:avLst/>
-          </a:prstGeom>
+      <p:cxnSp>
+        <p:nvCxnSpPr>
+          <p:cNvPr id="40" name="Rechte verbindingslijn met pijl 39"/>
+          <p:cNvCxnSpPr/>
+          <p:nvPr/>
+        </p:nvCxnSpPr>
+        <p:spPr>
+          <a:xfrm>
+            <a:off x="3059832" y="5301208"/>
+            <a:ext cx="0" cy="278740"/>
+          </a:xfrm>
+          <a:prstGeom prst="straightConnector1">
+            <a:avLst/>
+          </a:prstGeom>
+          <a:ln w="28575">
+            <a:tailEnd type="arrow"/>
+          </a:ln>
         </p:spPr>
         <p:style>
-          <a:lnRef idx="2">
-            <a:schemeClr val="accent1">
-              <a:shade val="50000"/>
-            </a:schemeClr>
+          <a:lnRef idx="1">
+            <a:schemeClr val="accent2"/>
           </a:lnRef>
-          <a:fillRef idx="1">
-            <a:schemeClr val="accent1"/>
+          <a:fillRef idx="0">
+            <a:schemeClr val="accent2"/>
           </a:fillRef>
           <a:effectRef idx="0">
-            <a:schemeClr val="accent1"/>
+            <a:schemeClr val="accent2"/>
           </a:effectRef>
           <a:fontRef idx="minor">
-            <a:schemeClr val="lt1"/>
+            <a:schemeClr val="tx1"/>
           </a:fontRef>
         </p:style>
-        <p:txBody>
-          <a:bodyPr rtlCol="0" anchor="ctr"/>
-          <a:lstStyle/>
-          <a:p>
-            <a:pPr algn="ctr"/>
-            <a:r>
-              <a:rPr lang="en-US" dirty="0" smtClean="0"/>
-              <a:t>Environment</a:t>
-            </a:r>
-          </a:p>
-          <a:p>
-            <a:pPr algn="ctr"/>
-            <a:r>
-              <a:rPr lang="en-US" dirty="0" smtClean="0"/>
-              <a:t>sensor script</a:t>
-            </a:r>
-            <a:endParaRPr lang="nl-NL" dirty="0"/>
-          </a:p>
-        </p:txBody>
-      </p:sp>
-      <p:sp>
-        <p:nvSpPr>
-          <p:cNvPr id="7" name="Rechthoek 6"/>
-          <p:cNvSpPr/>
-          <p:nvPr/>
-        </p:nvSpPr>
-        <p:spPr>
-          <a:xfrm>
-            <a:off x="5724128" y="4725144"/>
-            <a:ext cx="1656184" cy="648072"/>
-          </a:xfrm>
-          <a:prstGeom prst="rect">
-            <a:avLst/>
-          </a:prstGeom>
-        </p:spPr>
-        <p:style>
-          <a:lnRef idx="2">
-            <a:schemeClr val="accent1">
-              <a:shade val="50000"/>
-            </a:schemeClr>
-          </a:lnRef>
-          <a:fillRef idx="1">
-            <a:schemeClr val="accent1"/>
-          </a:fillRef>
-          <a:effectRef idx="0">
-            <a:schemeClr val="accent1"/>
-          </a:effectRef>
-          <a:fontRef idx="minor">
-            <a:schemeClr val="lt1"/>
-          </a:fontRef>
-        </p:style>
-        <p:txBody>
-          <a:bodyPr rtlCol="0" anchor="ctr"/>
-          <a:lstStyle/>
-          <a:p>
-            <a:pPr algn="ctr"/>
-            <a:r>
-              <a:rPr lang="en-US" dirty="0" smtClean="0"/>
-              <a:t>Display</a:t>
-            </a:r>
-          </a:p>
-          <a:p>
-            <a:pPr algn="ctr"/>
-            <a:r>
-              <a:rPr lang="en-US" dirty="0" smtClean="0"/>
-              <a:t>sensor script</a:t>
-            </a:r>
-            <a:endParaRPr lang="nl-NL" dirty="0"/>
-          </a:p>
-        </p:txBody>
-      </p:sp>
-      <p:sp>
-        <p:nvSpPr>
-          <p:cNvPr id="8" name="Rechthoek 7"/>
-          <p:cNvSpPr/>
-          <p:nvPr/>
-        </p:nvSpPr>
-        <p:spPr>
-          <a:xfrm>
-            <a:off x="467544" y="4077072"/>
-            <a:ext cx="6912768" cy="648072"/>
-          </a:xfrm>
-          <a:prstGeom prst="rect">
-            <a:avLst/>
-          </a:prstGeom>
-        </p:spPr>
-        <p:style>
-          <a:lnRef idx="2">
-            <a:schemeClr val="accent1">
-              <a:shade val="50000"/>
-            </a:schemeClr>
-          </a:lnRef>
-          <a:fillRef idx="1">
-            <a:schemeClr val="accent1"/>
-          </a:fillRef>
-          <a:effectRef idx="0">
-            <a:schemeClr val="accent1"/>
-          </a:effectRef>
-          <a:fontRef idx="minor">
-            <a:schemeClr val="lt1"/>
-          </a:fontRef>
-        </p:style>
-        <p:txBody>
-          <a:bodyPr rtlCol="0" anchor="ctr"/>
-          <a:lstStyle/>
-          <a:p>
-            <a:pPr algn="ctr"/>
-            <a:r>
-              <a:rPr lang="en-US" dirty="0" smtClean="0"/>
-              <a:t>Database Layer</a:t>
-            </a:r>
-            <a:endParaRPr lang="nl-NL" dirty="0"/>
-          </a:p>
-        </p:txBody>
-      </p:sp>
-      <p:sp>
-        <p:nvSpPr>
-          <p:cNvPr id="9" name="Rechthoek 8"/>
-          <p:cNvSpPr/>
-          <p:nvPr/>
-        </p:nvSpPr>
-        <p:spPr>
-          <a:xfrm>
-            <a:off x="467544" y="3356992"/>
-            <a:ext cx="6912768" cy="720080"/>
-          </a:xfrm>
-          <a:prstGeom prst="rect">
-            <a:avLst/>
-          </a:prstGeom>
-        </p:spPr>
-        <p:style>
-          <a:lnRef idx="2">
-            <a:schemeClr val="accent1">
-              <a:shade val="50000"/>
-            </a:schemeClr>
-          </a:lnRef>
-          <a:fillRef idx="1">
-            <a:schemeClr val="accent1"/>
-          </a:fillRef>
-          <a:effectRef idx="0">
-            <a:schemeClr val="accent1"/>
-          </a:effectRef>
-          <a:fontRef idx="minor">
-            <a:schemeClr val="lt1"/>
-          </a:fontRef>
-        </p:style>
-        <p:txBody>
-          <a:bodyPr rtlCol="0" anchor="ctr"/>
-          <a:lstStyle/>
-          <a:p>
-            <a:pPr algn="ctr"/>
-            <a:r>
-              <a:rPr lang="en-US" dirty="0" smtClean="0"/>
-              <a:t>Business Logic + Data Aggregation algorithm  layer</a:t>
-            </a:r>
-            <a:endParaRPr lang="nl-NL" dirty="0"/>
-          </a:p>
-        </p:txBody>
-      </p:sp>
-      <p:sp>
-        <p:nvSpPr>
-          <p:cNvPr id="11" name="Rechthoek 10"/>
-          <p:cNvSpPr/>
-          <p:nvPr/>
-        </p:nvSpPr>
-        <p:spPr>
-          <a:xfrm>
-            <a:off x="467544" y="2780928"/>
-            <a:ext cx="6912768" cy="576064"/>
-          </a:xfrm>
-          <a:prstGeom prst="rect">
-            <a:avLst/>
-          </a:prstGeom>
-        </p:spPr>
-        <p:style>
-          <a:lnRef idx="2">
-            <a:schemeClr val="accent1">
-              <a:shade val="50000"/>
-            </a:schemeClr>
-          </a:lnRef>
-          <a:fillRef idx="1">
-            <a:schemeClr val="accent1"/>
-          </a:fillRef>
-          <a:effectRef idx="0">
-            <a:schemeClr val="accent1"/>
-          </a:effectRef>
-          <a:fontRef idx="minor">
-            <a:schemeClr val="lt1"/>
-          </a:fontRef>
-        </p:style>
-        <p:txBody>
-          <a:bodyPr rtlCol="0" anchor="ctr"/>
-          <a:lstStyle/>
-          <a:p>
-            <a:pPr algn="ctr"/>
-            <a:r>
-              <a:rPr lang="en-US" dirty="0" smtClean="0"/>
-              <a:t>Presentation Layer</a:t>
-            </a:r>
-            <a:endParaRPr lang="nl-NL" dirty="0"/>
-          </a:p>
-        </p:txBody>
-      </p:sp>
-      <p:sp>
-        <p:nvSpPr>
-          <p:cNvPr id="12" name="Rechthoek 11"/>
-          <p:cNvSpPr/>
-          <p:nvPr/>
-        </p:nvSpPr>
-        <p:spPr>
-          <a:xfrm>
-            <a:off x="467544" y="2132856"/>
-            <a:ext cx="3528392" cy="648072"/>
-          </a:xfrm>
-          <a:prstGeom prst="rect">
-            <a:avLst/>
-          </a:prstGeom>
-        </p:spPr>
-        <p:style>
-          <a:lnRef idx="2">
-            <a:schemeClr val="accent1">
-              <a:shade val="50000"/>
-            </a:schemeClr>
-          </a:lnRef>
-          <a:fillRef idx="1">
-            <a:schemeClr val="accent1"/>
-          </a:fillRef>
-          <a:effectRef idx="0">
-            <a:schemeClr val="accent1"/>
-          </a:effectRef>
-          <a:fontRef idx="minor">
-            <a:schemeClr val="lt1"/>
-          </a:fontRef>
-        </p:style>
-        <p:txBody>
-          <a:bodyPr rtlCol="0" anchor="ctr"/>
-          <a:lstStyle/>
-          <a:p>
-            <a:pPr algn="ctr"/>
-            <a:r>
-              <a:rPr lang="en-US" dirty="0" smtClean="0"/>
-              <a:t>Google Charts</a:t>
-            </a:r>
-            <a:endParaRPr lang="nl-NL" dirty="0"/>
-          </a:p>
-        </p:txBody>
-      </p:sp>
-      <p:sp>
-        <p:nvSpPr>
-          <p:cNvPr id="13" name="Rechthoek 12"/>
-          <p:cNvSpPr/>
-          <p:nvPr/>
-        </p:nvSpPr>
-        <p:spPr>
-          <a:xfrm>
-            <a:off x="3995936" y="2132856"/>
-            <a:ext cx="3384376" cy="648072"/>
-          </a:xfrm>
-          <a:prstGeom prst="rect">
-            <a:avLst/>
-          </a:prstGeom>
-        </p:spPr>
-        <p:style>
-          <a:lnRef idx="2">
-            <a:schemeClr val="accent1">
-              <a:shade val="50000"/>
-            </a:schemeClr>
-          </a:lnRef>
-          <a:fillRef idx="1">
-            <a:schemeClr val="accent1"/>
-          </a:fillRef>
-          <a:effectRef idx="0">
-            <a:schemeClr val="accent1"/>
-          </a:effectRef>
-          <a:fontRef idx="minor">
-            <a:schemeClr val="lt1"/>
-          </a:fontRef>
-        </p:style>
-        <p:txBody>
-          <a:bodyPr rtlCol="0" anchor="ctr"/>
-          <a:lstStyle/>
-          <a:p>
-            <a:pPr algn="ctr"/>
-            <a:r>
-              <a:rPr lang="en-US" dirty="0" smtClean="0"/>
-              <a:t>Weather Service</a:t>
-            </a:r>
-            <a:endParaRPr lang="nl-NL" dirty="0"/>
-          </a:p>
-        </p:txBody>
-      </p:sp>
-      <p:sp>
-        <p:nvSpPr>
-          <p:cNvPr id="14" name="Tekstvak 13"/>
+      </p:cxnSp>
+      <p:sp>
+        <p:nvSpPr>
+          <p:cNvPr id="36" name="Tekstvak 35"/>
           <p:cNvSpPr txBox="1"/>
           <p:nvPr/>
         </p:nvSpPr>
         <p:spPr>
           <a:xfrm>
-            <a:off x="7668344" y="2204864"/>
-            <a:ext cx="572593" cy="369332"/>
-          </a:xfrm>
-          <a:prstGeom prst="rect">
-            <a:avLst/>
-          </a:prstGeom>
-          <a:noFill/>
-        </p:spPr>
-        <p:txBody>
-          <a:bodyPr wrap="none" rtlCol="0">
-            <a:spAutoFit/>
-          </a:bodyPr>
-          <a:lstStyle/>
-          <a:p>
-            <a:r>
-              <a:rPr lang="en-US" dirty="0" err="1" smtClean="0"/>
-              <a:t>json</a:t>
-            </a:r>
-            <a:endParaRPr lang="nl-NL" dirty="0"/>
-          </a:p>
-        </p:txBody>
-      </p:sp>
-      <p:sp>
-        <p:nvSpPr>
-          <p:cNvPr id="15" name="Tekstvak 14"/>
-          <p:cNvSpPr txBox="1"/>
-          <p:nvPr/>
-        </p:nvSpPr>
-        <p:spPr>
-          <a:xfrm>
-            <a:off x="7596336" y="2852936"/>
-            <a:ext cx="1259632" cy="369332"/>
+            <a:off x="251520" y="4725144"/>
+            <a:ext cx="1224136" cy="646331"/>
           </a:xfrm>
           <a:prstGeom prst="rect">
             <a:avLst/>
@@ -4072,40 +4630,175 @@
           </a:bodyPr>
           <a:lstStyle/>
           <a:p>
-            <a:r>
-              <a:rPr lang="en-US" dirty="0" err="1" smtClean="0"/>
-              <a:t>php</a:t>
-            </a:r>
-            <a:r>
-              <a:rPr lang="en-US" dirty="0" smtClean="0"/>
-              <a:t>/</a:t>
-            </a:r>
-            <a:r>
-              <a:rPr lang="en-US" dirty="0" err="1" smtClean="0"/>
-              <a:t>css</a:t>
-            </a:r>
-            <a:r>
-              <a:rPr lang="en-US" dirty="0" smtClean="0"/>
-              <a:t>/</a:t>
-            </a:r>
-            <a:r>
-              <a:rPr lang="en-US" dirty="0" err="1" smtClean="0"/>
-              <a:t>js</a:t>
-            </a:r>
-            <a:endParaRPr lang="nl-NL" dirty="0"/>
-          </a:p>
-        </p:txBody>
-      </p:sp>
-      <p:sp>
-        <p:nvSpPr>
-          <p:cNvPr id="16" name="Tekstvak 15"/>
+            <a:pPr algn="ctr"/>
+            <a:r>
+              <a:rPr lang="en-US" sz="1200" dirty="0" err="1" smtClean="0"/>
+              <a:t>PlaatEnergy</a:t>
+            </a:r>
+            <a:endParaRPr lang="en-US" sz="1200" dirty="0" smtClean="0"/>
+          </a:p>
+          <a:p>
+            <a:pPr algn="ctr"/>
+            <a:r>
+              <a:rPr lang="en-US" sz="1200" dirty="0" smtClean="0"/>
+              <a:t>Reachable </a:t>
+            </a:r>
+            <a:r>
+              <a:rPr lang="en-US" sz="1200" dirty="0" smtClean="0"/>
+              <a:t>on</a:t>
+            </a:r>
+            <a:endParaRPr lang="en-US" sz="1200" dirty="0" smtClean="0"/>
+          </a:p>
+          <a:p>
+            <a:pPr algn="ctr"/>
+            <a:r>
+              <a:rPr lang="en-US" sz="1200" dirty="0" smtClean="0"/>
+              <a:t>internet</a:t>
+            </a:r>
+            <a:endParaRPr lang="nl-NL" sz="1200" dirty="0"/>
+          </a:p>
+        </p:txBody>
+      </p:sp>
+      <p:pic>
+        <p:nvPicPr>
+          <p:cNvPr id="1027" name="Picture 3"/>
+          <p:cNvPicPr>
+            <a:picLocks noChangeAspect="1" noChangeArrowheads="1"/>
+          </p:cNvPicPr>
+          <p:nvPr/>
+        </p:nvPicPr>
+        <p:blipFill>
+          <a:blip r:embed="rId4" cstate="print"/>
+          <a:srcRect/>
+          <a:stretch>
+            <a:fillRect/>
+          </a:stretch>
+        </p:blipFill>
+        <p:spPr bwMode="auto">
+          <a:xfrm>
+            <a:off x="5148064" y="4797152"/>
+            <a:ext cx="792088" cy="889576"/>
+          </a:xfrm>
+          <a:prstGeom prst="rect">
+            <a:avLst/>
+          </a:prstGeom>
+          <a:noFill/>
+          <a:ln w="9525">
+            <a:noFill/>
+            <a:miter lim="800000"/>
+            <a:headEnd/>
+            <a:tailEnd/>
+          </a:ln>
+        </p:spPr>
+      </p:pic>
+      <p:cxnSp>
+        <p:nvCxnSpPr>
+          <p:cNvPr id="33" name="Rechte verbindingslijn met pijl 32"/>
+          <p:cNvCxnSpPr/>
+          <p:nvPr/>
+        </p:nvCxnSpPr>
+        <p:spPr>
+          <a:xfrm flipV="1">
+            <a:off x="5652120" y="4221088"/>
+            <a:ext cx="0" cy="720080"/>
+          </a:xfrm>
+          <a:prstGeom prst="straightConnector1">
+            <a:avLst/>
+          </a:prstGeom>
+          <a:ln w="28575">
+            <a:tailEnd type="arrow"/>
+          </a:ln>
+        </p:spPr>
+        <p:style>
+          <a:lnRef idx="1">
+            <a:schemeClr val="accent2"/>
+          </a:lnRef>
+          <a:fillRef idx="0">
+            <a:schemeClr val="accent2"/>
+          </a:fillRef>
+          <a:effectRef idx="0">
+            <a:schemeClr val="accent2"/>
+          </a:effectRef>
+          <a:fontRef idx="minor">
+            <a:schemeClr val="tx1"/>
+          </a:fontRef>
+        </p:style>
+      </p:cxnSp>
+      <p:pic>
+        <p:nvPicPr>
+          <p:cNvPr id="41" name="Picture 3"/>
+          <p:cNvPicPr>
+            <a:picLocks noChangeAspect="1" noChangeArrowheads="1"/>
+          </p:cNvPicPr>
+          <p:nvPr/>
+        </p:nvPicPr>
+        <p:blipFill>
+          <a:blip r:embed="rId4" cstate="print"/>
+          <a:srcRect/>
+          <a:stretch>
+            <a:fillRect/>
+          </a:stretch>
+        </p:blipFill>
+        <p:spPr bwMode="auto">
+          <a:xfrm>
+            <a:off x="6012160" y="4797152"/>
+            <a:ext cx="792088" cy="889576"/>
+          </a:xfrm>
+          <a:prstGeom prst="rect">
+            <a:avLst/>
+          </a:prstGeom>
+          <a:noFill/>
+          <a:ln w="9525">
+            <a:noFill/>
+            <a:miter lim="800000"/>
+            <a:headEnd/>
+            <a:tailEnd/>
+          </a:ln>
+        </p:spPr>
+      </p:pic>
+      <p:cxnSp>
+        <p:nvCxnSpPr>
+          <p:cNvPr id="42" name="Rechte verbindingslijn met pijl 41"/>
+          <p:cNvCxnSpPr/>
+          <p:nvPr/>
+        </p:nvCxnSpPr>
+        <p:spPr>
+          <a:xfrm flipV="1">
+            <a:off x="6516216" y="4221088"/>
+            <a:ext cx="0" cy="720080"/>
+          </a:xfrm>
+          <a:prstGeom prst="straightConnector1">
+            <a:avLst/>
+          </a:prstGeom>
+          <a:ln w="28575">
+            <a:tailEnd type="arrow"/>
+          </a:ln>
+        </p:spPr>
+        <p:style>
+          <a:lnRef idx="1">
+            <a:schemeClr val="accent2"/>
+          </a:lnRef>
+          <a:fillRef idx="0">
+            <a:schemeClr val="accent2"/>
+          </a:fillRef>
+          <a:effectRef idx="0">
+            <a:schemeClr val="accent2"/>
+          </a:effectRef>
+          <a:fontRef idx="minor">
+            <a:schemeClr val="tx1"/>
+          </a:fontRef>
+        </p:style>
+      </p:cxnSp>
+      <p:sp>
+        <p:nvSpPr>
+          <p:cNvPr id="43" name="Tekstvak 42"/>
           <p:cNvSpPr txBox="1"/>
           <p:nvPr/>
         </p:nvSpPr>
         <p:spPr>
           <a:xfrm>
-            <a:off x="7668344" y="3573016"/>
-            <a:ext cx="1259632" cy="369332"/>
+            <a:off x="5220072" y="4437112"/>
+            <a:ext cx="504056" cy="276999"/>
           </a:xfrm>
           <a:prstGeom prst="rect">
             <a:avLst/>
@@ -4118,24 +4811,25 @@
           </a:bodyPr>
           <a:lstStyle/>
           <a:p>
-            <a:r>
-              <a:rPr lang="en-US" dirty="0" err="1" smtClean="0"/>
-              <a:t>php</a:t>
-            </a:r>
-            <a:endParaRPr lang="nl-NL" dirty="0"/>
-          </a:p>
-        </p:txBody>
-      </p:sp>
-      <p:sp>
-        <p:nvSpPr>
-          <p:cNvPr id="17" name="Tekstvak 16"/>
+            <a:pPr algn="ctr"/>
+            <a:r>
+              <a:rPr lang="en-US" sz="1200" dirty="0" smtClean="0"/>
+              <a:t>USB</a:t>
+            </a:r>
+            <a:endParaRPr lang="nl-NL" sz="1200" dirty="0"/>
+          </a:p>
+        </p:txBody>
+      </p:sp>
+      <p:sp>
+        <p:nvSpPr>
+          <p:cNvPr id="44" name="Tekstvak 43"/>
           <p:cNvSpPr txBox="1"/>
           <p:nvPr/>
         </p:nvSpPr>
         <p:spPr>
           <a:xfrm>
-            <a:off x="7668344" y="4221088"/>
-            <a:ext cx="1259632" cy="369332"/>
+            <a:off x="6084168" y="4437112"/>
+            <a:ext cx="504056" cy="276999"/>
           </a:xfrm>
           <a:prstGeom prst="rect">
             <a:avLst/>
@@ -4148,24 +4842,92 @@
           </a:bodyPr>
           <a:lstStyle/>
           <a:p>
-            <a:r>
-              <a:rPr lang="en-US" dirty="0" err="1" smtClean="0"/>
-              <a:t>sql</a:t>
-            </a:r>
-            <a:endParaRPr lang="nl-NL" dirty="0"/>
-          </a:p>
-        </p:txBody>
-      </p:sp>
-      <p:sp>
-        <p:nvSpPr>
-          <p:cNvPr id="18" name="Tekstvak 17"/>
+            <a:pPr algn="ctr"/>
+            <a:r>
+              <a:rPr lang="en-US" sz="1200" dirty="0" smtClean="0"/>
+              <a:t>USB</a:t>
+            </a:r>
+            <a:endParaRPr lang="nl-NL" sz="1200" dirty="0"/>
+          </a:p>
+        </p:txBody>
+      </p:sp>
+      <p:pic>
+        <p:nvPicPr>
+          <p:cNvPr id="1029" name="Picture 5"/>
+          <p:cNvPicPr>
+            <a:picLocks noChangeAspect="1" noChangeArrowheads="1"/>
+          </p:cNvPicPr>
+          <p:nvPr/>
+        </p:nvPicPr>
+        <p:blipFill>
+          <a:blip r:embed="rId5" cstate="print"/>
+          <a:srcRect/>
+          <a:stretch>
+            <a:fillRect/>
+          </a:stretch>
+        </p:blipFill>
+        <p:spPr bwMode="auto">
+          <a:xfrm>
+            <a:off x="7020272" y="4797152"/>
+            <a:ext cx="895128" cy="897459"/>
+          </a:xfrm>
+          <a:prstGeom prst="rect">
+            <a:avLst/>
+          </a:prstGeom>
+          <a:noFill/>
+          <a:ln w="9525">
+            <a:noFill/>
+            <a:miter lim="800000"/>
+            <a:headEnd/>
+            <a:tailEnd/>
+          </a:ln>
+        </p:spPr>
+      </p:pic>
+      <p:cxnSp>
+        <p:nvCxnSpPr>
+          <p:cNvPr id="61" name="Rechte verbindingslijn met pijl 60"/>
+          <p:cNvCxnSpPr>
+            <a:stCxn id="5" idx="3"/>
+          </p:cNvCxnSpPr>
+          <p:nvPr/>
+        </p:nvCxnSpPr>
+        <p:spPr>
+          <a:xfrm>
+            <a:off x="7164288" y="3421742"/>
+            <a:ext cx="288032" cy="1454676"/>
+          </a:xfrm>
+          <a:prstGeom prst="bentConnector2">
+            <a:avLst/>
+          </a:prstGeom>
+          <a:ln w="28575">
+            <a:tailEnd type="arrow"/>
+          </a:ln>
+        </p:spPr>
+        <p:style>
+          <a:lnRef idx="1">
+            <a:schemeClr val="accent2"/>
+          </a:lnRef>
+          <a:fillRef idx="0">
+            <a:schemeClr val="accent2"/>
+          </a:fillRef>
+          <a:effectRef idx="0">
+            <a:schemeClr val="accent2"/>
+          </a:effectRef>
+          <a:fontRef idx="minor">
+            <a:schemeClr val="tx1"/>
+          </a:fontRef>
+        </p:style>
+      </p:cxnSp>
+      <p:sp>
+        <p:nvSpPr>
+          <p:cNvPr id="66" name="Tekstvak 65"/>
           <p:cNvSpPr txBox="1"/>
           <p:nvPr/>
         </p:nvSpPr>
         <p:spPr>
           <a:xfrm>
-            <a:off x="7596336" y="4869160"/>
-            <a:ext cx="1403648" cy="369332"/>
+            <a:off x="7380312" y="3933056"/>
+            <a:ext cx="504056" cy="276999"/>
           </a:xfrm>
           <a:prstGeom prst="rect">
             <a:avLst/>
@@ -4178,100 +4940,207 @@
           </a:bodyPr>
           <a:lstStyle/>
           <a:p>
-            <a:r>
-              <a:rPr lang="en-US" dirty="0" err="1" smtClean="0"/>
-              <a:t>php</a:t>
-            </a:r>
-            <a:r>
-              <a:rPr lang="en-US" dirty="0" smtClean="0"/>
-              <a:t>/python</a:t>
-            </a:r>
-            <a:endParaRPr lang="nl-NL" dirty="0"/>
-          </a:p>
-        </p:txBody>
-      </p:sp>
-      <p:sp>
-        <p:nvSpPr>
-          <p:cNvPr id="19" name="Rechthoek 18"/>
-          <p:cNvSpPr/>
-          <p:nvPr/>
-        </p:nvSpPr>
-        <p:spPr>
-          <a:xfrm>
-            <a:off x="467544" y="5373216"/>
-            <a:ext cx="6912768" cy="648072"/>
-          </a:xfrm>
-          <a:prstGeom prst="rect">
-            <a:avLst/>
-          </a:prstGeom>
-        </p:spPr>
-        <p:style>
-          <a:lnRef idx="2">
-            <a:schemeClr val="accent1">
-              <a:shade val="50000"/>
-            </a:schemeClr>
-          </a:lnRef>
-          <a:fillRef idx="1">
-            <a:schemeClr val="accent1"/>
-          </a:fillRef>
-          <a:effectRef idx="0">
-            <a:schemeClr val="accent1"/>
-          </a:effectRef>
-          <a:fontRef idx="minor">
-            <a:schemeClr val="lt1"/>
-          </a:fontRef>
-        </p:style>
-        <p:txBody>
-          <a:bodyPr rtlCol="0" anchor="ctr"/>
-          <a:lstStyle/>
-          <a:p>
             <a:pPr algn="ctr"/>
             <a:r>
-              <a:rPr lang="en-US" dirty="0" smtClean="0"/>
-              <a:t>Operating System (Linux </a:t>
-            </a:r>
-            <a:r>
-              <a:rPr lang="en-US" dirty="0" err="1" smtClean="0"/>
-              <a:t>Debian</a:t>
-            </a:r>
-            <a:r>
-              <a:rPr lang="en-US" dirty="0" smtClean="0"/>
-              <a:t>)</a:t>
-            </a:r>
-            <a:endParaRPr lang="nl-NL" dirty="0"/>
-          </a:p>
-        </p:txBody>
-      </p:sp>
-      <p:sp>
-        <p:nvSpPr>
-          <p:cNvPr id="20" name="Tekstvak 19"/>
-          <p:cNvSpPr txBox="1"/>
-          <p:nvPr/>
-        </p:nvSpPr>
-        <p:spPr>
-          <a:xfrm>
-            <a:off x="7668344" y="5445224"/>
-            <a:ext cx="1224136" cy="369332"/>
+              <a:rPr lang="en-US" sz="1200" dirty="0" smtClean="0"/>
+              <a:t>Wifi</a:t>
+            </a:r>
+            <a:endParaRPr lang="nl-NL" sz="1200" dirty="0"/>
+          </a:p>
+        </p:txBody>
+      </p:sp>
+      <p:pic>
+        <p:nvPicPr>
+          <p:cNvPr id="1030" name="Picture 6"/>
+          <p:cNvPicPr>
+            <a:picLocks noChangeAspect="1" noChangeArrowheads="1"/>
+          </p:cNvPicPr>
+          <p:nvPr/>
+        </p:nvPicPr>
+        <p:blipFill>
+          <a:blip r:embed="rId6" cstate="print"/>
+          <a:srcRect/>
+          <a:stretch>
+            <a:fillRect/>
+          </a:stretch>
+        </p:blipFill>
+        <p:spPr bwMode="auto">
+          <a:xfrm>
+            <a:off x="6660232" y="5877272"/>
+            <a:ext cx="432048" cy="687866"/>
           </a:xfrm>
           <a:prstGeom prst="rect">
             <a:avLst/>
           </a:prstGeom>
           <a:noFill/>
-        </p:spPr>
-        <p:txBody>
-          <a:bodyPr wrap="square" rtlCol="0">
-            <a:spAutoFit/>
-          </a:bodyPr>
-          <a:lstStyle/>
-          <a:p>
-            <a:r>
-              <a:rPr lang="en-US" dirty="0" err="1" smtClean="0"/>
-              <a:t>unix</a:t>
-            </a:r>
-            <a:endParaRPr lang="nl-NL" dirty="0"/>
-          </a:p>
-        </p:txBody>
-      </p:sp>
+          <a:ln w="9525">
+            <a:noFill/>
+            <a:miter lim="800000"/>
+            <a:headEnd/>
+            <a:tailEnd/>
+          </a:ln>
+        </p:spPr>
+      </p:pic>
+      <p:pic>
+        <p:nvPicPr>
+          <p:cNvPr id="69" name="Picture 6"/>
+          <p:cNvPicPr>
+            <a:picLocks noChangeAspect="1" noChangeArrowheads="1"/>
+          </p:cNvPicPr>
+          <p:nvPr/>
+        </p:nvPicPr>
+        <p:blipFill>
+          <a:blip r:embed="rId6" cstate="print"/>
+          <a:srcRect/>
+          <a:stretch>
+            <a:fillRect/>
+          </a:stretch>
+        </p:blipFill>
+        <p:spPr bwMode="auto">
+          <a:xfrm>
+            <a:off x="7236296" y="5877272"/>
+            <a:ext cx="432048" cy="687866"/>
+          </a:xfrm>
+          <a:prstGeom prst="rect">
+            <a:avLst/>
+          </a:prstGeom>
+          <a:noFill/>
+          <a:ln w="9525">
+            <a:noFill/>
+            <a:miter lim="800000"/>
+            <a:headEnd/>
+            <a:tailEnd/>
+          </a:ln>
+        </p:spPr>
+      </p:pic>
+      <p:pic>
+        <p:nvPicPr>
+          <p:cNvPr id="70" name="Picture 6"/>
+          <p:cNvPicPr>
+            <a:picLocks noChangeAspect="1" noChangeArrowheads="1"/>
+          </p:cNvPicPr>
+          <p:nvPr/>
+        </p:nvPicPr>
+        <p:blipFill>
+          <a:blip r:embed="rId6" cstate="print"/>
+          <a:srcRect/>
+          <a:stretch>
+            <a:fillRect/>
+          </a:stretch>
+        </p:blipFill>
+        <p:spPr bwMode="auto">
+          <a:xfrm>
+            <a:off x="7812360" y="5877272"/>
+            <a:ext cx="432048" cy="687866"/>
+          </a:xfrm>
+          <a:prstGeom prst="rect">
+            <a:avLst/>
+          </a:prstGeom>
+          <a:noFill/>
+          <a:ln w="9525">
+            <a:noFill/>
+            <a:miter lim="800000"/>
+            <a:headEnd/>
+            <a:tailEnd/>
+          </a:ln>
+        </p:spPr>
+      </p:pic>
+      <p:pic>
+        <p:nvPicPr>
+          <p:cNvPr id="71" name="Picture 6"/>
+          <p:cNvPicPr>
+            <a:picLocks noChangeAspect="1" noChangeArrowheads="1"/>
+          </p:cNvPicPr>
+          <p:nvPr/>
+        </p:nvPicPr>
+        <p:blipFill>
+          <a:blip r:embed="rId6" cstate="print"/>
+          <a:srcRect/>
+          <a:stretch>
+            <a:fillRect/>
+          </a:stretch>
+        </p:blipFill>
+        <p:spPr bwMode="auto">
+          <a:xfrm>
+            <a:off x="8388424" y="5877272"/>
+            <a:ext cx="432048" cy="687866"/>
+          </a:xfrm>
+          <a:prstGeom prst="rect">
+            <a:avLst/>
+          </a:prstGeom>
+          <a:noFill/>
+          <a:ln w="9525">
+            <a:noFill/>
+            <a:miter lim="800000"/>
+            <a:headEnd/>
+            <a:tailEnd/>
+          </a:ln>
+        </p:spPr>
+      </p:pic>
+      <p:pic>
+        <p:nvPicPr>
+          <p:cNvPr id="72" name="Picture 6"/>
+          <p:cNvPicPr>
+            <a:picLocks noChangeAspect="1" noChangeArrowheads="1"/>
+          </p:cNvPicPr>
+          <p:nvPr/>
+        </p:nvPicPr>
+        <p:blipFill>
+          <a:blip r:embed="rId6" cstate="print"/>
+          <a:srcRect/>
+          <a:stretch>
+            <a:fillRect/>
+          </a:stretch>
+        </p:blipFill>
+        <p:spPr bwMode="auto">
+          <a:xfrm>
+            <a:off x="6156176" y="5877272"/>
+            <a:ext cx="432048" cy="687866"/>
+          </a:xfrm>
+          <a:prstGeom prst="rect">
+            <a:avLst/>
+          </a:prstGeom>
+          <a:noFill/>
+          <a:ln w="9525">
+            <a:noFill/>
+            <a:miter lim="800000"/>
+            <a:headEnd/>
+            <a:tailEnd/>
+          </a:ln>
+        </p:spPr>
+      </p:pic>
+      <p:pic>
+        <p:nvPicPr>
+          <p:cNvPr id="75" name="Picture 7"/>
+          <p:cNvPicPr>
+            <a:picLocks noChangeAspect="1" noChangeArrowheads="1"/>
+          </p:cNvPicPr>
+          <p:nvPr/>
+        </p:nvPicPr>
+        <p:blipFill>
+          <a:blip r:embed="rId7" cstate="print"/>
+          <a:srcRect/>
+          <a:stretch>
+            <a:fillRect/>
+          </a:stretch>
+        </p:blipFill>
+        <p:spPr bwMode="auto">
+          <a:xfrm>
+            <a:off x="2267744" y="836712"/>
+            <a:ext cx="1584176" cy="1173480"/>
+          </a:xfrm>
+          <a:prstGeom prst="rect">
+            <a:avLst/>
+          </a:prstGeom>
+          <a:noFill/>
+          <a:ln w="9525">
+            <a:noFill/>
+            <a:miter lim="800000"/>
+            <a:headEnd/>
+            <a:tailEnd/>
+          </a:ln>
+        </p:spPr>
+      </p:pic>
     </p:spTree>
   </p:cSld>
   <p:clrMapOvr>
@@ -4316,12 +5185,14 @@
         </p:nvSpPr>
         <p:spPr/>
         <p:txBody>
-          <a:bodyPr/>
+          <a:bodyPr>
+            <a:normAutofit/>
+          </a:bodyPr>
           <a:lstStyle/>
           <a:p>
             <a:r>
               <a:rPr lang="en-US" dirty="0" smtClean="0"/>
-              <a:t>PlaatEnergy Key features</a:t>
+              <a:t>PlaatEnergy Software Architecture</a:t>
             </a:r>
             <a:endParaRPr lang="nl-NL" dirty="0"/>
           </a:p>
@@ -4329,86 +5200,676 @@
       </p:sp>
       <p:sp>
         <p:nvSpPr>
-          <p:cNvPr id="3" name="Tijdelijke aanduiding voor inhoud 2"/>
-          <p:cNvSpPr>
-            <a:spLocks noGrp="1"/>
-          </p:cNvSpPr>
-          <p:nvPr>
-            <p:ph idx="1"/>
-          </p:nvPr>
-        </p:nvSpPr>
-        <p:spPr>
-          <a:xfrm>
-            <a:off x="179512" y="1600200"/>
-            <a:ext cx="8784976" cy="4925144"/>
-          </a:xfrm>
-        </p:spPr>
-        <p:txBody>
-          <a:bodyPr>
-            <a:normAutofit fontScale="92500" lnSpcReduction="10000"/>
+          <p:cNvPr id="4" name="Rechthoek 3"/>
+          <p:cNvSpPr/>
+          <p:nvPr/>
+        </p:nvSpPr>
+        <p:spPr>
+          <a:xfrm>
+            <a:off x="467544" y="4725144"/>
+            <a:ext cx="1800200" cy="648072"/>
+          </a:xfrm>
+          <a:prstGeom prst="rect">
+            <a:avLst/>
+          </a:prstGeom>
+        </p:spPr>
+        <p:style>
+          <a:lnRef idx="2">
+            <a:schemeClr val="accent1">
+              <a:shade val="50000"/>
+            </a:schemeClr>
+          </a:lnRef>
+          <a:fillRef idx="1">
+            <a:schemeClr val="accent1"/>
+          </a:fillRef>
+          <a:effectRef idx="0">
+            <a:schemeClr val="accent1"/>
+          </a:effectRef>
+          <a:fontRef idx="minor">
+            <a:schemeClr val="lt1"/>
+          </a:fontRef>
+        </p:style>
+        <p:txBody>
+          <a:bodyPr rtlCol="0" anchor="ctr"/>
+          <a:lstStyle/>
+          <a:p>
+            <a:pPr algn="ctr"/>
+            <a:r>
+              <a:rPr lang="en-US" dirty="0" smtClean="0"/>
+              <a:t>Solar Converter</a:t>
+            </a:r>
+          </a:p>
+          <a:p>
+            <a:pPr algn="ctr"/>
+            <a:r>
+              <a:rPr lang="en-US" dirty="0" smtClean="0"/>
+              <a:t>sensor scripts</a:t>
+            </a:r>
+            <a:endParaRPr lang="nl-NL" dirty="0"/>
+          </a:p>
+        </p:txBody>
+      </p:sp>
+      <p:sp>
+        <p:nvSpPr>
+          <p:cNvPr id="5" name="Rechthoek 4"/>
+          <p:cNvSpPr/>
+          <p:nvPr/>
+        </p:nvSpPr>
+        <p:spPr>
+          <a:xfrm>
+            <a:off x="2267744" y="4725144"/>
+            <a:ext cx="1656184" cy="648072"/>
+          </a:xfrm>
+          <a:prstGeom prst="rect">
+            <a:avLst/>
+          </a:prstGeom>
+        </p:spPr>
+        <p:style>
+          <a:lnRef idx="2">
+            <a:schemeClr val="accent1">
+              <a:shade val="50000"/>
+            </a:schemeClr>
+          </a:lnRef>
+          <a:fillRef idx="1">
+            <a:schemeClr val="accent1"/>
+          </a:fillRef>
+          <a:effectRef idx="0">
+            <a:schemeClr val="accent1"/>
+          </a:effectRef>
+          <a:fontRef idx="minor">
+            <a:schemeClr val="lt1"/>
+          </a:fontRef>
+        </p:style>
+        <p:txBody>
+          <a:bodyPr rtlCol="0" anchor="ctr"/>
+          <a:lstStyle/>
+          <a:p>
+            <a:pPr algn="ctr"/>
+            <a:r>
+              <a:rPr lang="en-US" dirty="0" smtClean="0"/>
+              <a:t>Energy Meter</a:t>
+            </a:r>
+          </a:p>
+          <a:p>
+            <a:pPr algn="ctr"/>
+            <a:r>
+              <a:rPr lang="en-US" dirty="0" smtClean="0"/>
+              <a:t>sensor scripts</a:t>
+            </a:r>
+            <a:endParaRPr lang="nl-NL" dirty="0"/>
+          </a:p>
+        </p:txBody>
+      </p:sp>
+      <p:sp>
+        <p:nvSpPr>
+          <p:cNvPr id="6" name="Rechthoek 5"/>
+          <p:cNvSpPr/>
+          <p:nvPr/>
+        </p:nvSpPr>
+        <p:spPr>
+          <a:xfrm>
+            <a:off x="3923928" y="4725144"/>
+            <a:ext cx="1800200" cy="648072"/>
+          </a:xfrm>
+          <a:prstGeom prst="rect">
+            <a:avLst/>
+          </a:prstGeom>
+        </p:spPr>
+        <p:style>
+          <a:lnRef idx="2">
+            <a:schemeClr val="accent1">
+              <a:shade val="50000"/>
+            </a:schemeClr>
+          </a:lnRef>
+          <a:fillRef idx="1">
+            <a:schemeClr val="accent1"/>
+          </a:fillRef>
+          <a:effectRef idx="0">
+            <a:schemeClr val="accent1"/>
+          </a:effectRef>
+          <a:fontRef idx="minor">
+            <a:schemeClr val="lt1"/>
+          </a:fontRef>
+        </p:style>
+        <p:txBody>
+          <a:bodyPr rtlCol="0" anchor="ctr"/>
+          <a:lstStyle/>
+          <a:p>
+            <a:pPr algn="ctr"/>
+            <a:r>
+              <a:rPr lang="en-US" dirty="0" smtClean="0"/>
+              <a:t>Environment</a:t>
+            </a:r>
+          </a:p>
+          <a:p>
+            <a:pPr algn="ctr"/>
+            <a:r>
+              <a:rPr lang="en-US" dirty="0" smtClean="0"/>
+              <a:t>sensor script</a:t>
+            </a:r>
+            <a:endParaRPr lang="nl-NL" dirty="0"/>
+          </a:p>
+        </p:txBody>
+      </p:sp>
+      <p:sp>
+        <p:nvSpPr>
+          <p:cNvPr id="7" name="Rechthoek 6"/>
+          <p:cNvSpPr/>
+          <p:nvPr/>
+        </p:nvSpPr>
+        <p:spPr>
+          <a:xfrm>
+            <a:off x="5724128" y="4725144"/>
+            <a:ext cx="1656184" cy="648072"/>
+          </a:xfrm>
+          <a:prstGeom prst="rect">
+            <a:avLst/>
+          </a:prstGeom>
+        </p:spPr>
+        <p:style>
+          <a:lnRef idx="2">
+            <a:schemeClr val="accent1">
+              <a:shade val="50000"/>
+            </a:schemeClr>
+          </a:lnRef>
+          <a:fillRef idx="1">
+            <a:schemeClr val="accent1"/>
+          </a:fillRef>
+          <a:effectRef idx="0">
+            <a:schemeClr val="accent1"/>
+          </a:effectRef>
+          <a:fontRef idx="minor">
+            <a:schemeClr val="lt1"/>
+          </a:fontRef>
+        </p:style>
+        <p:txBody>
+          <a:bodyPr rtlCol="0" anchor="ctr"/>
+          <a:lstStyle/>
+          <a:p>
+            <a:pPr algn="ctr"/>
+            <a:r>
+              <a:rPr lang="en-US" dirty="0" smtClean="0"/>
+              <a:t>Display</a:t>
+            </a:r>
+          </a:p>
+          <a:p>
+            <a:pPr algn="ctr"/>
+            <a:r>
+              <a:rPr lang="en-US" dirty="0" smtClean="0"/>
+              <a:t>sensor script</a:t>
+            </a:r>
+            <a:endParaRPr lang="nl-NL" dirty="0"/>
+          </a:p>
+        </p:txBody>
+      </p:sp>
+      <p:sp>
+        <p:nvSpPr>
+          <p:cNvPr id="8" name="Rechthoek 7"/>
+          <p:cNvSpPr/>
+          <p:nvPr/>
+        </p:nvSpPr>
+        <p:spPr>
+          <a:xfrm>
+            <a:off x="467544" y="4077072"/>
+            <a:ext cx="6912768" cy="648072"/>
+          </a:xfrm>
+          <a:prstGeom prst="rect">
+            <a:avLst/>
+          </a:prstGeom>
+        </p:spPr>
+        <p:style>
+          <a:lnRef idx="2">
+            <a:schemeClr val="accent1">
+              <a:shade val="50000"/>
+            </a:schemeClr>
+          </a:lnRef>
+          <a:fillRef idx="1">
+            <a:schemeClr val="accent1"/>
+          </a:fillRef>
+          <a:effectRef idx="0">
+            <a:schemeClr val="accent1"/>
+          </a:effectRef>
+          <a:fontRef idx="minor">
+            <a:schemeClr val="lt1"/>
+          </a:fontRef>
+        </p:style>
+        <p:txBody>
+          <a:bodyPr rtlCol="0" anchor="ctr"/>
+          <a:lstStyle/>
+          <a:p>
+            <a:pPr algn="ctr"/>
+            <a:r>
+              <a:rPr lang="en-US" dirty="0" smtClean="0"/>
+              <a:t>Database Layer</a:t>
+            </a:r>
+            <a:endParaRPr lang="nl-NL" dirty="0"/>
+          </a:p>
+        </p:txBody>
+      </p:sp>
+      <p:sp>
+        <p:nvSpPr>
+          <p:cNvPr id="9" name="Rechthoek 8"/>
+          <p:cNvSpPr/>
+          <p:nvPr/>
+        </p:nvSpPr>
+        <p:spPr>
+          <a:xfrm>
+            <a:off x="467544" y="3356992"/>
+            <a:ext cx="6912768" cy="720080"/>
+          </a:xfrm>
+          <a:prstGeom prst="rect">
+            <a:avLst/>
+          </a:prstGeom>
+        </p:spPr>
+        <p:style>
+          <a:lnRef idx="2">
+            <a:schemeClr val="accent1">
+              <a:shade val="50000"/>
+            </a:schemeClr>
+          </a:lnRef>
+          <a:fillRef idx="1">
+            <a:schemeClr val="accent1"/>
+          </a:fillRef>
+          <a:effectRef idx="0">
+            <a:schemeClr val="accent1"/>
+          </a:effectRef>
+          <a:fontRef idx="minor">
+            <a:schemeClr val="lt1"/>
+          </a:fontRef>
+        </p:style>
+        <p:txBody>
+          <a:bodyPr rtlCol="0" anchor="ctr"/>
+          <a:lstStyle/>
+          <a:p>
+            <a:pPr algn="ctr"/>
+            <a:r>
+              <a:rPr lang="en-US" dirty="0" smtClean="0"/>
+              <a:t>Business Logic + Data Aggregation algorithm  layer</a:t>
+            </a:r>
+            <a:endParaRPr lang="nl-NL" dirty="0"/>
+          </a:p>
+        </p:txBody>
+      </p:sp>
+      <p:sp>
+        <p:nvSpPr>
+          <p:cNvPr id="11" name="Rechthoek 10"/>
+          <p:cNvSpPr/>
+          <p:nvPr/>
+        </p:nvSpPr>
+        <p:spPr>
+          <a:xfrm>
+            <a:off x="467544" y="2780928"/>
+            <a:ext cx="6912768" cy="576064"/>
+          </a:xfrm>
+          <a:prstGeom prst="rect">
+            <a:avLst/>
+          </a:prstGeom>
+        </p:spPr>
+        <p:style>
+          <a:lnRef idx="2">
+            <a:schemeClr val="accent1">
+              <a:shade val="50000"/>
+            </a:schemeClr>
+          </a:lnRef>
+          <a:fillRef idx="1">
+            <a:schemeClr val="accent1"/>
+          </a:fillRef>
+          <a:effectRef idx="0">
+            <a:schemeClr val="accent1"/>
+          </a:effectRef>
+          <a:fontRef idx="minor">
+            <a:schemeClr val="lt1"/>
+          </a:fontRef>
+        </p:style>
+        <p:txBody>
+          <a:bodyPr rtlCol="0" anchor="ctr"/>
+          <a:lstStyle/>
+          <a:p>
+            <a:pPr algn="ctr"/>
+            <a:r>
+              <a:rPr lang="en-US" dirty="0" smtClean="0"/>
+              <a:t>Presentation Layer</a:t>
+            </a:r>
+            <a:endParaRPr lang="nl-NL" dirty="0"/>
+          </a:p>
+        </p:txBody>
+      </p:sp>
+      <p:sp>
+        <p:nvSpPr>
+          <p:cNvPr id="12" name="Rechthoek 11"/>
+          <p:cNvSpPr/>
+          <p:nvPr/>
+        </p:nvSpPr>
+        <p:spPr>
+          <a:xfrm>
+            <a:off x="467544" y="2132856"/>
+            <a:ext cx="3528392" cy="648072"/>
+          </a:xfrm>
+          <a:prstGeom prst="rect">
+            <a:avLst/>
+          </a:prstGeom>
+        </p:spPr>
+        <p:style>
+          <a:lnRef idx="2">
+            <a:schemeClr val="accent1">
+              <a:shade val="50000"/>
+            </a:schemeClr>
+          </a:lnRef>
+          <a:fillRef idx="1">
+            <a:schemeClr val="accent1"/>
+          </a:fillRef>
+          <a:effectRef idx="0">
+            <a:schemeClr val="accent1"/>
+          </a:effectRef>
+          <a:fontRef idx="minor">
+            <a:schemeClr val="lt1"/>
+          </a:fontRef>
+        </p:style>
+        <p:txBody>
+          <a:bodyPr rtlCol="0" anchor="ctr"/>
+          <a:lstStyle/>
+          <a:p>
+            <a:pPr algn="ctr"/>
+            <a:r>
+              <a:rPr lang="en-US" dirty="0" smtClean="0"/>
+              <a:t>Google Charts</a:t>
+            </a:r>
+            <a:endParaRPr lang="nl-NL" dirty="0"/>
+          </a:p>
+        </p:txBody>
+      </p:sp>
+      <p:sp>
+        <p:nvSpPr>
+          <p:cNvPr id="13" name="Rechthoek 12"/>
+          <p:cNvSpPr/>
+          <p:nvPr/>
+        </p:nvSpPr>
+        <p:spPr>
+          <a:xfrm>
+            <a:off x="3995936" y="2132856"/>
+            <a:ext cx="3384376" cy="648072"/>
+          </a:xfrm>
+          <a:prstGeom prst="rect">
+            <a:avLst/>
+          </a:prstGeom>
+        </p:spPr>
+        <p:style>
+          <a:lnRef idx="2">
+            <a:schemeClr val="accent1">
+              <a:shade val="50000"/>
+            </a:schemeClr>
+          </a:lnRef>
+          <a:fillRef idx="1">
+            <a:schemeClr val="accent1"/>
+          </a:fillRef>
+          <a:effectRef idx="0">
+            <a:schemeClr val="accent1"/>
+          </a:effectRef>
+          <a:fontRef idx="minor">
+            <a:schemeClr val="lt1"/>
+          </a:fontRef>
+        </p:style>
+        <p:txBody>
+          <a:bodyPr rtlCol="0" anchor="ctr"/>
+          <a:lstStyle/>
+          <a:p>
+            <a:pPr algn="ctr"/>
+            <a:r>
+              <a:rPr lang="en-US" dirty="0" smtClean="0"/>
+              <a:t>Weather Service</a:t>
+            </a:r>
+            <a:endParaRPr lang="nl-NL" dirty="0"/>
+          </a:p>
+        </p:txBody>
+      </p:sp>
+      <p:sp>
+        <p:nvSpPr>
+          <p:cNvPr id="14" name="Tekstvak 13"/>
+          <p:cNvSpPr txBox="1"/>
+          <p:nvPr/>
+        </p:nvSpPr>
+        <p:spPr>
+          <a:xfrm>
+            <a:off x="7668344" y="2204864"/>
+            <a:ext cx="572593" cy="369332"/>
+          </a:xfrm>
+          <a:prstGeom prst="rect">
+            <a:avLst/>
+          </a:prstGeom>
+          <a:noFill/>
+        </p:spPr>
+        <p:txBody>
+          <a:bodyPr wrap="none" rtlCol="0">
+            <a:spAutoFit/>
           </a:bodyPr>
           <a:lstStyle/>
           <a:p>
             <a:r>
+              <a:rPr lang="en-US" dirty="0" err="1" smtClean="0"/>
+              <a:t>json</a:t>
+            </a:r>
+            <a:endParaRPr lang="nl-NL" dirty="0"/>
+          </a:p>
+        </p:txBody>
+      </p:sp>
+      <p:sp>
+        <p:nvSpPr>
+          <p:cNvPr id="15" name="Tekstvak 14"/>
+          <p:cNvSpPr txBox="1"/>
+          <p:nvPr/>
+        </p:nvSpPr>
+        <p:spPr>
+          <a:xfrm>
+            <a:off x="7596336" y="2852936"/>
+            <a:ext cx="1259632" cy="369332"/>
+          </a:xfrm>
+          <a:prstGeom prst="rect">
+            <a:avLst/>
+          </a:prstGeom>
+          <a:noFill/>
+        </p:spPr>
+        <p:txBody>
+          <a:bodyPr wrap="square" rtlCol="0">
+            <a:spAutoFit/>
+          </a:bodyPr>
+          <a:lstStyle/>
+          <a:p>
+            <a:r>
+              <a:rPr lang="en-US" dirty="0" err="1" smtClean="0"/>
+              <a:t>php</a:t>
+            </a:r>
+            <a:r>
               <a:rPr lang="en-US" dirty="0" smtClean="0"/>
-              <a:t>Measure each device every minute</a:t>
-            </a:r>
-          </a:p>
-          <a:p>
+              <a:t>/</a:t>
+            </a:r>
+            <a:r>
+              <a:rPr lang="en-US" dirty="0" err="1" smtClean="0"/>
+              <a:t>css</a:t>
+            </a:r>
             <a:r>
               <a:rPr lang="en-US" dirty="0" smtClean="0"/>
-              <a:t>User friendly web interface</a:t>
-            </a:r>
-          </a:p>
-          <a:p>
+              <a:t>/</a:t>
+            </a:r>
+            <a:r>
+              <a:rPr lang="en-US" dirty="0" err="1" smtClean="0"/>
+              <a:t>js</a:t>
+            </a:r>
+            <a:endParaRPr lang="nl-NL" dirty="0"/>
+          </a:p>
+        </p:txBody>
+      </p:sp>
+      <p:sp>
+        <p:nvSpPr>
+          <p:cNvPr id="16" name="Tekstvak 15"/>
+          <p:cNvSpPr txBox="1"/>
+          <p:nvPr/>
+        </p:nvSpPr>
+        <p:spPr>
+          <a:xfrm>
+            <a:off x="7668344" y="3573016"/>
+            <a:ext cx="1259632" cy="369332"/>
+          </a:xfrm>
+          <a:prstGeom prst="rect">
+            <a:avLst/>
+          </a:prstGeom>
+          <a:noFill/>
+        </p:spPr>
+        <p:txBody>
+          <a:bodyPr wrap="square" rtlCol="0">
+            <a:spAutoFit/>
+          </a:bodyPr>
+          <a:lstStyle/>
+          <a:p>
+            <a:r>
+              <a:rPr lang="en-US" dirty="0" err="1" smtClean="0"/>
+              <a:t>php</a:t>
+            </a:r>
+            <a:endParaRPr lang="nl-NL" dirty="0"/>
+          </a:p>
+        </p:txBody>
+      </p:sp>
+      <p:sp>
+        <p:nvSpPr>
+          <p:cNvPr id="17" name="Tekstvak 16"/>
+          <p:cNvSpPr txBox="1"/>
+          <p:nvPr/>
+        </p:nvSpPr>
+        <p:spPr>
+          <a:xfrm>
+            <a:off x="7668344" y="4221088"/>
+            <a:ext cx="1259632" cy="369332"/>
+          </a:xfrm>
+          <a:prstGeom prst="rect">
+            <a:avLst/>
+          </a:prstGeom>
+          <a:noFill/>
+        </p:spPr>
+        <p:txBody>
+          <a:bodyPr wrap="square" rtlCol="0">
+            <a:spAutoFit/>
+          </a:bodyPr>
+          <a:lstStyle/>
+          <a:p>
+            <a:r>
+              <a:rPr lang="en-US" dirty="0" err="1" smtClean="0"/>
+              <a:t>sql</a:t>
+            </a:r>
+            <a:endParaRPr lang="nl-NL" dirty="0"/>
+          </a:p>
+        </p:txBody>
+      </p:sp>
+      <p:sp>
+        <p:nvSpPr>
+          <p:cNvPr id="18" name="Tekstvak 17"/>
+          <p:cNvSpPr txBox="1"/>
+          <p:nvPr/>
+        </p:nvSpPr>
+        <p:spPr>
+          <a:xfrm>
+            <a:off x="7596336" y="4869160"/>
+            <a:ext cx="1403648" cy="369332"/>
+          </a:xfrm>
+          <a:prstGeom prst="rect">
+            <a:avLst/>
+          </a:prstGeom>
+          <a:noFill/>
+        </p:spPr>
+        <p:txBody>
+          <a:bodyPr wrap="square" rtlCol="0">
+            <a:spAutoFit/>
+          </a:bodyPr>
+          <a:lstStyle/>
+          <a:p>
+            <a:r>
+              <a:rPr lang="en-US" dirty="0" err="1" smtClean="0"/>
+              <a:t>php</a:t>
+            </a:r>
             <a:r>
               <a:rPr lang="en-US" dirty="0" smtClean="0"/>
-              <a:t>Show real-time, historical and forecast data</a:t>
-            </a:r>
-          </a:p>
-          <a:p>
+              <a:t>/python</a:t>
+            </a:r>
+            <a:endParaRPr lang="nl-NL" dirty="0"/>
+          </a:p>
+        </p:txBody>
+      </p:sp>
+      <p:sp>
+        <p:nvSpPr>
+          <p:cNvPr id="19" name="Rechthoek 18"/>
+          <p:cNvSpPr/>
+          <p:nvPr/>
+        </p:nvSpPr>
+        <p:spPr>
+          <a:xfrm>
+            <a:off x="467544" y="5373216"/>
+            <a:ext cx="6912768" cy="648072"/>
+          </a:xfrm>
+          <a:prstGeom prst="rect">
+            <a:avLst/>
+          </a:prstGeom>
+        </p:spPr>
+        <p:style>
+          <a:lnRef idx="2">
+            <a:schemeClr val="accent1">
+              <a:shade val="50000"/>
+            </a:schemeClr>
+          </a:lnRef>
+          <a:fillRef idx="1">
+            <a:schemeClr val="accent1"/>
+          </a:fillRef>
+          <a:effectRef idx="0">
+            <a:schemeClr val="accent1"/>
+          </a:effectRef>
+          <a:fontRef idx="minor">
+            <a:schemeClr val="lt1"/>
+          </a:fontRef>
+        </p:style>
+        <p:txBody>
+          <a:bodyPr rtlCol="0" anchor="ctr"/>
+          <a:lstStyle/>
+          <a:p>
+            <a:pPr algn="ctr"/>
             <a:r>
               <a:rPr lang="en-US" dirty="0" smtClean="0"/>
-              <a:t>Show financial data</a:t>
-            </a:r>
-          </a:p>
-          <a:p>
+              <a:t>Operating System (Linux </a:t>
+            </a:r>
+            <a:r>
+              <a:rPr lang="en-US" dirty="0" err="1" smtClean="0"/>
+              <a:t>Debian</a:t>
+            </a:r>
             <a:r>
               <a:rPr lang="en-US" dirty="0" smtClean="0"/>
-              <a:t>Support measurement corrections</a:t>
-            </a:r>
-          </a:p>
-          <a:p>
-            <a:r>
-              <a:rPr lang="en-US" dirty="0" smtClean="0"/>
-              <a:t>Export measure data to CSV and SQL</a:t>
-            </a:r>
-          </a:p>
-          <a:p>
-            <a:r>
-              <a:rPr lang="en-US" dirty="0" smtClean="0"/>
-              <a:t>Open Source and free to use!</a:t>
-            </a:r>
-          </a:p>
-          <a:p>
-            <a:r>
-              <a:rPr lang="en-US" dirty="0" smtClean="0"/>
-              <a:t>Upgrade detection + automatic data model patching</a:t>
-            </a:r>
-          </a:p>
-          <a:p>
-            <a:r>
-              <a:rPr lang="en-US" dirty="0" smtClean="0"/>
-              <a:t>Secure access to Web GUI and settings</a:t>
-            </a:r>
-          </a:p>
-          <a:p>
-            <a:endParaRPr lang="en-US" dirty="0" smtClean="0"/>
-          </a:p>
-          <a:p>
-            <a:endParaRPr lang="en-US" dirty="0" smtClean="0"/>
-          </a:p>
-          <a:p>
+              <a:t>)</a:t>
+            </a:r>
+            <a:endParaRPr lang="nl-NL" dirty="0"/>
+          </a:p>
+        </p:txBody>
+      </p:sp>
+      <p:sp>
+        <p:nvSpPr>
+          <p:cNvPr id="20" name="Tekstvak 19"/>
+          <p:cNvSpPr txBox="1"/>
+          <p:nvPr/>
+        </p:nvSpPr>
+        <p:spPr>
+          <a:xfrm>
+            <a:off x="7668344" y="5445224"/>
+            <a:ext cx="1224136" cy="369332"/>
+          </a:xfrm>
+          <a:prstGeom prst="rect">
+            <a:avLst/>
+          </a:prstGeom>
+          <a:noFill/>
+        </p:spPr>
+        <p:txBody>
+          <a:bodyPr wrap="square" rtlCol="0">
+            <a:spAutoFit/>
+          </a:bodyPr>
+          <a:lstStyle/>
+          <a:p>
+            <a:r>
+              <a:rPr lang="en-US" dirty="0" err="1" smtClean="0"/>
+              <a:t>unix</a:t>
+            </a:r>
             <a:endParaRPr lang="nl-NL" dirty="0"/>
           </a:p>
         </p:txBody>
@@ -4445,43 +5906,127 @@
           <a:chExt cx="0" cy="0"/>
         </a:xfrm>
       </p:grpSpPr>
-      <p:pic>
-        <p:nvPicPr>
-          <p:cNvPr id="31746" name="Picture 2"/>
-          <p:cNvPicPr>
-            <a:picLocks noChangeAspect="1" noChangeArrowheads="1"/>
-          </p:cNvPicPr>
-          <p:nvPr/>
-        </p:nvPicPr>
-        <p:blipFill>
-          <a:blip r:embed="rId2" cstate="print"/>
-          <a:srcRect/>
-          <a:stretch>
-            <a:fillRect/>
-          </a:stretch>
-        </p:blipFill>
-        <p:spPr bwMode="auto">
-          <a:xfrm>
-            <a:off x="0" y="0"/>
-            <a:ext cx="9144000" cy="6858000"/>
-          </a:xfrm>
-          <a:prstGeom prst="rect">
-            <a:avLst/>
-          </a:prstGeom>
-          <a:noFill/>
-          <a:ln w="9525">
-            <a:noFill/>
-            <a:miter lim="800000"/>
-            <a:headEnd/>
-            <a:tailEnd/>
-          </a:ln>
-        </p:spPr>
-      </p:pic>
+      <p:sp>
+        <p:nvSpPr>
+          <p:cNvPr id="2" name="Titel 1"/>
+          <p:cNvSpPr>
+            <a:spLocks noGrp="1"/>
+          </p:cNvSpPr>
+          <p:nvPr>
+            <p:ph type="title"/>
+          </p:nvPr>
+        </p:nvSpPr>
+        <p:spPr/>
+        <p:txBody>
+          <a:bodyPr/>
+          <a:lstStyle/>
+          <a:p>
+            <a:r>
+              <a:rPr lang="en-US" dirty="0" smtClean="0"/>
+              <a:t>PlaatEnergy Key features</a:t>
+            </a:r>
+            <a:endParaRPr lang="nl-NL" dirty="0"/>
+          </a:p>
+        </p:txBody>
+      </p:sp>
+      <p:sp>
+        <p:nvSpPr>
+          <p:cNvPr id="3" name="Tijdelijke aanduiding voor inhoud 2"/>
+          <p:cNvSpPr>
+            <a:spLocks noGrp="1"/>
+          </p:cNvSpPr>
+          <p:nvPr>
+            <p:ph idx="1"/>
+          </p:nvPr>
+        </p:nvSpPr>
+        <p:spPr>
+          <a:xfrm>
+            <a:off x="179512" y="1600200"/>
+            <a:ext cx="8784976" cy="4925144"/>
+          </a:xfrm>
+        </p:spPr>
+        <p:txBody>
+          <a:bodyPr>
+            <a:normAutofit fontScale="92500" lnSpcReduction="10000"/>
+          </a:bodyPr>
+          <a:lstStyle/>
+          <a:p>
+            <a:r>
+              <a:rPr lang="en-US" dirty="0" smtClean="0"/>
+              <a:t>Measure each device every minute</a:t>
+            </a:r>
+          </a:p>
+          <a:p>
+            <a:r>
+              <a:rPr lang="en-US" dirty="0" smtClean="0"/>
+              <a:t>User friendly web interface</a:t>
+            </a:r>
+          </a:p>
+          <a:p>
+            <a:r>
+              <a:rPr lang="en-US" dirty="0" smtClean="0"/>
+              <a:t>Show real-time, historical and forecast data</a:t>
+            </a:r>
+          </a:p>
+          <a:p>
+            <a:r>
+              <a:rPr lang="en-US" dirty="0" smtClean="0"/>
+              <a:t>Show financial data</a:t>
+            </a:r>
+          </a:p>
+          <a:p>
+            <a:r>
+              <a:rPr lang="en-US" dirty="0" smtClean="0"/>
+              <a:t>Support measurement corrections</a:t>
+            </a:r>
+          </a:p>
+          <a:p>
+            <a:r>
+              <a:rPr lang="en-US" dirty="0" smtClean="0"/>
+              <a:t>Export measure data to CSV and SQL</a:t>
+            </a:r>
+          </a:p>
+          <a:p>
+            <a:r>
+              <a:rPr lang="en-US" dirty="0" smtClean="0"/>
+              <a:t>Open Source and free to use!</a:t>
+            </a:r>
+          </a:p>
+          <a:p>
+            <a:r>
+              <a:rPr lang="en-US" dirty="0" smtClean="0"/>
+              <a:t>Upgrade detection + automatic data model patching</a:t>
+            </a:r>
+          </a:p>
+          <a:p>
+            <a:r>
+              <a:rPr lang="en-US" dirty="0" smtClean="0"/>
+              <a:t>Secure access to Web GUI and settings</a:t>
+            </a:r>
+          </a:p>
+          <a:p>
+            <a:endParaRPr lang="en-US" dirty="0" smtClean="0"/>
+          </a:p>
+          <a:p>
+            <a:endParaRPr lang="en-US" dirty="0" smtClean="0"/>
+          </a:p>
+          <a:p>
+            <a:endParaRPr lang="nl-NL" dirty="0"/>
+          </a:p>
+        </p:txBody>
+      </p:sp>
     </p:spTree>
   </p:cSld>
   <p:clrMapOvr>
     <a:masterClrMapping/>
   </p:clrMapOvr>
+  <p:timing>
+    <p:tnLst>
+      <p:par>
+        <p:cTn id="1" dur="indefinite" restart="never" nodeType="tmRoot"/>
+      </p:par>
+    </p:tnLst>
+  </p:timing>
 </p:sld>
 </file>
 
@@ -4504,7 +6049,7 @@
       </p:grpSpPr>
       <p:pic>
         <p:nvPicPr>
-          <p:cNvPr id="6145" name="Picture 1"/>
+          <p:cNvPr id="31746" name="Picture 2"/>
           <p:cNvPicPr>
             <a:picLocks noChangeAspect="1" noChangeArrowheads="1"/>
           </p:cNvPicPr>
@@ -4561,7 +6106,7 @@
       </p:grpSpPr>
       <p:pic>
         <p:nvPicPr>
-          <p:cNvPr id="34818" name="Picture 2"/>
+          <p:cNvPr id="6145" name="Picture 1"/>
           <p:cNvPicPr>
             <a:picLocks noChangeAspect="1" noChangeArrowheads="1"/>
           </p:cNvPicPr>
@@ -4576,7 +6121,7 @@
         </p:blipFill>
         <p:spPr bwMode="auto">
           <a:xfrm>
-            <a:off x="1" y="0"/>
+            <a:off x="0" y="0"/>
             <a:ext cx="9144000" cy="6858000"/>
           </a:xfrm>
           <a:prstGeom prst="rect">
@@ -4618,7 +6163,7 @@
       </p:grpSpPr>
       <p:pic>
         <p:nvPicPr>
-          <p:cNvPr id="35842" name="Picture 2"/>
+          <p:cNvPr id="34818" name="Picture 2"/>
           <p:cNvPicPr>
             <a:picLocks noChangeAspect="1" noChangeArrowheads="1"/>
           </p:cNvPicPr>
@@ -4633,7 +6178,7 @@
         </p:blipFill>
         <p:spPr bwMode="auto">
           <a:xfrm>
-            <a:off x="0" y="0"/>
+            <a:off x="1" y="0"/>
             <a:ext cx="9144000" cy="6858000"/>
           </a:xfrm>
           <a:prstGeom prst="rect">
@@ -4675,7 +6220,7 @@
       </p:grpSpPr>
       <p:pic>
         <p:nvPicPr>
-          <p:cNvPr id="32771" name="Picture 3"/>
+          <p:cNvPr id="35842" name="Picture 2"/>
           <p:cNvPicPr>
             <a:picLocks noChangeAspect="1" noChangeArrowheads="1"/>
           </p:cNvPicPr>
@@ -4732,7 +6277,7 @@
       </p:grpSpPr>
       <p:pic>
         <p:nvPicPr>
-          <p:cNvPr id="33794" name="Picture 2"/>
+          <p:cNvPr id="32771" name="Picture 3"/>
           <p:cNvPicPr>
             <a:picLocks noChangeAspect="1" noChangeArrowheads="1"/>
           </p:cNvPicPr>
@@ -4789,7 +6334,7 @@
       </p:grpSpPr>
       <p:pic>
         <p:nvPicPr>
-          <p:cNvPr id="39938" name="Picture 2"/>
+          <p:cNvPr id="33794" name="Picture 2"/>
           <p:cNvPicPr>
             <a:picLocks noChangeAspect="1" noChangeArrowheads="1"/>
           </p:cNvPicPr>
@@ -4846,7 +6391,7 @@
       </p:grpSpPr>
       <p:pic>
         <p:nvPicPr>
-          <p:cNvPr id="36866" name="Picture 2"/>
+          <p:cNvPr id="39938" name="Picture 2"/>
           <p:cNvPicPr>
             <a:picLocks noChangeAspect="1" noChangeArrowheads="1"/>
           </p:cNvPicPr>
@@ -5045,7 +6590,7 @@
       </p:grpSpPr>
       <p:pic>
         <p:nvPicPr>
-          <p:cNvPr id="37890" name="Picture 2"/>
+          <p:cNvPr id="36866" name="Picture 2"/>
           <p:cNvPicPr>
             <a:picLocks noChangeAspect="1" noChangeArrowheads="1"/>
           </p:cNvPicPr>
@@ -5102,7 +6647,7 @@
       </p:grpSpPr>
       <p:pic>
         <p:nvPicPr>
-          <p:cNvPr id="38914" name="Picture 2"/>
+          <p:cNvPr id="37890" name="Picture 2"/>
           <p:cNvPicPr>
             <a:picLocks noChangeAspect="1" noChangeArrowheads="1"/>
           </p:cNvPicPr>
@@ -5157,70 +6702,38 @@
           <a:chExt cx="0" cy="0"/>
         </a:xfrm>
       </p:grpSpPr>
-      <p:sp>
-        <p:nvSpPr>
-          <p:cNvPr id="2" name="Titel 1"/>
-          <p:cNvSpPr>
-            <a:spLocks noGrp="1"/>
-          </p:cNvSpPr>
-          <p:nvPr>
-            <p:ph type="title"/>
-          </p:nvPr>
-        </p:nvSpPr>
-        <p:spPr/>
-        <p:txBody>
-          <a:bodyPr/>
-          <a:lstStyle/>
-          <a:p>
-            <a:r>
-              <a:rPr lang="en-US" dirty="0" smtClean="0"/>
-              <a:t>Conclusion</a:t>
-            </a:r>
-            <a:endParaRPr lang="nl-NL" dirty="0"/>
-          </a:p>
-        </p:txBody>
-      </p:sp>
-      <p:sp>
-        <p:nvSpPr>
-          <p:cNvPr id="3" name="Tijdelijke aanduiding voor inhoud 2"/>
-          <p:cNvSpPr>
-            <a:spLocks noGrp="1"/>
-          </p:cNvSpPr>
-          <p:nvPr>
-            <p:ph idx="1"/>
-          </p:nvPr>
-        </p:nvSpPr>
-        <p:spPr/>
-        <p:txBody>
-          <a:bodyPr/>
-          <a:lstStyle/>
-          <a:p>
-            <a:r>
-              <a:rPr lang="en-US" dirty="0" smtClean="0"/>
-              <a:t>My energy / gas use is dropped with 25%  / 50% because I am more aware now.</a:t>
-            </a:r>
-          </a:p>
-          <a:p>
-            <a:r>
-              <a:rPr lang="en-US" dirty="0" smtClean="0"/>
-              <a:t>PlaatEnergy is downloaded ca. 100 times now</a:t>
-            </a:r>
-          </a:p>
-          <a:p>
-            <a:r>
-              <a:rPr lang="en-US" dirty="0" smtClean="0"/>
-              <a:t>“Customers” sending great feedback back </a:t>
-            </a:r>
-            <a:r>
-              <a:rPr lang="en-US" dirty="0" smtClean="0">
-                <a:sym typeface="Wingdings" pitchFamily="2" charset="2"/>
-              </a:rPr>
-              <a:t></a:t>
-            </a:r>
-            <a:endParaRPr lang="en-US" dirty="0" smtClean="0"/>
-          </a:p>
-        </p:txBody>
-      </p:sp>
+      <p:pic>
+        <p:nvPicPr>
+          <p:cNvPr id="38914" name="Picture 2"/>
+          <p:cNvPicPr>
+            <a:picLocks noChangeAspect="1" noChangeArrowheads="1"/>
+          </p:cNvPicPr>
+          <p:nvPr/>
+        </p:nvPicPr>
+        <p:blipFill>
+          <a:blip r:embed="rId2" cstate="print"/>
+          <a:srcRect/>
+          <a:stretch>
+            <a:fillRect/>
+          </a:stretch>
+        </p:blipFill>
+        <p:spPr bwMode="auto">
+          <a:xfrm>
+            <a:off x="0" y="0"/>
+            <a:ext cx="9144000" cy="6858000"/>
+          </a:xfrm>
+          <a:prstGeom prst="rect">
+            <a:avLst/>
+          </a:prstGeom>
+          <a:noFill/>
+          <a:ln w="9525">
+            <a:noFill/>
+            <a:miter lim="800000"/>
+            <a:headEnd/>
+            <a:tailEnd/>
+          </a:ln>
+        </p:spPr>
+      </p:pic>
     </p:spTree>
   </p:cSld>
   <p:clrMapOvr>
@@ -5263,7 +6776,7 @@
           <a:p>
             <a:r>
               <a:rPr lang="en-US" dirty="0" smtClean="0"/>
-              <a:t>Feature Plans</a:t>
+              <a:t>Conclusion</a:t>
             </a:r>
             <a:endParaRPr lang="nl-NL" dirty="0"/>
           </a:p>
@@ -5281,67 +6794,32 @@
         </p:nvSpPr>
         <p:spPr/>
         <p:txBody>
-          <a:bodyPr>
-            <a:normAutofit fontScale="92500" lnSpcReduction="10000"/>
-          </a:bodyPr>
+          <a:bodyPr/>
           <a:lstStyle/>
           <a:p>
             <a:r>
               <a:rPr lang="en-US" dirty="0" smtClean="0"/>
-              <a:t>Add support for infrared energy meters.</a:t>
+              <a:t>My energy / gas use is dropped with 25%  / 50% because I am more aware now.</a:t>
             </a:r>
           </a:p>
           <a:p>
             <a:r>
               <a:rPr lang="en-US" dirty="0" smtClean="0"/>
-              <a:t>Add Google Nest product support</a:t>
-            </a:r>
-          </a:p>
-          <a:p>
-            <a:pPr lvl="1"/>
+              <a:t>PlaatEnergy is downloaded ca. 100 times now</a:t>
+            </a:r>
+          </a:p>
+          <a:p>
             <a:r>
               <a:rPr lang="en-US" dirty="0" smtClean="0"/>
-              <a:t>Nest thermostat. Control my thermostat remote</a:t>
-            </a:r>
-          </a:p>
-          <a:p>
-            <a:pPr lvl="1"/>
-            <a:r>
-              <a:rPr lang="en-US" dirty="0" smtClean="0"/>
-              <a:t>Nest Protect. Receive notification when gas and/or fire is detected </a:t>
-            </a:r>
-          </a:p>
-          <a:p>
-            <a:r>
-              <a:rPr lang="en-US" dirty="0" smtClean="0"/>
-              <a:t>Add Philips Hue product support</a:t>
-            </a:r>
-          </a:p>
-          <a:p>
-            <a:pPr lvl="1"/>
-            <a:r>
-              <a:rPr lang="en-US" dirty="0" smtClean="0"/>
-              <a:t>Control lights in my house</a:t>
-            </a:r>
-          </a:p>
-          <a:p>
-            <a:pPr lvl="1"/>
+              <a:t>“Customers” sending great feedback back </a:t>
+            </a:r>
+            <a:r>
+              <a:rPr lang="en-US" dirty="0" smtClean="0">
+                <a:sym typeface="Wingdings" pitchFamily="2" charset="2"/>
+              </a:rPr>
+              <a:t></a:t>
+            </a:r>
             <a:endParaRPr lang="en-US" dirty="0" smtClean="0"/>
-          </a:p>
-          <a:p>
-            <a:pPr lvl="1">
-              <a:buNone/>
-            </a:pPr>
-            <a:endParaRPr lang="en-US" dirty="0" smtClean="0"/>
-          </a:p>
-          <a:p>
-            <a:pPr lvl="1" algn="ctr">
-              <a:buNone/>
-            </a:pPr>
-            <a:r>
-              <a:rPr lang="en-US" i="1" dirty="0" smtClean="0"/>
-              <a:t>New idea’s are welcome!</a:t>
-            </a:r>
           </a:p>
         </p:txBody>
       </p:sp>
@@ -5354,6 +6832,130 @@
 </file>
 
 <file path=ppt/slides/slide24.xml><?xml version="1.0" encoding="utf-8"?>
+<p:sld xmlns:a="http://schemas.openxmlformats.org/drawingml/2006/main" xmlns:r="http://schemas.openxmlformats.org/officeDocument/2006/relationships" xmlns:p="http://schemas.openxmlformats.org/presentationml/2006/main">
+  <p:cSld>
+    <p:spTree>
+      <p:nvGrpSpPr>
+        <p:cNvPr id="1" name=""/>
+        <p:cNvGrpSpPr/>
+        <p:nvPr/>
+      </p:nvGrpSpPr>
+      <p:grpSpPr>
+        <a:xfrm>
+          <a:off x="0" y="0"/>
+          <a:ext cx="0" cy="0"/>
+          <a:chOff x="0" y="0"/>
+          <a:chExt cx="0" cy="0"/>
+        </a:xfrm>
+      </p:grpSpPr>
+      <p:sp>
+        <p:nvSpPr>
+          <p:cNvPr id="2" name="Titel 1"/>
+          <p:cNvSpPr>
+            <a:spLocks noGrp="1"/>
+          </p:cNvSpPr>
+          <p:nvPr>
+            <p:ph type="title"/>
+          </p:nvPr>
+        </p:nvSpPr>
+        <p:spPr/>
+        <p:txBody>
+          <a:bodyPr/>
+          <a:lstStyle/>
+          <a:p>
+            <a:r>
+              <a:rPr lang="en-US" dirty="0" smtClean="0"/>
+              <a:t>Feature Plans</a:t>
+            </a:r>
+            <a:endParaRPr lang="nl-NL" dirty="0"/>
+          </a:p>
+        </p:txBody>
+      </p:sp>
+      <p:sp>
+        <p:nvSpPr>
+          <p:cNvPr id="3" name="Tijdelijke aanduiding voor inhoud 2"/>
+          <p:cNvSpPr>
+            <a:spLocks noGrp="1"/>
+          </p:cNvSpPr>
+          <p:nvPr>
+            <p:ph idx="1"/>
+          </p:nvPr>
+        </p:nvSpPr>
+        <p:spPr/>
+        <p:txBody>
+          <a:bodyPr>
+            <a:normAutofit fontScale="92500" lnSpcReduction="10000"/>
+          </a:bodyPr>
+          <a:lstStyle/>
+          <a:p>
+            <a:r>
+              <a:rPr lang="en-US" dirty="0" smtClean="0"/>
+              <a:t>Add support for infrared energy meters.</a:t>
+            </a:r>
+          </a:p>
+          <a:p>
+            <a:r>
+              <a:rPr lang="en-US" dirty="0" smtClean="0"/>
+              <a:t>Add Google Nest product support</a:t>
+            </a:r>
+          </a:p>
+          <a:p>
+            <a:pPr lvl="1"/>
+            <a:r>
+              <a:rPr lang="en-US" dirty="0" smtClean="0"/>
+              <a:t>Nest thermostat. Control my thermostat remote</a:t>
+            </a:r>
+          </a:p>
+          <a:p>
+            <a:pPr lvl="1"/>
+            <a:r>
+              <a:rPr lang="en-US" dirty="0" smtClean="0"/>
+              <a:t>Nest Protect. Receive notification when gas and/or fire is detected </a:t>
+            </a:r>
+          </a:p>
+          <a:p>
+            <a:r>
+              <a:rPr lang="en-US" dirty="0" smtClean="0"/>
+              <a:t>Add Philips Hue product support</a:t>
+            </a:r>
+          </a:p>
+          <a:p>
+            <a:pPr lvl="1"/>
+            <a:r>
+              <a:rPr lang="en-US" dirty="0" smtClean="0"/>
+              <a:t>Control lights in my house</a:t>
+            </a:r>
+          </a:p>
+          <a:p>
+            <a:pPr lvl="1"/>
+            <a:endParaRPr lang="en-US" dirty="0" smtClean="0"/>
+          </a:p>
+          <a:p>
+            <a:pPr lvl="1">
+              <a:buNone/>
+            </a:pPr>
+            <a:endParaRPr lang="en-US" dirty="0" smtClean="0"/>
+          </a:p>
+          <a:p>
+            <a:pPr lvl="1" algn="ctr">
+              <a:buNone/>
+            </a:pPr>
+            <a:r>
+              <a:rPr lang="en-US" i="1" dirty="0" smtClean="0"/>
+              <a:t>New idea’s are welcome!</a:t>
+            </a:r>
+          </a:p>
+        </p:txBody>
+      </p:sp>
+    </p:spTree>
+  </p:cSld>
+  <p:clrMapOvr>
+    <a:masterClrMapping/>
+  </p:clrMapOvr>
+</p:sld>
+</file>
+
+<file path=ppt/slides/slide25.xml><?xml version="1.0" encoding="utf-8"?>
 <p:sld xmlns:a="http://schemas.openxmlformats.org/drawingml/2006/main" xmlns:r="http://schemas.openxmlformats.org/officeDocument/2006/relationships" xmlns:p="http://schemas.openxmlformats.org/presentationml/2006/main">
   <p:cSld>
     <p:spTree>
@@ -5656,8 +7258,13 @@
           <a:p>
             <a:r>
               <a:rPr lang="en-US" sz="4900" dirty="0" smtClean="0"/>
-              <a:t>Raspberry Pi 2B</a:t>
-            </a:r>
+              <a:t>Raspberry Pi </a:t>
+            </a:r>
+            <a:r>
+              <a:rPr lang="en-US" sz="4900" dirty="0" smtClean="0"/>
+              <a:t>3B</a:t>
+            </a:r>
+            <a:endParaRPr lang="en-US" sz="4900" dirty="0" smtClean="0"/>
           </a:p>
           <a:p>
             <a:r>
@@ -5960,7 +7567,7 @@
           <a:p>
             <a:pPr algn="ctr"/>
             <a:r>
-              <a:rPr lang="en-US" sz="2400" dirty="0" err="1" smtClean="0"/>
+              <a:rPr lang="en-US" sz="2400" dirty="0" smtClean="0"/>
               <a:t>PlaatEnergy</a:t>
             </a:r>
             <a:r>
@@ -7065,41 +8672,6 @@
           <a:noFill/>
         </p:spPr>
       </p:pic>
-      <p:cxnSp>
-        <p:nvCxnSpPr>
-          <p:cNvPr id="78" name="Rechte verbindingslijn met pijl 77"/>
-          <p:cNvCxnSpPr>
-            <a:stCxn id="49" idx="2"/>
-          </p:cNvCxnSpPr>
-          <p:nvPr/>
-        </p:nvCxnSpPr>
-        <p:spPr>
-          <a:xfrm flipH="1">
-            <a:off x="1691680" y="5157192"/>
-            <a:ext cx="1404156" cy="504056"/>
-          </a:xfrm>
-          <a:prstGeom prst="straightConnector1">
-            <a:avLst/>
-          </a:prstGeom>
-          <a:ln w="28575">
-            <a:tailEnd type="arrow"/>
-          </a:ln>
-        </p:spPr>
-        <p:style>
-          <a:lnRef idx="1">
-            <a:schemeClr val="accent2"/>
-          </a:lnRef>
-          <a:fillRef idx="0">
-            <a:schemeClr val="accent2"/>
-          </a:fillRef>
-          <a:effectRef idx="0">
-            <a:schemeClr val="accent2"/>
-          </a:effectRef>
-          <a:fontRef idx="minor">
-            <a:schemeClr val="tx1"/>
-          </a:fontRef>
-        </p:style>
-      </p:cxnSp>
       <p:pic>
         <p:nvPicPr>
           <p:cNvPr id="1034" name="Picture 10"/>
@@ -7417,8 +8989,13 @@
             <a:pPr algn="ctr"/>
             <a:r>
               <a:rPr lang="en-US" sz="1200" dirty="0" smtClean="0"/>
-              <a:t>Reachable by</a:t>
-            </a:r>
+              <a:t>Reachable </a:t>
+            </a:r>
+            <a:r>
+              <a:rPr lang="en-US" sz="1200" dirty="0" smtClean="0"/>
+              <a:t>on</a:t>
+            </a:r>
+            <a:endParaRPr lang="en-US" sz="1200" dirty="0" smtClean="0"/>
           </a:p>
           <a:p>
             <a:pPr algn="ctr"/>
@@ -7900,41 +9477,6 @@
           <a:noFill/>
         </p:spPr>
       </p:pic>
-      <p:cxnSp>
-        <p:nvCxnSpPr>
-          <p:cNvPr id="15" name="Rechte verbindingslijn met pijl 14"/>
-          <p:cNvCxnSpPr>
-            <a:stCxn id="10" idx="2"/>
-          </p:cNvCxnSpPr>
-          <p:nvPr/>
-        </p:nvCxnSpPr>
-        <p:spPr>
-          <a:xfrm flipH="1">
-            <a:off x="1691680" y="5157192"/>
-            <a:ext cx="1404156" cy="504056"/>
-          </a:xfrm>
-          <a:prstGeom prst="straightConnector1">
-            <a:avLst/>
-          </a:prstGeom>
-          <a:ln w="28575">
-            <a:tailEnd type="arrow"/>
-          </a:ln>
-        </p:spPr>
-        <p:style>
-          <a:lnRef idx="1">
-            <a:schemeClr val="accent2"/>
-          </a:lnRef>
-          <a:fillRef idx="0">
-            <a:schemeClr val="accent2"/>
-          </a:fillRef>
-          <a:effectRef idx="0">
-            <a:schemeClr val="accent2"/>
-          </a:effectRef>
-          <a:fontRef idx="minor">
-            <a:schemeClr val="tx1"/>
-          </a:fontRef>
-        </p:style>
-      </p:cxnSp>
       <p:pic>
         <p:nvPicPr>
           <p:cNvPr id="16" name="Picture 10"/>
@@ -8155,44 +9697,10 @@
           </a:p>
         </p:txBody>
       </p:sp>
-      <p:pic>
-        <p:nvPicPr>
-          <p:cNvPr id="28" name="Picture 7"/>
-          <p:cNvPicPr>
-            <a:picLocks noChangeAspect="1" noChangeArrowheads="1"/>
-          </p:cNvPicPr>
-          <p:nvPr/>
-        </p:nvPicPr>
-        <p:blipFill>
-          <a:blip r:embed="rId4" cstate="print"/>
-          <a:srcRect/>
-          <a:stretch>
-            <a:fillRect/>
-          </a:stretch>
-        </p:blipFill>
-        <p:spPr bwMode="auto">
-          <a:xfrm>
-            <a:off x="1691680" y="692696"/>
-            <a:ext cx="2880320" cy="1317496"/>
-          </a:xfrm>
-          <a:prstGeom prst="rect">
-            <a:avLst/>
-          </a:prstGeom>
-          <a:noFill/>
-          <a:ln w="9525">
-            <a:noFill/>
-            <a:miter lim="800000"/>
-            <a:headEnd/>
-            <a:tailEnd/>
-          </a:ln>
-        </p:spPr>
-      </p:pic>
       <p:cxnSp>
         <p:nvCxnSpPr>
           <p:cNvPr id="29" name="Rechte verbindingslijn met pijl 28"/>
-          <p:cNvCxnSpPr>
-            <a:endCxn id="28" idx="2"/>
-          </p:cNvCxnSpPr>
+          <p:cNvCxnSpPr/>
           <p:nvPr/>
         </p:nvCxnSpPr>
         <p:spPr>
@@ -8231,8 +9739,8 @@
         </p:nvCxnSpPr>
         <p:spPr>
           <a:xfrm>
-            <a:off x="4572000" y="1124744"/>
-            <a:ext cx="2664296" cy="0"/>
+            <a:off x="3923928" y="1124744"/>
+            <a:ext cx="3312368" cy="0"/>
           </a:xfrm>
           <a:prstGeom prst="straightConnector1">
             <a:avLst/>
@@ -8290,8 +9798,13 @@
             <a:pPr algn="ctr"/>
             <a:r>
               <a:rPr lang="en-US" sz="1200" dirty="0" smtClean="0"/>
-              <a:t>Reachable by</a:t>
-            </a:r>
+              <a:t>Reachable </a:t>
+            </a:r>
+            <a:r>
+              <a:rPr lang="en-US" sz="1200" dirty="0" smtClean="0"/>
+              <a:t>on</a:t>
+            </a:r>
+            <a:endParaRPr lang="en-US" sz="1200" dirty="0" smtClean="0"/>
           </a:p>
           <a:p>
             <a:pPr algn="ctr"/>
@@ -8303,6 +9816,38 @@
           </a:p>
         </p:txBody>
       </p:sp>
+      <p:pic>
+        <p:nvPicPr>
+          <p:cNvPr id="24" name="Picture 7"/>
+          <p:cNvPicPr>
+            <a:picLocks noChangeAspect="1" noChangeArrowheads="1"/>
+          </p:cNvPicPr>
+          <p:nvPr/>
+        </p:nvPicPr>
+        <p:blipFill>
+          <a:blip r:embed="rId4" cstate="print"/>
+          <a:srcRect/>
+          <a:stretch>
+            <a:fillRect/>
+          </a:stretch>
+        </p:blipFill>
+        <p:spPr bwMode="auto">
+          <a:xfrm>
+            <a:off x="2267744" y="836712"/>
+            <a:ext cx="1584176" cy="1173480"/>
+          </a:xfrm>
+          <a:prstGeom prst="rect">
+            <a:avLst/>
+          </a:prstGeom>
+          <a:noFill/>
+          <a:ln w="9525">
+            <a:noFill/>
+            <a:miter lim="800000"/>
+            <a:headEnd/>
+            <a:tailEnd/>
+          </a:ln>
+        </p:spPr>
+      </p:pic>
     </p:spTree>
   </p:cSld>
   <p:clrMapOvr>
@@ -8624,38 +10169,6 @@
           </a:p>
         </p:txBody>
       </p:sp>
-      <p:pic>
-        <p:nvPicPr>
-          <p:cNvPr id="1031" name="Picture 7"/>
-          <p:cNvPicPr>
-            <a:picLocks noChangeAspect="1" noChangeArrowheads="1"/>
-          </p:cNvPicPr>
-          <p:nvPr/>
-        </p:nvPicPr>
-        <p:blipFill>
-          <a:blip r:embed="rId2" cstate="print"/>
-          <a:srcRect/>
-          <a:stretch>
-            <a:fillRect/>
-          </a:stretch>
-        </p:blipFill>
-        <p:spPr bwMode="auto">
-          <a:xfrm>
-            <a:off x="1691680" y="692696"/>
-            <a:ext cx="2880320" cy="1317496"/>
-          </a:xfrm>
-          <a:prstGeom prst="rect">
-            <a:avLst/>
-          </a:prstGeom>
-          <a:noFill/>
-          <a:ln w="9525">
-            <a:noFill/>
-            <a:miter lim="800000"/>
-            <a:headEnd/>
-            <a:tailEnd/>
-          </a:ln>
-        </p:spPr>
-      </p:pic>
       <p:cxnSp>
         <p:nvCxnSpPr>
           <p:cNvPr id="17" name="Rechte verbindingslijn met pijl 16"/>
@@ -8764,9 +10277,7 @@
       <p:cxnSp>
         <p:nvCxnSpPr>
           <p:cNvPr id="37" name="Rechte verbindingslijn met pijl 36"/>
-          <p:cNvCxnSpPr>
-            <a:endCxn id="1031" idx="2"/>
-          </p:cNvCxnSpPr>
+          <p:cNvCxnSpPr/>
           <p:nvPr/>
         </p:nvCxnSpPr>
         <p:spPr>
@@ -9000,7 +10511,7 @@
           <p:nvPr/>
         </p:nvPicPr>
         <p:blipFill>
-          <a:blip r:embed="rId3" cstate="print"/>
+          <a:blip r:embed="rId2" cstate="print"/>
           <a:srcRect/>
           <a:stretch>
             <a:fillRect/>
@@ -9062,7 +10573,7 @@
           <p:nvPr/>
         </p:nvPicPr>
         <p:blipFill>
-          <a:blip r:embed="rId4" cstate="print"/>
+          <a:blip r:embed="rId3" cstate="print"/>
           <a:srcRect/>
           <a:stretch>
             <a:fillRect/>
@@ -9436,8 +10947,13 @@
             <a:pPr algn="ctr"/>
             <a:r>
               <a:rPr lang="en-US" sz="1200" dirty="0" smtClean="0"/>
-              <a:t>Reachable by</a:t>
-            </a:r>
+              <a:t>Reachable </a:t>
+            </a:r>
+            <a:r>
+              <a:rPr lang="en-US" sz="1200" dirty="0" smtClean="0"/>
+              <a:t>on</a:t>
+            </a:r>
+            <a:endParaRPr lang="en-US" sz="1200" dirty="0" smtClean="0"/>
           </a:p>
           <a:p>
             <a:pPr algn="ctr"/>
@@ -9449,6 +10965,38 @@
           </a:p>
         </p:txBody>
       </p:sp>
+      <p:pic>
+        <p:nvPicPr>
+          <p:cNvPr id="31" name="Picture 7"/>
+          <p:cNvPicPr>
+            <a:picLocks noChangeAspect="1" noChangeArrowheads="1"/>
+          </p:cNvPicPr>
+          <p:nvPr/>
+        </p:nvPicPr>
+        <p:blipFill>
+          <a:blip r:embed="rId4" cstate="print"/>
+          <a:srcRect/>
+          <a:stretch>
+            <a:fillRect/>
+          </a:stretch>
+        </p:blipFill>
+        <p:spPr bwMode="auto">
+          <a:xfrm>
+            <a:off x="2267744" y="836712"/>
+            <a:ext cx="1584176" cy="1173480"/>
+          </a:xfrm>
+          <a:prstGeom prst="rect">
+            <a:avLst/>
+          </a:prstGeom>
+          <a:noFill/>
+          <a:ln w="9525">
+            <a:noFill/>
+            <a:miter lim="800000"/>
+            <a:headEnd/>
+            <a:tailEnd/>
+          </a:ln>
+        </p:spPr>
+      </p:pic>
     </p:spTree>
   </p:cSld>
   <p:clrMapOvr>
@@ -9490,7 +11038,7 @@
         <p:spPr>
           <a:xfrm>
             <a:off x="5580112" y="3068960"/>
-            <a:ext cx="1944216" cy="1569660"/>
+            <a:ext cx="1800200" cy="1569660"/>
           </a:xfrm>
           <a:prstGeom prst="rect">
             <a:avLst/>
@@ -10680,8 +12228,8 @@
         </p:nvCxnSpPr>
         <p:spPr>
           <a:xfrm>
-            <a:off x="6552220" y="4638620"/>
-            <a:ext cx="972108" cy="302548"/>
+            <a:off x="6480212" y="4638620"/>
+            <a:ext cx="1044116" cy="302548"/>
           </a:xfrm>
           <a:prstGeom prst="straightConnector1">
             <a:avLst/>
@@ -10834,8 +12382,13 @@
             <a:pPr algn="ctr"/>
             <a:r>
               <a:rPr lang="en-US" sz="1200" dirty="0" smtClean="0"/>
-              <a:t>Reachable by</a:t>
-            </a:r>
+              <a:t>Reachable </a:t>
+            </a:r>
+            <a:r>
+              <a:rPr lang="en-US" sz="1200" dirty="0" smtClean="0"/>
+              <a:t>on</a:t>
+            </a:r>
+            <a:endParaRPr lang="en-US" sz="1200" dirty="0" smtClean="0"/>
           </a:p>
           <a:p>
             <a:pPr algn="ctr"/>

--- a/doc/ppt/PlaatEnergy Design.pptx
+++ b/doc/ppt/PlaatEnergy Design.pptx
@@ -5,7 +5,7 @@
     <p:sldMasterId id="2147483900" r:id="rId1"/>
   </p:sldMasterIdLst>
   <p:notesMasterIdLst>
-    <p:notesMasterId r:id="rId23"/>
+    <p:notesMasterId r:id="rId24"/>
   </p:notesMasterIdLst>
   <p:sldIdLst>
     <p:sldId id="262" r:id="rId2"/>
@@ -19,16 +19,17 @@
     <p:sldId id="280" r:id="rId10"/>
     <p:sldId id="304" r:id="rId11"/>
     <p:sldId id="281" r:id="rId12"/>
-    <p:sldId id="297" r:id="rId13"/>
-    <p:sldId id="292" r:id="rId14"/>
-    <p:sldId id="302" r:id="rId15"/>
-    <p:sldId id="264" r:id="rId16"/>
-    <p:sldId id="287" r:id="rId17"/>
-    <p:sldId id="288" r:id="rId18"/>
-    <p:sldId id="285" r:id="rId19"/>
-    <p:sldId id="286" r:id="rId20"/>
-    <p:sldId id="294" r:id="rId21"/>
-    <p:sldId id="289" r:id="rId22"/>
+    <p:sldId id="315" r:id="rId13"/>
+    <p:sldId id="308" r:id="rId14"/>
+    <p:sldId id="309" r:id="rId15"/>
+    <p:sldId id="310" r:id="rId16"/>
+    <p:sldId id="311" r:id="rId17"/>
+    <p:sldId id="312" r:id="rId18"/>
+    <p:sldId id="313" r:id="rId19"/>
+    <p:sldId id="314" r:id="rId20"/>
+    <p:sldId id="297" r:id="rId21"/>
+    <p:sldId id="292" r:id="rId22"/>
+    <p:sldId id="302" r:id="rId23"/>
   </p:sldIdLst>
   <p:sldSz cx="9144000" cy="6858000" type="screen4x3"/>
   <p:notesSz cx="6858000" cy="9144000"/>
@@ -213,7 +214,7 @@
             <a:fld id="{AAA9B6CD-1D48-452A-A7F2-8CBBE02CC7D2}" type="datetimeFigureOut">
               <a:rPr lang="nl-NL" smtClean="0"/>
               <a:pPr/>
-              <a:t>21-6-2016</a:t>
+              <a:t>4-7-2016</a:t>
             </a:fld>
             <a:endParaRPr lang="nl-NL"/>
           </a:p>
@@ -375,7 +376,7 @@
             <a:fld id="{3F950F4F-C5AF-4494-B3CA-9201F9D52D46}" type="slidenum">
               <a:rPr lang="nl-NL" smtClean="0"/>
               <a:pPr/>
-              <a:t>‹nr.›</a:t>
+              <a:t>‹#›</a:t>
             </a:fld>
             <a:endParaRPr lang="nl-NL"/>
           </a:p>
@@ -384,7 +385,7 @@
     </p:spTree>
     <p:extLst>
       <p:ext uri="{BB962C8B-B14F-4D97-AF65-F5344CB8AC3E}">
-        <p14:creationId xmlns="" xmlns:p14="http://schemas.microsoft.com/office/powerpoint/2010/main" val="758923214"/>
+        <p14:creationId xmlns:p14="http://schemas.microsoft.com/office/powerpoint/2010/main" val="758923214"/>
       </p:ext>
     </p:extLst>
   </p:cSld>
@@ -677,7 +678,7 @@
             <a:fld id="{96BAE843-BE96-40CB-B634-F63C679A4CF5}" type="datetimeFigureOut">
               <a:rPr lang="nl-NL" smtClean="0"/>
               <a:pPr/>
-              <a:t>21-6-2016</a:t>
+              <a:t>4-7-2016</a:t>
             </a:fld>
             <a:endParaRPr lang="nl-NL"/>
           </a:p>
@@ -701,7 +702,7 @@
             <a:fld id="{727BD2AF-9C77-4256-BC44-28E620F1C4BA}" type="slidenum">
               <a:rPr lang="nl-NL" smtClean="0"/>
               <a:pPr/>
-              <a:t>‹nr.›</a:t>
+              <a:t>‹#›</a:t>
             </a:fld>
             <a:endParaRPr lang="nl-NL"/>
           </a:p>
@@ -844,7 +845,7 @@
             <a:fld id="{96BAE843-BE96-40CB-B634-F63C679A4CF5}" type="datetimeFigureOut">
               <a:rPr lang="nl-NL" smtClean="0"/>
               <a:pPr/>
-              <a:t>21-6-2016</a:t>
+              <a:t>4-7-2016</a:t>
             </a:fld>
             <a:endParaRPr lang="nl-NL"/>
           </a:p>
@@ -887,7 +888,7 @@
             <a:fld id="{727BD2AF-9C77-4256-BC44-28E620F1C4BA}" type="slidenum">
               <a:rPr lang="nl-NL" smtClean="0"/>
               <a:pPr/>
-              <a:t>‹nr.›</a:t>
+              <a:t>‹#›</a:t>
             </a:fld>
             <a:endParaRPr lang="nl-NL"/>
           </a:p>
@@ -1021,7 +1022,7 @@
             <a:fld id="{96BAE843-BE96-40CB-B634-F63C679A4CF5}" type="datetimeFigureOut">
               <a:rPr lang="nl-NL" smtClean="0"/>
               <a:pPr/>
-              <a:t>21-6-2016</a:t>
+              <a:t>4-7-2016</a:t>
             </a:fld>
             <a:endParaRPr lang="nl-NL"/>
           </a:p>
@@ -1064,7 +1065,7 @@
             <a:fld id="{727BD2AF-9C77-4256-BC44-28E620F1C4BA}" type="slidenum">
               <a:rPr lang="nl-NL" smtClean="0"/>
               <a:pPr/>
-              <a:t>‹nr.›</a:t>
+              <a:t>‹#›</a:t>
             </a:fld>
             <a:endParaRPr lang="nl-NL"/>
           </a:p>
@@ -1206,7 +1207,7 @@
             <a:fld id="{96BAE843-BE96-40CB-B634-F63C679A4CF5}" type="datetimeFigureOut">
               <a:rPr lang="nl-NL" smtClean="0"/>
               <a:pPr/>
-              <a:t>21-6-2016</a:t>
+              <a:t>4-7-2016</a:t>
             </a:fld>
             <a:endParaRPr lang="nl-NL"/>
           </a:p>
@@ -1249,7 +1250,7 @@
             <a:fld id="{727BD2AF-9C77-4256-BC44-28E620F1C4BA}" type="slidenum">
               <a:rPr lang="nl-NL" smtClean="0"/>
               <a:pPr/>
-              <a:t>‹nr.›</a:t>
+              <a:t>‹#›</a:t>
             </a:fld>
             <a:endParaRPr lang="nl-NL"/>
           </a:p>
@@ -1470,7 +1471,7 @@
             <a:fld id="{96BAE843-BE96-40CB-B634-F63C679A4CF5}" type="datetimeFigureOut">
               <a:rPr lang="nl-NL" smtClean="0"/>
               <a:pPr/>
-              <a:t>21-6-2016</a:t>
+              <a:t>4-7-2016</a:t>
             </a:fld>
             <a:endParaRPr lang="nl-NL"/>
           </a:p>
@@ -1513,7 +1514,7 @@
             <a:fld id="{727BD2AF-9C77-4256-BC44-28E620F1C4BA}" type="slidenum">
               <a:rPr lang="nl-NL" smtClean="0"/>
               <a:pPr/>
-              <a:t>‹nr.›</a:t>
+              <a:t>‹#›</a:t>
             </a:fld>
             <a:endParaRPr lang="nl-NL"/>
           </a:p>
@@ -1820,7 +1821,7 @@
             <a:fld id="{96BAE843-BE96-40CB-B634-F63C679A4CF5}" type="datetimeFigureOut">
               <a:rPr lang="nl-NL" smtClean="0"/>
               <a:pPr/>
-              <a:t>21-6-2016</a:t>
+              <a:t>4-7-2016</a:t>
             </a:fld>
             <a:endParaRPr lang="nl-NL"/>
           </a:p>
@@ -1863,7 +1864,7 @@
             <a:fld id="{727BD2AF-9C77-4256-BC44-28E620F1C4BA}" type="slidenum">
               <a:rPr lang="nl-NL" smtClean="0"/>
               <a:pPr/>
-              <a:t>‹nr.›</a:t>
+              <a:t>‹#›</a:t>
             </a:fld>
             <a:endParaRPr lang="nl-NL"/>
           </a:p>
@@ -2130,7 +2131,7 @@
             <a:fld id="{96BAE843-BE96-40CB-B634-F63C679A4CF5}" type="datetimeFigureOut">
               <a:rPr lang="nl-NL" smtClean="0"/>
               <a:pPr/>
-              <a:t>21-6-2016</a:t>
+              <a:t>4-7-2016</a:t>
             </a:fld>
             <a:endParaRPr lang="nl-NL"/>
           </a:p>
@@ -2173,7 +2174,7 @@
             <a:fld id="{727BD2AF-9C77-4256-BC44-28E620F1C4BA}" type="slidenum">
               <a:rPr lang="nl-NL" smtClean="0"/>
               <a:pPr/>
-              <a:t>‹nr.›</a:t>
+              <a:t>‹#›</a:t>
             </a:fld>
             <a:endParaRPr lang="nl-NL"/>
           </a:p>
@@ -2359,7 +2360,7 @@
             <a:fld id="{96BAE843-BE96-40CB-B634-F63C679A4CF5}" type="datetimeFigureOut">
               <a:rPr lang="nl-NL" smtClean="0"/>
               <a:pPr/>
-              <a:t>21-6-2016</a:t>
+              <a:t>4-7-2016</a:t>
             </a:fld>
             <a:endParaRPr lang="nl-NL"/>
           </a:p>
@@ -2402,7 +2403,7 @@
             <a:fld id="{727BD2AF-9C77-4256-BC44-28E620F1C4BA}" type="slidenum">
               <a:rPr lang="nl-NL" smtClean="0"/>
               <a:pPr/>
-              <a:t>‹nr.›</a:t>
+              <a:t>‹#›</a:t>
             </a:fld>
             <a:endParaRPr lang="nl-NL"/>
           </a:p>
@@ -2451,7 +2452,7 @@
             <a:fld id="{96BAE843-BE96-40CB-B634-F63C679A4CF5}" type="datetimeFigureOut">
               <a:rPr lang="nl-NL" smtClean="0"/>
               <a:pPr/>
-              <a:t>21-6-2016</a:t>
+              <a:t>4-7-2016</a:t>
             </a:fld>
             <a:endParaRPr lang="nl-NL"/>
           </a:p>
@@ -2494,7 +2495,7 @@
             <a:fld id="{727BD2AF-9C77-4256-BC44-28E620F1C4BA}" type="slidenum">
               <a:rPr lang="nl-NL" smtClean="0"/>
               <a:pPr/>
-              <a:t>‹nr.›</a:t>
+              <a:t>‹#›</a:t>
             </a:fld>
             <a:endParaRPr lang="nl-NL"/>
           </a:p>
@@ -2741,7 +2742,7 @@
             <a:fld id="{96BAE843-BE96-40CB-B634-F63C679A4CF5}" type="datetimeFigureOut">
               <a:rPr lang="nl-NL" smtClean="0"/>
               <a:pPr/>
-              <a:t>21-6-2016</a:t>
+              <a:t>4-7-2016</a:t>
             </a:fld>
             <a:endParaRPr lang="nl-NL"/>
           </a:p>
@@ -2784,7 +2785,7 @@
             <a:fld id="{727BD2AF-9C77-4256-BC44-28E620F1C4BA}" type="slidenum">
               <a:rPr lang="nl-NL" smtClean="0"/>
               <a:pPr/>
-              <a:t>‹nr.›</a:t>
+              <a:t>‹#›</a:t>
             </a:fld>
             <a:endParaRPr lang="nl-NL"/>
           </a:p>
@@ -3012,7 +3013,7 @@
             <a:fld id="{96BAE843-BE96-40CB-B634-F63C679A4CF5}" type="datetimeFigureOut">
               <a:rPr lang="nl-NL" smtClean="0"/>
               <a:pPr/>
-              <a:t>21-6-2016</a:t>
+              <a:t>4-7-2016</a:t>
             </a:fld>
             <a:endParaRPr lang="nl-NL"/>
           </a:p>
@@ -3055,7 +3056,7 @@
             <a:fld id="{727BD2AF-9C77-4256-BC44-28E620F1C4BA}" type="slidenum">
               <a:rPr lang="nl-NL" smtClean="0"/>
               <a:pPr/>
-              <a:t>‹nr.›</a:t>
+              <a:t>‹#›</a:t>
             </a:fld>
             <a:endParaRPr lang="nl-NL"/>
           </a:p>
@@ -3224,7 +3225,7 @@
             <a:fld id="{96BAE843-BE96-40CB-B634-F63C679A4CF5}" type="datetimeFigureOut">
               <a:rPr lang="nl-NL" smtClean="0"/>
               <a:pPr/>
-              <a:t>21-6-2016</a:t>
+              <a:t>4-7-2016</a:t>
             </a:fld>
             <a:endParaRPr lang="nl-NL"/>
           </a:p>
@@ -3307,7 +3308,7 @@
             <a:fld id="{727BD2AF-9C77-4256-BC44-28E620F1C4BA}" type="slidenum">
               <a:rPr lang="nl-NL" smtClean="0"/>
               <a:pPr/>
-              <a:t>‹nr.›</a:t>
+              <a:t>‹#›</a:t>
             </a:fld>
             <a:endParaRPr lang="nl-NL"/>
           </a:p>
@@ -3829,8 +3830,12 @@
               <a:buNone/>
             </a:pPr>
             <a:r>
+              <a:rPr lang="en-US" sz="2400" b="1" smtClean="0"/>
+              <a:t>(Principal IT </a:t>
+            </a:r>
+            <a:r>
               <a:rPr lang="en-US" sz="2400" b="1" dirty="0" smtClean="0"/>
-              <a:t>(Software Architect)</a:t>
+              <a:t>Architect)</a:t>
             </a:r>
             <a:endParaRPr lang="nl-NL" sz="2400" b="1" noProof="0" dirty="0"/>
           </a:p>
@@ -3881,7 +3886,7 @@
           <a:noFill/>
           <a:extLst>
             <a:ext uri="{909E8E84-426E-40DD-AFC4-6F175D3DCCD1}">
-              <a14:hiddenFill xmlns="" xmlns:a14="http://schemas.microsoft.com/office/drawing/2010/main">
+              <a14:hiddenFill xmlns:a14="http://schemas.microsoft.com/office/drawing/2010/main">
                 <a:solidFill>
                   <a:srgbClr val="FFFFFF"/>
                 </a:solidFill>
@@ -3973,7 +3978,7 @@
           <a:blip r:embed="rId2" cstate="print">
             <a:extLst>
               <a:ext uri="{28A0092B-C50C-407E-A947-70E740481C1C}">
-                <a14:useLocalDpi xmlns="" xmlns:a14="http://schemas.microsoft.com/office/drawing/2010/main" val="0"/>
+                <a14:useLocalDpi xmlns:a14="http://schemas.microsoft.com/office/drawing/2010/main" val="0"/>
               </a:ext>
             </a:extLst>
           </a:blip>
@@ -3997,14 +4002,14 @@
           <a:effectLst/>
           <a:extLst>
             <a:ext uri="{909E8E84-426E-40DD-AFC4-6F175D3DCCD1}">
-              <a14:hiddenFill xmlns="" xmlns:a14="http://schemas.microsoft.com/office/drawing/2010/main">
+              <a14:hiddenFill xmlns:a14="http://schemas.microsoft.com/office/drawing/2010/main">
                 <a:solidFill>
                   <a:schemeClr val="accent1"/>
                 </a:solidFill>
               </a14:hiddenFill>
             </a:ext>
             <a:ext uri="{91240B29-F687-4F45-9708-019B960494DF}">
-              <a14:hiddenLine xmlns="" xmlns:a14="http://schemas.microsoft.com/office/drawing/2010/main" w="9525">
+              <a14:hiddenLine xmlns:a14="http://schemas.microsoft.com/office/drawing/2010/main" w="9525">
                 <a:solidFill>
                   <a:schemeClr val="tx1"/>
                 </a:solidFill>
@@ -4014,7 +4019,7 @@
               </a14:hiddenLine>
             </a:ext>
             <a:ext uri="{AF507438-7753-43E0-B8FC-AC1667EBCBE1}">
-              <a14:hiddenEffects xmlns="" xmlns:a14="http://schemas.microsoft.com/office/drawing/2010/main">
+              <a14:hiddenEffects xmlns:a14="http://schemas.microsoft.com/office/drawing/2010/main">
                 <a:effectLst>
                   <a:outerShdw dist="35921" dir="2700000" algn="ctr" rotWithShape="0">
                     <a:schemeClr val="bg2"/>
@@ -4028,7 +4033,7 @@
     </p:spTree>
     <p:extLst>
       <p:ext uri="{BB962C8B-B14F-4D97-AF65-F5344CB8AC3E}">
-        <p14:creationId xmlns="" xmlns:p14="http://schemas.microsoft.com/office/powerpoint/2010/main" val="3805753622"/>
+        <p14:creationId xmlns:p14="http://schemas.microsoft.com/office/powerpoint/2010/main" val="3805753622"/>
       </p:ext>
     </p:extLst>
   </p:cSld>
@@ -4102,73 +4107,69 @@
         </p:nvSpPr>
         <p:spPr>
           <a:xfrm>
-            <a:off x="179512" y="1268760"/>
-            <a:ext cx="8784976" cy="4925144"/>
+            <a:off x="0" y="1268760"/>
+            <a:ext cx="9144000" cy="4925144"/>
           </a:xfrm>
         </p:spPr>
         <p:txBody>
           <a:bodyPr>
-            <a:normAutofit lnSpcReduction="10000"/>
+            <a:normAutofit/>
           </a:bodyPr>
           <a:lstStyle/>
           <a:p>
             <a:r>
-              <a:rPr lang="en-US" sz="2800" dirty="0" smtClean="0"/>
+              <a:rPr lang="en-US" sz="3200" dirty="0" smtClean="0"/>
               <a:t>Measure each device every minute</a:t>
             </a:r>
           </a:p>
           <a:p>
             <a:r>
-              <a:rPr lang="en-US" sz="2800" dirty="0" smtClean="0"/>
-              <a:t>User friendly web interface</a:t>
-            </a:r>
-          </a:p>
-          <a:p>
-            <a:r>
-              <a:rPr lang="en-US" sz="2800" dirty="0" smtClean="0"/>
+              <a:rPr lang="en-US" sz="3200" dirty="0" smtClean="0"/>
+              <a:t>Easy to use web interface</a:t>
+            </a:r>
+          </a:p>
+          <a:p>
+            <a:r>
+              <a:rPr lang="en-US" sz="3200" dirty="0" smtClean="0"/>
               <a:t>Show real-time, historical and forecast data</a:t>
             </a:r>
           </a:p>
           <a:p>
             <a:r>
-              <a:rPr lang="en-US" sz="2800" dirty="0" smtClean="0"/>
+              <a:rPr lang="en-US" sz="3200" dirty="0" smtClean="0"/>
               <a:t>Show financial data</a:t>
             </a:r>
           </a:p>
           <a:p>
             <a:r>
-              <a:rPr lang="en-US" sz="2800" dirty="0" smtClean="0"/>
+              <a:rPr lang="en-US" sz="3200" dirty="0" smtClean="0"/>
               <a:t>Support measurement corrections</a:t>
             </a:r>
           </a:p>
           <a:p>
             <a:r>
-              <a:rPr lang="en-US" sz="2800" dirty="0" smtClean="0"/>
-              <a:t>Export measure data to CSV and SQL</a:t>
-            </a:r>
-          </a:p>
-          <a:p>
-            <a:r>
-              <a:rPr lang="en-US" sz="2800" dirty="0" smtClean="0"/>
-              <a:t>Custom Data Report</a:t>
-            </a:r>
-          </a:p>
-          <a:p>
-            <a:r>
-              <a:rPr lang="en-US" sz="2800" dirty="0" smtClean="0"/>
-              <a:t>Automatic upgrading</a:t>
-            </a:r>
-          </a:p>
-          <a:p>
-            <a:r>
-              <a:rPr lang="en-US" sz="2800" dirty="0" smtClean="0"/>
+              <a:rPr lang="en-US" sz="3200" dirty="0" smtClean="0"/>
+              <a:t>Export measure data to CSV or SQL</a:t>
+            </a:r>
+          </a:p>
+          <a:p>
+            <a:r>
+              <a:rPr lang="en-US" sz="3200" dirty="0" smtClean="0"/>
               <a:t>Secure access to Web GUI and settings</a:t>
             </a:r>
           </a:p>
           <a:p>
             <a:r>
-              <a:rPr lang="en-US" sz="2800" dirty="0"/>
-              <a:t>Open Source and free to use!</a:t>
+              <a:rPr lang="en-US" sz="3200" dirty="0"/>
+              <a:t>Open Source </a:t>
+            </a:r>
+            <a:r>
+              <a:rPr lang="en-US" sz="3200" dirty="0" smtClean="0"/>
+              <a:t>project. So free </a:t>
+            </a:r>
+            <a:r>
+              <a:rPr lang="en-US" sz="3200" dirty="0"/>
+              <a:t>to use!</a:t>
             </a:r>
           </a:p>
           <a:p>
@@ -4219,17 +4220,17 @@
       </p:grpSpPr>
       <p:pic>
         <p:nvPicPr>
-          <p:cNvPr id="6146" name="Picture 2" descr="http://www.webops.com/wp-content/uploads/requst-a-demo.jpg"/>
+          <p:cNvPr id="1026" name="Picture 2"/>
           <p:cNvPicPr>
             <a:picLocks noChangeAspect="1" noChangeArrowheads="1"/>
           </p:cNvPicPr>
           <p:nvPr/>
         </p:nvPicPr>
         <p:blipFill>
-          <a:blip r:embed="rId2" cstate="print">
+          <a:blip r:embed="rId2">
             <a:extLst>
               <a:ext uri="{28A0092B-C50C-407E-A947-70E740481C1C}">
-                <a14:useLocalDpi xmlns="" xmlns:a14="http://schemas.microsoft.com/office/drawing/2010/main" val="0"/>
+                <a14:useLocalDpi xmlns:a14="http://schemas.microsoft.com/office/drawing/2010/main" val="0"/>
               </a:ext>
             </a:extLst>
           </a:blip>
@@ -4247,13 +4248,26 @@
             <a:avLst/>
           </a:prstGeom>
           <a:noFill/>
+          <a:ln>
+            <a:noFill/>
+          </a:ln>
           <a:extLst>
             <a:ext uri="{909E8E84-426E-40DD-AFC4-6F175D3DCCD1}">
-              <a14:hiddenFill xmlns="" xmlns:a14="http://schemas.microsoft.com/office/drawing/2010/main">
+              <a14:hiddenFill xmlns:a14="http://schemas.microsoft.com/office/drawing/2010/main">
                 <a:solidFill>
-                  <a:srgbClr val="FFFFFF"/>
+                  <a:schemeClr val="accent1"/>
                 </a:solidFill>
               </a14:hiddenFill>
+            </a:ext>
+            <a:ext uri="{91240B29-F687-4F45-9708-019B960494DF}">
+              <a14:hiddenLine xmlns:a14="http://schemas.microsoft.com/office/drawing/2010/main" w="9525">
+                <a:solidFill>
+                  <a:schemeClr val="tx1"/>
+                </a:solidFill>
+                <a:miter lim="800000"/>
+                <a:headEnd/>
+                <a:tailEnd/>
+              </a14:hiddenLine>
             </a:ext>
           </a:extLst>
         </p:spPr>
@@ -4261,20 +4275,13 @@
     </p:spTree>
     <p:extLst>
       <p:ext uri="{BB962C8B-B14F-4D97-AF65-F5344CB8AC3E}">
-        <p14:creationId xmlns="" xmlns:p14="http://schemas.microsoft.com/office/powerpoint/2010/main" val="1507557307"/>
+        <p14:creationId xmlns:p14="http://schemas.microsoft.com/office/powerpoint/2010/main" val="4007061281"/>
       </p:ext>
     </p:extLst>
   </p:cSld>
   <p:clrMapOvr>
     <a:masterClrMapping/>
   </p:clrMapOvr>
-  <p:timing>
-    <p:tnLst>
-      <p:par>
-        <p:cTn id="1" dur="indefinite" restart="never" nodeType="tmRoot"/>
-      </p:par>
-    </p:tnLst>
-  </p:timing>
 </p:sld>
 </file>
 
@@ -4295,156 +4302,66 @@
           <a:chExt cx="0" cy="0"/>
         </a:xfrm>
       </p:grpSpPr>
-      <p:sp>
-        <p:nvSpPr>
-          <p:cNvPr id="2" name="Titel 1"/>
-          <p:cNvSpPr>
-            <a:spLocks noGrp="1"/>
-          </p:cNvSpPr>
-          <p:nvPr>
-            <p:ph type="title"/>
-          </p:nvPr>
-        </p:nvSpPr>
-        <p:spPr>
-          <a:xfrm>
-            <a:off x="0" y="0"/>
-            <a:ext cx="9144000" cy="980728"/>
-          </a:xfrm>
-        </p:spPr>
-        <p:txBody>
-          <a:bodyPr/>
-          <a:lstStyle/>
-          <a:p>
-            <a:r>
-              <a:rPr lang="en-US" sz="4400" dirty="0" smtClean="0"/>
-              <a:t>Conclusion</a:t>
-            </a:r>
-            <a:endParaRPr lang="nl-NL" sz="4400" dirty="0"/>
-          </a:p>
-        </p:txBody>
-      </p:sp>
-      <p:sp>
-        <p:nvSpPr>
-          <p:cNvPr id="3" name="Tijdelijke aanduiding voor inhoud 2"/>
-          <p:cNvSpPr>
-            <a:spLocks noGrp="1"/>
-          </p:cNvSpPr>
-          <p:nvPr>
-            <p:ph idx="1"/>
-          </p:nvPr>
-        </p:nvSpPr>
-        <p:spPr>
-          <a:xfrm>
-            <a:off x="395536" y="1196752"/>
-            <a:ext cx="8229600" cy="5040560"/>
-          </a:xfrm>
-        </p:spPr>
-        <p:txBody>
-          <a:bodyPr>
-            <a:normAutofit fontScale="92500"/>
-          </a:bodyPr>
-          <a:lstStyle/>
-          <a:p>
-            <a:r>
-              <a:rPr lang="en-US" sz="2800" dirty="0" smtClean="0"/>
-              <a:t>My energy use is dropped with </a:t>
-            </a:r>
-            <a:r>
-              <a:rPr lang="en-US" sz="2800" b="1" dirty="0" smtClean="0"/>
-              <a:t>25%</a:t>
-            </a:r>
-          </a:p>
-          <a:p>
-            <a:pPr marL="0" indent="0">
-              <a:buNone/>
-            </a:pPr>
-            <a:r>
-              <a:rPr lang="en-US" sz="2800" dirty="0" smtClean="0"/>
-              <a:t>    My gas use is dropped with </a:t>
-            </a:r>
-            <a:r>
-              <a:rPr lang="en-US" sz="2800" b="1" dirty="0" smtClean="0"/>
-              <a:t>50%</a:t>
-            </a:r>
-          </a:p>
-          <a:p>
-            <a:pPr marL="0" indent="0">
-              <a:buNone/>
-            </a:pPr>
-            <a:r>
-              <a:rPr lang="en-US" sz="2800" dirty="0" smtClean="0"/>
-              <a:t>    because I am more aware now.</a:t>
-            </a:r>
-          </a:p>
-          <a:p>
-            <a:pPr marL="0" indent="0">
-              <a:buNone/>
-            </a:pPr>
-            <a:endParaRPr lang="en-US" sz="2800" dirty="0" smtClean="0"/>
-          </a:p>
-          <a:p>
-            <a:r>
-              <a:rPr lang="en-US" sz="2800" dirty="0" smtClean="0"/>
-              <a:t>PlaatEnergy is downloaded ca. </a:t>
-            </a:r>
-            <a:r>
-              <a:rPr lang="en-US" sz="2800" b="1" dirty="0" smtClean="0"/>
-              <a:t>130</a:t>
-            </a:r>
-            <a:r>
-              <a:rPr lang="en-US" sz="2800" dirty="0" smtClean="0"/>
-              <a:t> times “Customers” sending great feedback back </a:t>
-            </a:r>
-            <a:r>
-              <a:rPr lang="en-US" sz="2800" b="1" dirty="0" smtClean="0">
-                <a:sym typeface="Wingdings" pitchFamily="2" charset="2"/>
-              </a:rPr>
-              <a:t></a:t>
-            </a:r>
-          </a:p>
-          <a:p>
-            <a:endParaRPr lang="en-US" sz="2800" dirty="0" smtClean="0">
-              <a:sym typeface="Wingdings" pitchFamily="2" charset="2"/>
-            </a:endParaRPr>
-          </a:p>
-          <a:p>
-            <a:r>
-              <a:rPr lang="en-US" sz="2800" b="1" dirty="0" smtClean="0">
-                <a:sym typeface="Wingdings" pitchFamily="2" charset="2"/>
-              </a:rPr>
-              <a:t>SOS Solutions</a:t>
-            </a:r>
-            <a:r>
-              <a:rPr lang="en-US" sz="2800" dirty="0" smtClean="0">
-                <a:sym typeface="Wingdings" pitchFamily="2" charset="2"/>
-              </a:rPr>
-              <a:t>. One of the biggest Raspberry Pi resellers in the </a:t>
-            </a:r>
-            <a:r>
-              <a:rPr lang="en-US" sz="2800" dirty="0">
-                <a:sym typeface="Wingdings" pitchFamily="2" charset="2"/>
-              </a:rPr>
-              <a:t>N</a:t>
-            </a:r>
-            <a:r>
-              <a:rPr lang="en-US" sz="2800" dirty="0" smtClean="0">
-                <a:sym typeface="Wingdings" pitchFamily="2" charset="2"/>
-              </a:rPr>
-              <a:t>etherlands will sell soon a Pi Smart Energy Kit with includes PlaatEnergy </a:t>
-            </a:r>
-            <a:r>
-              <a:rPr lang="en-US" sz="2800" b="1" dirty="0">
-                <a:sym typeface="Wingdings" pitchFamily="2" charset="2"/>
-              </a:rPr>
-              <a:t></a:t>
-            </a:r>
-          </a:p>
-          <a:p>
-            <a:endParaRPr lang="en-US" dirty="0" smtClean="0"/>
-          </a:p>
-        </p:txBody>
-      </p:sp>
+      <p:pic>
+        <p:nvPicPr>
+          <p:cNvPr id="3074" name="Picture 2"/>
+          <p:cNvPicPr>
+            <a:picLocks noChangeAspect="1" noChangeArrowheads="1"/>
+          </p:cNvPicPr>
+          <p:nvPr/>
+        </p:nvPicPr>
+        <p:blipFill>
+          <a:blip r:embed="rId2" cstate="print">
+            <a:extLst>
+              <a:ext uri="{28A0092B-C50C-407E-A947-70E740481C1C}">
+                <a14:useLocalDpi xmlns:a14="http://schemas.microsoft.com/office/drawing/2010/main" val="0"/>
+              </a:ext>
+            </a:extLst>
+          </a:blip>
+          <a:srcRect/>
+          <a:stretch>
+            <a:fillRect/>
+          </a:stretch>
+        </p:blipFill>
+        <p:spPr bwMode="auto">
+          <a:xfrm>
+            <a:off x="-1" y="0"/>
+            <a:ext cx="9144001" cy="6858000"/>
+          </a:xfrm>
+          <a:prstGeom prst="rect">
+            <a:avLst/>
+          </a:prstGeom>
+          <a:noFill/>
+          <a:ln>
+            <a:noFill/>
+          </a:ln>
+          <a:extLst>
+            <a:ext uri="{909E8E84-426E-40DD-AFC4-6F175D3DCCD1}">
+              <a14:hiddenFill xmlns:a14="http://schemas.microsoft.com/office/drawing/2010/main">
+                <a:solidFill>
+                  <a:schemeClr val="accent1"/>
+                </a:solidFill>
+              </a14:hiddenFill>
+            </a:ext>
+            <a:ext uri="{91240B29-F687-4F45-9708-019B960494DF}">
+              <a14:hiddenLine xmlns:a14="http://schemas.microsoft.com/office/drawing/2010/main" w="9525">
+                <a:solidFill>
+                  <a:schemeClr val="tx1"/>
+                </a:solidFill>
+                <a:miter lim="800000"/>
+                <a:headEnd/>
+                <a:tailEnd/>
+              </a14:hiddenLine>
+            </a:ext>
+          </a:extLst>
+        </p:spPr>
+      </p:pic>
     </p:spTree>
+    <p:extLst>
+      <p:ext uri="{BB962C8B-B14F-4D97-AF65-F5344CB8AC3E}">
+        <p14:creationId xmlns:p14="http://schemas.microsoft.com/office/powerpoint/2010/main" val="3034086706"/>
+      </p:ext>
+    </p:extLst>
   </p:cSld>
   <p:clrMapOvr>
     <a:masterClrMapping/>
@@ -4478,14 +4395,20 @@
       </p:grpSpPr>
       <p:pic>
         <p:nvPicPr>
-          <p:cNvPr id="41987" name="Picture 3"/>
+          <p:cNvPr id="2050" name="Picture 2"/>
           <p:cNvPicPr>
             <a:picLocks noChangeAspect="1" noChangeArrowheads="1"/>
           </p:cNvPicPr>
           <p:nvPr/>
         </p:nvPicPr>
         <p:blipFill>
-          <a:blip r:embed="rId2" cstate="print"/>
+          <a:blip r:embed="rId2" cstate="print">
+            <a:extLst>
+              <a:ext uri="{28A0092B-C50C-407E-A947-70E740481C1C}">
+                <a14:useLocalDpi xmlns:a14="http://schemas.microsoft.com/office/drawing/2010/main" val="0"/>
+              </a:ext>
+            </a:extLst>
+          </a:blip>
           <a:srcRect/>
           <a:stretch>
             <a:fillRect/>
@@ -4493,25 +4416,41 @@
         </p:blipFill>
         <p:spPr bwMode="auto">
           <a:xfrm>
-            <a:off x="0" y="-1"/>
-            <a:ext cx="9144000" cy="6858001"/>
+            <a:off x="0" y="0"/>
+            <a:ext cx="9144000" cy="6858000"/>
           </a:xfrm>
           <a:prstGeom prst="rect">
             <a:avLst/>
           </a:prstGeom>
           <a:noFill/>
-          <a:ln w="9525">
+          <a:ln>
             <a:noFill/>
-            <a:miter lim="800000"/>
-            <a:headEnd/>
-            <a:tailEnd/>
           </a:ln>
+          <a:extLst>
+            <a:ext uri="{909E8E84-426E-40DD-AFC4-6F175D3DCCD1}">
+              <a14:hiddenFill xmlns:a14="http://schemas.microsoft.com/office/drawing/2010/main">
+                <a:solidFill>
+                  <a:schemeClr val="accent1"/>
+                </a:solidFill>
+              </a14:hiddenFill>
+            </a:ext>
+            <a:ext uri="{91240B29-F687-4F45-9708-019B960494DF}">
+              <a14:hiddenLine xmlns:a14="http://schemas.microsoft.com/office/drawing/2010/main" w="9525">
+                <a:solidFill>
+                  <a:schemeClr val="tx1"/>
+                </a:solidFill>
+                <a:miter lim="800000"/>
+                <a:headEnd/>
+                <a:tailEnd/>
+              </a14:hiddenLine>
+            </a:ext>
+          </a:extLst>
         </p:spPr>
       </p:pic>
     </p:spTree>
     <p:extLst>
       <p:ext uri="{BB962C8B-B14F-4D97-AF65-F5344CB8AC3E}">
-        <p14:creationId xmlns="" xmlns:p14="http://schemas.microsoft.com/office/powerpoint/2010/main" val="3881740022"/>
+        <p14:creationId xmlns:p14="http://schemas.microsoft.com/office/powerpoint/2010/main" val="2630684592"/>
       </p:ext>
     </p:extLst>
   </p:cSld>
@@ -4547,7 +4486,7 @@
       </p:grpSpPr>
       <p:pic>
         <p:nvPicPr>
-          <p:cNvPr id="3074" name="Picture 2"/>
+          <p:cNvPr id="4098" name="Picture 2"/>
           <p:cNvPicPr>
             <a:picLocks noChangeAspect="1" noChangeArrowheads="1"/>
           </p:cNvPicPr>
@@ -4557,7 +4496,7 @@
           <a:blip r:embed="rId2" cstate="print">
             <a:extLst>
               <a:ext uri="{28A0092B-C50C-407E-A947-70E740481C1C}">
-                <a14:useLocalDpi xmlns="" xmlns:a14="http://schemas.microsoft.com/office/drawing/2010/main" val="0"/>
+                <a14:useLocalDpi xmlns:a14="http://schemas.microsoft.com/office/drawing/2010/main" val="0"/>
               </a:ext>
             </a:extLst>
           </a:blip>
@@ -4580,14 +4519,14 @@
           </a:ln>
           <a:extLst>
             <a:ext uri="{909E8E84-426E-40DD-AFC4-6F175D3DCCD1}">
-              <a14:hiddenFill xmlns="" xmlns:a14="http://schemas.microsoft.com/office/drawing/2010/main">
+              <a14:hiddenFill xmlns:a14="http://schemas.microsoft.com/office/drawing/2010/main">
                 <a:solidFill>
                   <a:schemeClr val="accent1"/>
                 </a:solidFill>
               </a14:hiddenFill>
             </a:ext>
             <a:ext uri="{91240B29-F687-4F45-9708-019B960494DF}">
-              <a14:hiddenLine xmlns="" xmlns:a14="http://schemas.microsoft.com/office/drawing/2010/main" w="9525">
+              <a14:hiddenLine xmlns:a14="http://schemas.microsoft.com/office/drawing/2010/main" w="9525">
                 <a:solidFill>
                   <a:schemeClr val="tx1"/>
                 </a:solidFill>
@@ -4600,6 +4539,11 @@
         </p:spPr>
       </p:pic>
     </p:spTree>
+    <p:extLst>
+      <p:ext uri="{BB962C8B-B14F-4D97-AF65-F5344CB8AC3E}">
+        <p14:creationId xmlns:p14="http://schemas.microsoft.com/office/powerpoint/2010/main" val="3944406094"/>
+      </p:ext>
+    </p:extLst>
   </p:cSld>
   <p:clrMapOvr>
     <a:masterClrMapping/>
@@ -4633,20 +4577,14 @@
       </p:grpSpPr>
       <p:pic>
         <p:nvPicPr>
-          <p:cNvPr id="2050" name="Picture 2"/>
+          <p:cNvPr id="32771" name="Picture 3"/>
           <p:cNvPicPr>
             <a:picLocks noChangeAspect="1" noChangeArrowheads="1"/>
           </p:cNvPicPr>
           <p:nvPr/>
         </p:nvPicPr>
         <p:blipFill>
-          <a:blip r:embed="rId2" cstate="print">
-            <a:extLst>
-              <a:ext uri="{28A0092B-C50C-407E-A947-70E740481C1C}">
-                <a14:useLocalDpi xmlns="" xmlns:a14="http://schemas.microsoft.com/office/drawing/2010/main" val="0"/>
-              </a:ext>
-            </a:extLst>
-          </a:blip>
+          <a:blip r:embed="rId2" cstate="print"/>
           <a:srcRect/>
           <a:stretch>
             <a:fillRect/>
@@ -4661,31 +4599,20 @@
             <a:avLst/>
           </a:prstGeom>
           <a:noFill/>
-          <a:ln>
+          <a:ln w="9525">
             <a:noFill/>
+            <a:miter lim="800000"/>
+            <a:headEnd/>
+            <a:tailEnd/>
           </a:ln>
-          <a:extLst>
-            <a:ext uri="{909E8E84-426E-40DD-AFC4-6F175D3DCCD1}">
-              <a14:hiddenFill xmlns="" xmlns:a14="http://schemas.microsoft.com/office/drawing/2010/main">
-                <a:solidFill>
-                  <a:schemeClr val="accent1"/>
-                </a:solidFill>
-              </a14:hiddenFill>
-            </a:ext>
-            <a:ext uri="{91240B29-F687-4F45-9708-019B960494DF}">
-              <a14:hiddenLine xmlns="" xmlns:a14="http://schemas.microsoft.com/office/drawing/2010/main" w="9525">
-                <a:solidFill>
-                  <a:schemeClr val="tx1"/>
-                </a:solidFill>
-                <a:miter lim="800000"/>
-                <a:headEnd/>
-                <a:tailEnd/>
-              </a14:hiddenLine>
-            </a:ext>
-          </a:extLst>
         </p:spPr>
       </p:pic>
     </p:spTree>
+    <p:extLst>
+      <p:ext uri="{BB962C8B-B14F-4D97-AF65-F5344CB8AC3E}">
+        <p14:creationId xmlns:p14="http://schemas.microsoft.com/office/powerpoint/2010/main" val="2290251458"/>
+      </p:ext>
+    </p:extLst>
   </p:cSld>
   <p:clrMapOvr>
     <a:masterClrMapping/>
@@ -4719,20 +4646,14 @@
       </p:grpSpPr>
       <p:pic>
         <p:nvPicPr>
-          <p:cNvPr id="4098" name="Picture 2"/>
+          <p:cNvPr id="33794" name="Picture 2"/>
           <p:cNvPicPr>
             <a:picLocks noChangeAspect="1" noChangeArrowheads="1"/>
           </p:cNvPicPr>
           <p:nvPr/>
         </p:nvPicPr>
         <p:blipFill>
-          <a:blip r:embed="rId2" cstate="print">
-            <a:extLst>
-              <a:ext uri="{28A0092B-C50C-407E-A947-70E740481C1C}">
-                <a14:useLocalDpi xmlns="" xmlns:a14="http://schemas.microsoft.com/office/drawing/2010/main" val="0"/>
-              </a:ext>
-            </a:extLst>
-          </a:blip>
+          <a:blip r:embed="rId2" cstate="print"/>
           <a:srcRect/>
           <a:stretch>
             <a:fillRect/>
@@ -4740,38 +4661,27 @@
         </p:blipFill>
         <p:spPr bwMode="auto">
           <a:xfrm>
-            <a:off x="-1" y="0"/>
-            <a:ext cx="9144001" cy="6858000"/>
+            <a:off x="0" y="0"/>
+            <a:ext cx="9144000" cy="6858000"/>
           </a:xfrm>
           <a:prstGeom prst="rect">
             <a:avLst/>
           </a:prstGeom>
           <a:noFill/>
-          <a:ln>
+          <a:ln w="9525">
             <a:noFill/>
+            <a:miter lim="800000"/>
+            <a:headEnd/>
+            <a:tailEnd/>
           </a:ln>
-          <a:extLst>
-            <a:ext uri="{909E8E84-426E-40DD-AFC4-6F175D3DCCD1}">
-              <a14:hiddenFill xmlns="" xmlns:a14="http://schemas.microsoft.com/office/drawing/2010/main">
-                <a:solidFill>
-                  <a:schemeClr val="accent1"/>
-                </a:solidFill>
-              </a14:hiddenFill>
-            </a:ext>
-            <a:ext uri="{91240B29-F687-4F45-9708-019B960494DF}">
-              <a14:hiddenLine xmlns="" xmlns:a14="http://schemas.microsoft.com/office/drawing/2010/main" w="9525">
-                <a:solidFill>
-                  <a:schemeClr val="tx1"/>
-                </a:solidFill>
-                <a:miter lim="800000"/>
-                <a:headEnd/>
-                <a:tailEnd/>
-              </a14:hiddenLine>
-            </a:ext>
-          </a:extLst>
         </p:spPr>
       </p:pic>
     </p:spTree>
+    <p:extLst>
+      <p:ext uri="{BB962C8B-B14F-4D97-AF65-F5344CB8AC3E}">
+        <p14:creationId xmlns:p14="http://schemas.microsoft.com/office/powerpoint/2010/main" val="1416455645"/>
+      </p:ext>
+    </p:extLst>
   </p:cSld>
   <p:clrMapOvr>
     <a:masterClrMapping/>
@@ -4805,7 +4715,7 @@
       </p:grpSpPr>
       <p:pic>
         <p:nvPicPr>
-          <p:cNvPr id="32771" name="Picture 3"/>
+          <p:cNvPr id="39938" name="Picture 2"/>
           <p:cNvPicPr>
             <a:picLocks noChangeAspect="1" noChangeArrowheads="1"/>
           </p:cNvPicPr>
@@ -4836,6 +4746,11 @@
         </p:spPr>
       </p:pic>
     </p:spTree>
+    <p:extLst>
+      <p:ext uri="{BB962C8B-B14F-4D97-AF65-F5344CB8AC3E}">
+        <p14:creationId xmlns:p14="http://schemas.microsoft.com/office/powerpoint/2010/main" val="917036414"/>
+      </p:ext>
+    </p:extLst>
   </p:cSld>
   <p:clrMapOvr>
     <a:masterClrMapping/>
@@ -4869,7 +4784,7 @@
       </p:grpSpPr>
       <p:pic>
         <p:nvPicPr>
-          <p:cNvPr id="33794" name="Picture 2"/>
+          <p:cNvPr id="36866" name="Picture 2"/>
           <p:cNvPicPr>
             <a:picLocks noChangeAspect="1" noChangeArrowheads="1"/>
           </p:cNvPicPr>
@@ -4900,6 +4815,11 @@
         </p:spPr>
       </p:pic>
     </p:spTree>
+    <p:extLst>
+      <p:ext uri="{BB962C8B-B14F-4D97-AF65-F5344CB8AC3E}">
+        <p14:creationId xmlns:p14="http://schemas.microsoft.com/office/powerpoint/2010/main" val="84156599"/>
+      </p:ext>
+    </p:extLst>
   </p:cSld>
   <p:clrMapOvr>
     <a:masterClrMapping/>
@@ -4953,7 +4873,7 @@
           <a:p>
             <a:r>
               <a:rPr lang="en-US" dirty="0" smtClean="0"/>
-              <a:t>Question</a:t>
+              <a:t>Questions</a:t>
             </a:r>
             <a:endParaRPr lang="nl-NL" dirty="0"/>
           </a:p>
@@ -4983,13 +4903,26 @@
           <a:p>
             <a:r>
               <a:rPr lang="en-US" sz="2800" dirty="0" smtClean="0"/>
-              <a:t>How many energy is my house using daily?</a:t>
-            </a:r>
+              <a:t>How many energy is my house consuming daily</a:t>
+            </a:r>
+            <a:r>
+              <a:rPr lang="en-US" sz="2800" dirty="0"/>
+              <a:t>?</a:t>
+            </a:r>
+            <a:endParaRPr lang="en-US" sz="2800" dirty="0" smtClean="0"/>
           </a:p>
           <a:p>
             <a:r>
               <a:rPr lang="en-US" sz="2800" dirty="0" smtClean="0"/>
-              <a:t>How many gas is my heater using daily?</a:t>
+              <a:t>How many gas is my heater </a:t>
+            </a:r>
+            <a:r>
+              <a:rPr lang="en-US" sz="2800" dirty="0"/>
+              <a:t>consuming </a:t>
+            </a:r>
+            <a:r>
+              <a:rPr lang="en-US" sz="2800" dirty="0" smtClean="0"/>
+              <a:t>daily?</a:t>
             </a:r>
           </a:p>
           <a:p>
@@ -5001,7 +4934,7 @@
           <a:p>
             <a:r>
               <a:rPr lang="en-US" sz="2800" dirty="0" smtClean="0"/>
-              <a:t>How many solar power is directly consume by my house?</a:t>
+              <a:t>How many solar power is directly consumed by my house?</a:t>
             </a:r>
           </a:p>
           <a:p>
@@ -5021,7 +4954,7 @@
           <a:blip r:embed="rId2" cstate="print">
             <a:extLst>
               <a:ext uri="{28A0092B-C50C-407E-A947-70E740481C1C}">
-                <a14:useLocalDpi xmlns="" xmlns:a14="http://schemas.microsoft.com/office/drawing/2010/main" val="0"/>
+                <a14:useLocalDpi xmlns:a14="http://schemas.microsoft.com/office/drawing/2010/main" val="0"/>
               </a:ext>
             </a:extLst>
           </a:blip>
@@ -5044,14 +4977,14 @@
           </a:ln>
           <a:extLst>
             <a:ext uri="{909E8E84-426E-40DD-AFC4-6F175D3DCCD1}">
-              <a14:hiddenFill xmlns="" xmlns:a14="http://schemas.microsoft.com/office/drawing/2010/main">
+              <a14:hiddenFill xmlns:a14="http://schemas.microsoft.com/office/drawing/2010/main">
                 <a:solidFill>
                   <a:schemeClr val="accent1"/>
                 </a:solidFill>
               </a14:hiddenFill>
             </a:ext>
             <a:ext uri="{91240B29-F687-4F45-9708-019B960494DF}">
-              <a14:hiddenLine xmlns="" xmlns:a14="http://schemas.microsoft.com/office/drawing/2010/main" w="9525">
+              <a14:hiddenLine xmlns:a14="http://schemas.microsoft.com/office/drawing/2010/main" w="9525">
                 <a:solidFill>
                   <a:schemeClr val="tx1"/>
                 </a:solidFill>
@@ -5097,14 +5030,20 @@
       </p:grpSpPr>
       <p:pic>
         <p:nvPicPr>
-          <p:cNvPr id="39938" name="Picture 2"/>
+          <p:cNvPr id="6146" name="Picture 2" descr="http://www.webops.com/wp-content/uploads/requst-a-demo.jpg"/>
           <p:cNvPicPr>
             <a:picLocks noChangeAspect="1" noChangeArrowheads="1"/>
           </p:cNvPicPr>
           <p:nvPr/>
         </p:nvPicPr>
         <p:blipFill>
-          <a:blip r:embed="rId2" cstate="print"/>
+          <a:blip r:embed="rId2" cstate="print">
+            <a:extLst>
+              <a:ext uri="{28A0092B-C50C-407E-A947-70E740481C1C}">
+                <a14:useLocalDpi xmlns:a14="http://schemas.microsoft.com/office/drawing/2010/main" val="0"/>
+              </a:ext>
+            </a:extLst>
+          </a:blip>
           <a:srcRect/>
           <a:stretch>
             <a:fillRect/>
@@ -5119,15 +5058,23 @@
             <a:avLst/>
           </a:prstGeom>
           <a:noFill/>
-          <a:ln w="9525">
-            <a:noFill/>
-            <a:miter lim="800000"/>
-            <a:headEnd/>
-            <a:tailEnd/>
-          </a:ln>
+          <a:extLst>
+            <a:ext uri="{909E8E84-426E-40DD-AFC4-6F175D3DCCD1}">
+              <a14:hiddenFill xmlns:a14="http://schemas.microsoft.com/office/drawing/2010/main">
+                <a:solidFill>
+                  <a:srgbClr val="FFFFFF"/>
+                </a:solidFill>
+              </a14:hiddenFill>
+            </a:ext>
+          </a:extLst>
         </p:spPr>
       </p:pic>
     </p:spTree>
+    <p:extLst>
+      <p:ext uri="{BB962C8B-B14F-4D97-AF65-F5344CB8AC3E}">
+        <p14:creationId xmlns:p14="http://schemas.microsoft.com/office/powerpoint/2010/main" val="1507557307"/>
+      </p:ext>
+    </p:extLst>
   </p:cSld>
   <p:clrMapOvr>
     <a:masterClrMapping/>
@@ -5159,9 +5106,198 @@
           <a:chExt cx="0" cy="0"/>
         </a:xfrm>
       </p:grpSpPr>
+      <p:sp>
+        <p:nvSpPr>
+          <p:cNvPr id="2" name="Titel 1"/>
+          <p:cNvSpPr>
+            <a:spLocks noGrp="1"/>
+          </p:cNvSpPr>
+          <p:nvPr>
+            <p:ph type="title"/>
+          </p:nvPr>
+        </p:nvSpPr>
+        <p:spPr>
+          <a:xfrm>
+            <a:off x="0" y="0"/>
+            <a:ext cx="9144000" cy="980728"/>
+          </a:xfrm>
+        </p:spPr>
+        <p:txBody>
+          <a:bodyPr/>
+          <a:lstStyle/>
+          <a:p>
+            <a:r>
+              <a:rPr lang="en-US" sz="4400" dirty="0" smtClean="0"/>
+              <a:t>Conclusion</a:t>
+            </a:r>
+            <a:endParaRPr lang="nl-NL" sz="4400" dirty="0"/>
+          </a:p>
+        </p:txBody>
+      </p:sp>
+      <p:sp>
+        <p:nvSpPr>
+          <p:cNvPr id="3" name="Tijdelijke aanduiding voor inhoud 2"/>
+          <p:cNvSpPr>
+            <a:spLocks noGrp="1"/>
+          </p:cNvSpPr>
+          <p:nvPr>
+            <p:ph idx="1"/>
+          </p:nvPr>
+        </p:nvSpPr>
+        <p:spPr>
+          <a:xfrm>
+            <a:off x="395536" y="1196752"/>
+            <a:ext cx="8229600" cy="5040560"/>
+          </a:xfrm>
+        </p:spPr>
+        <p:txBody>
+          <a:bodyPr>
+            <a:normAutofit fontScale="92500"/>
+          </a:bodyPr>
+          <a:lstStyle/>
+          <a:p>
+            <a:r>
+              <a:rPr lang="en-US" sz="2800" dirty="0" smtClean="0"/>
+              <a:t>My energy consumption is dropped with </a:t>
+            </a:r>
+            <a:r>
+              <a:rPr lang="en-US" sz="2800" b="1" dirty="0" smtClean="0"/>
+              <a:t>25%</a:t>
+            </a:r>
+          </a:p>
+          <a:p>
+            <a:pPr marL="0" indent="0">
+              <a:buNone/>
+            </a:pPr>
+            <a:r>
+              <a:rPr lang="en-US" sz="2800" dirty="0" smtClean="0"/>
+              <a:t>    My gas </a:t>
+            </a:r>
+            <a:r>
+              <a:rPr lang="en-US" sz="2800" dirty="0"/>
+              <a:t>consumption </a:t>
+            </a:r>
+            <a:r>
+              <a:rPr lang="en-US" sz="2800" dirty="0" smtClean="0"/>
+              <a:t>is dropped with </a:t>
+            </a:r>
+            <a:r>
+              <a:rPr lang="en-US" sz="2800" b="1" dirty="0" smtClean="0"/>
+              <a:t>50%</a:t>
+            </a:r>
+          </a:p>
+          <a:p>
+            <a:pPr marL="0" indent="0">
+              <a:buNone/>
+            </a:pPr>
+            <a:r>
+              <a:rPr lang="en-US" sz="2800" dirty="0" smtClean="0"/>
+              <a:t>    Reason: I am more aware now.</a:t>
+            </a:r>
+          </a:p>
+          <a:p>
+            <a:pPr marL="0" indent="0">
+              <a:buNone/>
+            </a:pPr>
+            <a:endParaRPr lang="en-US" sz="2800" dirty="0" smtClean="0"/>
+          </a:p>
+          <a:p>
+            <a:r>
+              <a:rPr lang="en-US" sz="2800" dirty="0" smtClean="0"/>
+              <a:t>PlaatEnergy is downloaded ca. </a:t>
+            </a:r>
+            <a:r>
+              <a:rPr lang="en-US" sz="2800" b="1" dirty="0" smtClean="0"/>
+              <a:t>140</a:t>
+            </a:r>
+            <a:r>
+              <a:rPr lang="en-US" sz="2800" dirty="0" smtClean="0"/>
+              <a:t> times “Customers” sending great feedback back </a:t>
+            </a:r>
+            <a:r>
+              <a:rPr lang="en-US" sz="2800" b="1" dirty="0" smtClean="0">
+                <a:sym typeface="Wingdings" pitchFamily="2" charset="2"/>
+              </a:rPr>
+              <a:t></a:t>
+            </a:r>
+          </a:p>
+          <a:p>
+            <a:endParaRPr lang="en-US" sz="2800" dirty="0" smtClean="0">
+              <a:sym typeface="Wingdings" pitchFamily="2" charset="2"/>
+            </a:endParaRPr>
+          </a:p>
+          <a:p>
+            <a:r>
+              <a:rPr lang="en-US" sz="2800" b="1" dirty="0" smtClean="0">
+                <a:sym typeface="Wingdings" pitchFamily="2" charset="2"/>
+              </a:rPr>
+              <a:t>SOS Solutions</a:t>
+            </a:r>
+            <a:r>
+              <a:rPr lang="en-US" sz="2800" dirty="0" smtClean="0">
+                <a:sym typeface="Wingdings" pitchFamily="2" charset="2"/>
+              </a:rPr>
+              <a:t>. One of the biggest Raspberry Pi resellers in the </a:t>
+            </a:r>
+            <a:r>
+              <a:rPr lang="en-US" sz="2800" dirty="0">
+                <a:sym typeface="Wingdings" pitchFamily="2" charset="2"/>
+              </a:rPr>
+              <a:t>N</a:t>
+            </a:r>
+            <a:r>
+              <a:rPr lang="en-US" sz="2800" dirty="0" smtClean="0">
+                <a:sym typeface="Wingdings" pitchFamily="2" charset="2"/>
+              </a:rPr>
+              <a:t>etherlands will sell soon a Pi Smart Energy Kit with includes PlaatEnergy </a:t>
+            </a:r>
+            <a:r>
+              <a:rPr lang="en-US" sz="2800" b="1" dirty="0">
+                <a:sym typeface="Wingdings" pitchFamily="2" charset="2"/>
+              </a:rPr>
+              <a:t></a:t>
+            </a:r>
+          </a:p>
+          <a:p>
+            <a:endParaRPr lang="en-US" dirty="0" smtClean="0"/>
+          </a:p>
+        </p:txBody>
+      </p:sp>
+    </p:spTree>
+  </p:cSld>
+  <p:clrMapOvr>
+    <a:masterClrMapping/>
+  </p:clrMapOvr>
+  <p:timing>
+    <p:tnLst>
+      <p:par>
+        <p:cTn id="1" dur="indefinite" restart="never" nodeType="tmRoot"/>
+      </p:par>
+    </p:tnLst>
+  </p:timing>
+</p:sld>
+</file>
+
+<file path=ppt/slides/slide22.xml><?xml version="1.0" encoding="utf-8"?>
+<p:sld xmlns:a="http://schemas.openxmlformats.org/drawingml/2006/main" xmlns:r="http://schemas.openxmlformats.org/officeDocument/2006/relationships" xmlns:p="http://schemas.openxmlformats.org/presentationml/2006/main">
+  <p:cSld>
+    <p:spTree>
+      <p:nvGrpSpPr>
+        <p:cNvPr id="1" name=""/>
+        <p:cNvGrpSpPr/>
+        <p:nvPr/>
+      </p:nvGrpSpPr>
+      <p:grpSpPr>
+        <a:xfrm>
+          <a:off x="0" y="0"/>
+          <a:ext cx="0" cy="0"/>
+          <a:chOff x="0" y="0"/>
+          <a:chExt cx="0" cy="0"/>
+        </a:xfrm>
+      </p:grpSpPr>
       <p:pic>
         <p:nvPicPr>
-          <p:cNvPr id="36866" name="Picture 2"/>
+          <p:cNvPr id="41987" name="Picture 3"/>
           <p:cNvPicPr>
             <a:picLocks noChangeAspect="1" noChangeArrowheads="1"/>
           </p:cNvPicPr>
@@ -5176,8 +5312,8 @@
         </p:blipFill>
         <p:spPr bwMode="auto">
           <a:xfrm>
-            <a:off x="0" y="0"/>
-            <a:ext cx="9144000" cy="6858000"/>
+            <a:off x="0" y="-1"/>
+            <a:ext cx="9144000" cy="6858001"/>
           </a:xfrm>
           <a:prstGeom prst="rect">
             <a:avLst/>
@@ -5191,7 +5327,124 @@
           </a:ln>
         </p:spPr>
       </p:pic>
+      <p:pic>
+        <p:nvPicPr>
+          <p:cNvPr id="3" name="Picture 2" descr="C:\sources\plaatsoft\plaatenergy.git\src\images\logo.jpg"/>
+          <p:cNvPicPr>
+            <a:picLocks noChangeAspect="1" noChangeArrowheads="1"/>
+          </p:cNvPicPr>
+          <p:nvPr/>
+        </p:nvPicPr>
+        <p:blipFill>
+          <a:blip r:embed="rId3" cstate="print"/>
+          <a:srcRect/>
+          <a:stretch>
+            <a:fillRect/>
+          </a:stretch>
+        </p:blipFill>
+        <p:spPr bwMode="auto">
+          <a:xfrm>
+            <a:off x="467544" y="620688"/>
+            <a:ext cx="1434282" cy="1152128"/>
+          </a:xfrm>
+          <a:prstGeom prst="rect">
+            <a:avLst/>
+          </a:prstGeom>
+          <a:noFill/>
+        </p:spPr>
+      </p:pic>
+      <p:sp>
+        <p:nvSpPr>
+          <p:cNvPr id="4" name="TextBox 3"/>
+          <p:cNvSpPr txBox="1"/>
+          <p:nvPr/>
+        </p:nvSpPr>
+        <p:spPr>
+          <a:xfrm>
+            <a:off x="6312009" y="4725144"/>
+            <a:ext cx="2228495" cy="1569660"/>
+          </a:xfrm>
+          <a:prstGeom prst="rect">
+            <a:avLst/>
+          </a:prstGeom>
+          <a:noFill/>
+        </p:spPr>
+        <p:txBody>
+          <a:bodyPr wrap="none" rtlCol="0">
+            <a:spAutoFit/>
+          </a:bodyPr>
+          <a:lstStyle/>
+          <a:p>
+            <a:pPr algn="ctr"/>
+            <a:r>
+              <a:rPr lang="nl-NL" sz="3200" dirty="0" smtClean="0">
+                <a:solidFill>
+                  <a:schemeClr val="bg1">
+                    <a:lumMod val="95000"/>
+                  </a:schemeClr>
+                </a:solidFill>
+              </a:rPr>
+              <a:t>More info</a:t>
+            </a:r>
+          </a:p>
+          <a:p>
+            <a:pPr algn="ctr"/>
+            <a:r>
+              <a:rPr lang="nl-NL" sz="3200" dirty="0" err="1">
+                <a:solidFill>
+                  <a:schemeClr val="bg1">
+                    <a:lumMod val="95000"/>
+                  </a:schemeClr>
+                </a:solidFill>
+              </a:rPr>
+              <a:t>v</a:t>
+            </a:r>
+            <a:r>
+              <a:rPr lang="nl-NL" sz="3200" dirty="0" err="1" smtClean="0">
+                <a:solidFill>
+                  <a:schemeClr val="bg1">
+                    <a:lumMod val="95000"/>
+                  </a:schemeClr>
+                </a:solidFill>
+              </a:rPr>
+              <a:t>isit</a:t>
+            </a:r>
+            <a:endParaRPr lang="nl-NL" sz="3200" dirty="0" smtClean="0">
+              <a:solidFill>
+                <a:schemeClr val="bg1">
+                  <a:lumMod val="95000"/>
+                </a:schemeClr>
+              </a:solidFill>
+            </a:endParaRPr>
+          </a:p>
+          <a:p>
+            <a:pPr algn="ctr"/>
+            <a:r>
+              <a:rPr lang="nl-NL" sz="3200" dirty="0" smtClean="0">
+                <a:solidFill>
+                  <a:schemeClr val="bg1">
+                    <a:lumMod val="95000"/>
+                  </a:schemeClr>
+                </a:solidFill>
+              </a:rPr>
+              <a:t>plaatsoft.nl</a:t>
+            </a:r>
+            <a:endParaRPr lang="nl-NL" sz="3200" dirty="0">
+              <a:solidFill>
+                <a:schemeClr val="bg1">
+                  <a:lumMod val="95000"/>
+                </a:schemeClr>
+              </a:solidFill>
+            </a:endParaRPr>
+          </a:p>
+        </p:txBody>
+      </p:sp>
     </p:spTree>
+    <p:extLst>
+      <p:ext uri="{BB962C8B-B14F-4D97-AF65-F5344CB8AC3E}">
+        <p14:creationId xmlns:p14="http://schemas.microsoft.com/office/powerpoint/2010/main" val="3881740022"/>
+      </p:ext>
+    </p:extLst>
   </p:cSld>
   <p:clrMapOvr>
     <a:masterClrMapping/>
@@ -5275,29 +5528,13 @@
           <a:p>
             <a:r>
               <a:rPr lang="en-US" sz="2800" dirty="0" smtClean="0"/>
-              <a:t>Lets create an application which measures everything</a:t>
+              <a:t>Lets create an application which measure everything</a:t>
             </a:r>
           </a:p>
           <a:p>
             <a:r>
               <a:rPr lang="en-US" sz="2800" dirty="0" smtClean="0"/>
-              <a:t>Records every minute energy and gas usage</a:t>
-            </a:r>
-          </a:p>
-          <a:p>
-            <a:r>
-              <a:rPr lang="en-US" sz="2800" dirty="0"/>
-              <a:t>Records every minute energy and </a:t>
-            </a:r>
-            <a:r>
-              <a:rPr lang="en-US" sz="2800" dirty="0" smtClean="0"/>
-              <a:t>solar energy delivered</a:t>
-            </a:r>
-          </a:p>
-          <a:p>
-            <a:r>
-              <a:rPr lang="en-US" sz="2800" dirty="0" smtClean="0"/>
-              <a:t>User friendly Web GUI</a:t>
+              <a:t>Create user friendly Web GUI</a:t>
             </a:r>
           </a:p>
           <a:p>
@@ -5320,7 +5557,7 @@
           <a:blip r:embed="rId2" cstate="print">
             <a:extLst>
               <a:ext uri="{28A0092B-C50C-407E-A947-70E740481C1C}">
-                <a14:useLocalDpi xmlns="" xmlns:a14="http://schemas.microsoft.com/office/drawing/2010/main" val="0"/>
+                <a14:useLocalDpi xmlns:a14="http://schemas.microsoft.com/office/drawing/2010/main" val="0"/>
               </a:ext>
             </a:extLst>
           </a:blip>
@@ -5343,14 +5580,14 @@
           </a:ln>
           <a:extLst>
             <a:ext uri="{909E8E84-426E-40DD-AFC4-6F175D3DCCD1}">
-              <a14:hiddenFill xmlns="" xmlns:a14="http://schemas.microsoft.com/office/drawing/2010/main">
+              <a14:hiddenFill xmlns:a14="http://schemas.microsoft.com/office/drawing/2010/main">
                 <a:solidFill>
                   <a:schemeClr val="accent1"/>
                 </a:solidFill>
               </a14:hiddenFill>
             </a:ext>
             <a:ext uri="{91240B29-F687-4F45-9708-019B960494DF}">
-              <a14:hiddenLine xmlns="" xmlns:a14="http://schemas.microsoft.com/office/drawing/2010/main" w="9525">
+              <a14:hiddenLine xmlns:a14="http://schemas.microsoft.com/office/drawing/2010/main" w="9525">
                 <a:solidFill>
                   <a:schemeClr val="tx1"/>
                 </a:solidFill>
@@ -5374,7 +5611,7 @@
           <a:blip r:embed="rId3" cstate="print">
             <a:extLst>
               <a:ext uri="{28A0092B-C50C-407E-A947-70E740481C1C}">
-                <a14:useLocalDpi xmlns="" xmlns:a14="http://schemas.microsoft.com/office/drawing/2010/main" val="0"/>
+                <a14:useLocalDpi xmlns:a14="http://schemas.microsoft.com/office/drawing/2010/main" val="0"/>
               </a:ext>
             </a:extLst>
           </a:blip>
@@ -5397,14 +5634,14 @@
           </a:ln>
           <a:extLst>
             <a:ext uri="{909E8E84-426E-40DD-AFC4-6F175D3DCCD1}">
-              <a14:hiddenFill xmlns="" xmlns:a14="http://schemas.microsoft.com/office/drawing/2010/main">
+              <a14:hiddenFill xmlns:a14="http://schemas.microsoft.com/office/drawing/2010/main">
                 <a:solidFill>
                   <a:schemeClr val="accent1"/>
                 </a:solidFill>
               </a14:hiddenFill>
             </a:ext>
             <a:ext uri="{91240B29-F687-4F45-9708-019B960494DF}">
-              <a14:hiddenLine xmlns="" xmlns:a14="http://schemas.microsoft.com/office/drawing/2010/main" w="9525">
+              <a14:hiddenLine xmlns:a14="http://schemas.microsoft.com/office/drawing/2010/main" w="9525">
                 <a:solidFill>
                   <a:schemeClr val="tx1"/>
                 </a:solidFill>
@@ -5596,7 +5833,7 @@
           <a:blip r:embed="rId4" cstate="print">
             <a:extLst>
               <a:ext uri="{28A0092B-C50C-407E-A947-70E740481C1C}">
-                <a14:useLocalDpi xmlns="" xmlns:a14="http://schemas.microsoft.com/office/drawing/2010/main" val="0"/>
+                <a14:useLocalDpi xmlns:a14="http://schemas.microsoft.com/office/drawing/2010/main" val="0"/>
               </a:ext>
             </a:extLst>
           </a:blip>
@@ -5619,14 +5856,14 @@
           </a:ln>
           <a:extLst>
             <a:ext uri="{909E8E84-426E-40DD-AFC4-6F175D3DCCD1}">
-              <a14:hiddenFill xmlns="" xmlns:a14="http://schemas.microsoft.com/office/drawing/2010/main">
+              <a14:hiddenFill xmlns:a14="http://schemas.microsoft.com/office/drawing/2010/main">
                 <a:solidFill>
                   <a:schemeClr val="accent1"/>
                 </a:solidFill>
               </a14:hiddenFill>
             </a:ext>
             <a:ext uri="{91240B29-F687-4F45-9708-019B960494DF}">
-              <a14:hiddenLine xmlns="" xmlns:a14="http://schemas.microsoft.com/office/drawing/2010/main" w="9525">
+              <a14:hiddenLine xmlns:a14="http://schemas.microsoft.com/office/drawing/2010/main" w="9525">
                 <a:solidFill>
                   <a:schemeClr val="tx1"/>
                 </a:solidFill>
@@ -5650,7 +5887,7 @@
           <a:blip r:embed="rId5" cstate="print">
             <a:extLst>
               <a:ext uri="{28A0092B-C50C-407E-A947-70E740481C1C}">
-                <a14:useLocalDpi xmlns="" xmlns:a14="http://schemas.microsoft.com/office/drawing/2010/main" val="0"/>
+                <a14:useLocalDpi xmlns:a14="http://schemas.microsoft.com/office/drawing/2010/main" val="0"/>
               </a:ext>
             </a:extLst>
           </a:blip>
@@ -5673,14 +5910,14 @@
           </a:ln>
           <a:extLst>
             <a:ext uri="{909E8E84-426E-40DD-AFC4-6F175D3DCCD1}">
-              <a14:hiddenFill xmlns="" xmlns:a14="http://schemas.microsoft.com/office/drawing/2010/main">
+              <a14:hiddenFill xmlns:a14="http://schemas.microsoft.com/office/drawing/2010/main">
                 <a:solidFill>
                   <a:schemeClr val="accent1"/>
                 </a:solidFill>
               </a14:hiddenFill>
             </a:ext>
             <a:ext uri="{91240B29-F687-4F45-9708-019B960494DF}">
-              <a14:hiddenLine xmlns="" xmlns:a14="http://schemas.microsoft.com/office/drawing/2010/main" w="9525">
+              <a14:hiddenLine xmlns:a14="http://schemas.microsoft.com/office/drawing/2010/main" w="9525">
                 <a:solidFill>
                   <a:schemeClr val="tx1"/>
                 </a:solidFill>
@@ -5704,7 +5941,7 @@
           <a:blip r:embed="rId6" cstate="print">
             <a:extLst>
               <a:ext uri="{28A0092B-C50C-407E-A947-70E740481C1C}">
-                <a14:useLocalDpi xmlns="" xmlns:a14="http://schemas.microsoft.com/office/drawing/2010/main" val="0"/>
+                <a14:useLocalDpi xmlns:a14="http://schemas.microsoft.com/office/drawing/2010/main" val="0"/>
               </a:ext>
             </a:extLst>
           </a:blip>
@@ -5727,14 +5964,14 @@
           </a:ln>
           <a:extLst>
             <a:ext uri="{909E8E84-426E-40DD-AFC4-6F175D3DCCD1}">
-              <a14:hiddenFill xmlns="" xmlns:a14="http://schemas.microsoft.com/office/drawing/2010/main">
+              <a14:hiddenFill xmlns:a14="http://schemas.microsoft.com/office/drawing/2010/main">
                 <a:solidFill>
                   <a:schemeClr val="accent1"/>
                 </a:solidFill>
               </a14:hiddenFill>
             </a:ext>
             <a:ext uri="{91240B29-F687-4F45-9708-019B960494DF}">
-              <a14:hiddenLine xmlns="" xmlns:a14="http://schemas.microsoft.com/office/drawing/2010/main" w="9525">
+              <a14:hiddenLine xmlns:a14="http://schemas.microsoft.com/office/drawing/2010/main" w="9525">
                 <a:solidFill>
                   <a:schemeClr val="tx1"/>
                 </a:solidFill>
@@ -5823,7 +6060,7 @@
         </p:blipFill>
         <p:spPr bwMode="auto">
           <a:xfrm>
-            <a:off x="1331640" y="3645024"/>
+            <a:off x="1331640" y="3771925"/>
             <a:ext cx="2304256" cy="1975871"/>
           </a:xfrm>
           <a:prstGeom prst="rect">
@@ -5883,7 +6120,7 @@
           <a:noFill/>
           <a:extLst>
             <a:ext uri="{909E8E84-426E-40DD-AFC4-6F175D3DCCD1}">
-              <a14:hiddenFill xmlns="" xmlns:a14="http://schemas.microsoft.com/office/drawing/2010/main">
+              <a14:hiddenFill xmlns:a14="http://schemas.microsoft.com/office/drawing/2010/main">
                 <a:solidFill>
                   <a:srgbClr val="FFFFFF"/>
                 </a:solidFill>
@@ -5915,7 +6152,7 @@
           <a:blip r:embed="rId4" cstate="print">
             <a:extLst>
               <a:ext uri="{28A0092B-C50C-407E-A947-70E740481C1C}">
-                <a14:useLocalDpi xmlns="" xmlns:a14="http://schemas.microsoft.com/office/drawing/2010/main" val="0"/>
+                <a14:useLocalDpi xmlns:a14="http://schemas.microsoft.com/office/drawing/2010/main" val="0"/>
               </a:ext>
             </a:extLst>
           </a:blip>
@@ -5938,14 +6175,14 @@
           </a:ln>
           <a:extLst>
             <a:ext uri="{909E8E84-426E-40DD-AFC4-6F175D3DCCD1}">
-              <a14:hiddenFill xmlns="" xmlns:a14="http://schemas.microsoft.com/office/drawing/2010/main">
+              <a14:hiddenFill xmlns:a14="http://schemas.microsoft.com/office/drawing/2010/main">
                 <a:solidFill>
                   <a:schemeClr val="accent1"/>
                 </a:solidFill>
               </a14:hiddenFill>
             </a:ext>
             <a:ext uri="{91240B29-F687-4F45-9708-019B960494DF}">
-              <a14:hiddenLine xmlns="" xmlns:a14="http://schemas.microsoft.com/office/drawing/2010/main" w="9525">
+              <a14:hiddenLine xmlns:a14="http://schemas.microsoft.com/office/drawing/2010/main" w="9525">
                 <a:solidFill>
                   <a:schemeClr val="tx1"/>
                 </a:solidFill>
@@ -6019,7 +6256,7 @@
           <a:blip r:embed="rId5" cstate="print">
             <a:extLst>
               <a:ext uri="{28A0092B-C50C-407E-A947-70E740481C1C}">
-                <a14:useLocalDpi xmlns="" xmlns:a14="http://schemas.microsoft.com/office/drawing/2010/main" val="0"/>
+                <a14:useLocalDpi xmlns:a14="http://schemas.microsoft.com/office/drawing/2010/main" val="0"/>
               </a:ext>
             </a:extLst>
           </a:blip>
@@ -6030,7 +6267,7 @@
         </p:blipFill>
         <p:spPr bwMode="auto">
           <a:xfrm>
-            <a:off x="4211960" y="3789040"/>
+            <a:off x="4123123" y="3507322"/>
             <a:ext cx="3276600" cy="2505075"/>
           </a:xfrm>
           <a:prstGeom prst="rect">
@@ -6042,14 +6279,14 @@
           </a:ln>
           <a:extLst>
             <a:ext uri="{909E8E84-426E-40DD-AFC4-6F175D3DCCD1}">
-              <a14:hiddenFill xmlns="" xmlns:a14="http://schemas.microsoft.com/office/drawing/2010/main">
+              <a14:hiddenFill xmlns:a14="http://schemas.microsoft.com/office/drawing/2010/main">
                 <a:solidFill>
                   <a:schemeClr val="accent1"/>
                 </a:solidFill>
               </a14:hiddenFill>
             </a:ext>
             <a:ext uri="{91240B29-F687-4F45-9708-019B960494DF}">
-              <a14:hiddenLine xmlns="" xmlns:a14="http://schemas.microsoft.com/office/drawing/2010/main" w="9525">
+              <a14:hiddenLine xmlns:a14="http://schemas.microsoft.com/office/drawing/2010/main" w="9525">
                 <a:solidFill>
                   <a:schemeClr val="tx1"/>
                 </a:solidFill>
@@ -6064,7 +6301,7 @@
     </p:spTree>
     <p:extLst>
       <p:ext uri="{BB962C8B-B14F-4D97-AF65-F5344CB8AC3E}">
-        <p14:creationId xmlns="" xmlns:p14="http://schemas.microsoft.com/office/powerpoint/2010/main" val="242912182"/>
+        <p14:creationId xmlns:p14="http://schemas.microsoft.com/office/powerpoint/2010/main" val="242912182"/>
       </p:ext>
     </p:extLst>
   </p:cSld>
@@ -6110,7 +6347,7 @@
           <a:blip r:embed="rId2" cstate="print">
             <a:extLst>
               <a:ext uri="{28A0092B-C50C-407E-A947-70E740481C1C}">
-                <a14:useLocalDpi xmlns="" xmlns:a14="http://schemas.microsoft.com/office/drawing/2010/main" val="0"/>
+                <a14:useLocalDpi xmlns:a14="http://schemas.microsoft.com/office/drawing/2010/main" val="0"/>
               </a:ext>
             </a:extLst>
           </a:blip>
@@ -6133,14 +6370,14 @@
           </a:ln>
           <a:extLst>
             <a:ext uri="{909E8E84-426E-40DD-AFC4-6F175D3DCCD1}">
-              <a14:hiddenFill xmlns="" xmlns:a14="http://schemas.microsoft.com/office/drawing/2010/main">
+              <a14:hiddenFill xmlns:a14="http://schemas.microsoft.com/office/drawing/2010/main">
                 <a:solidFill>
                   <a:schemeClr val="accent1"/>
                 </a:solidFill>
               </a14:hiddenFill>
             </a:ext>
             <a:ext uri="{91240B29-F687-4F45-9708-019B960494DF}">
-              <a14:hiddenLine xmlns="" xmlns:a14="http://schemas.microsoft.com/office/drawing/2010/main" w="9525">
+              <a14:hiddenLine xmlns:a14="http://schemas.microsoft.com/office/drawing/2010/main" w="9525">
                 <a:solidFill>
                   <a:schemeClr val="tx1"/>
                 </a:solidFill>
@@ -6207,7 +6444,7 @@
           <a:noFill/>
           <a:extLst>
             <a:ext uri="{909E8E84-426E-40DD-AFC4-6F175D3DCCD1}">
-              <a14:hiddenFill xmlns="" xmlns:a14="http://schemas.microsoft.com/office/drawing/2010/main">
+              <a14:hiddenFill xmlns:a14="http://schemas.microsoft.com/office/drawing/2010/main">
                 <a:solidFill>
                   <a:srgbClr val="FFFFFF"/>
                 </a:solidFill>
@@ -6912,7 +7149,7 @@
     </p:spTree>
     <p:extLst>
       <p:ext uri="{BB962C8B-B14F-4D97-AF65-F5344CB8AC3E}">
-        <p14:creationId xmlns="" xmlns:p14="http://schemas.microsoft.com/office/powerpoint/2010/main" val="2360752661"/>
+        <p14:creationId xmlns:p14="http://schemas.microsoft.com/office/powerpoint/2010/main" val="2360752661"/>
       </p:ext>
     </p:extLst>
   </p:cSld>
@@ -7852,8 +8089,8 @@
         </p:nvSpPr>
         <p:spPr>
           <a:xfrm>
-            <a:off x="2491343" y="5496161"/>
-            <a:ext cx="576064" cy="276999"/>
+            <a:off x="2478862" y="5447457"/>
+            <a:ext cx="828926" cy="276999"/>
           </a:xfrm>
           <a:prstGeom prst="rect">
             <a:avLst/>
@@ -7869,7 +8106,7 @@
             <a:pPr algn="ctr"/>
             <a:r>
               <a:rPr lang="en-US" sz="1200" dirty="0" smtClean="0"/>
-              <a:t>UTP</a:t>
+              <a:t>Ethernet</a:t>
             </a:r>
           </a:p>
         </p:txBody>
@@ -7980,7 +8217,7 @@
     </p:spTree>
     <p:extLst>
       <p:ext uri="{BB962C8B-B14F-4D97-AF65-F5344CB8AC3E}">
-        <p14:creationId xmlns="" xmlns:p14="http://schemas.microsoft.com/office/powerpoint/2010/main" val="611404527"/>
+        <p14:creationId xmlns:p14="http://schemas.microsoft.com/office/powerpoint/2010/main" val="611404527"/>
       </p:ext>
     </p:extLst>
   </p:cSld>
@@ -8026,7 +8263,7 @@
           <a:blip r:embed="rId2" cstate="print">
             <a:extLst>
               <a:ext uri="{28A0092B-C50C-407E-A947-70E740481C1C}">
-                <a14:useLocalDpi xmlns="" xmlns:a14="http://schemas.microsoft.com/office/drawing/2010/main" val="0"/>
+                <a14:useLocalDpi xmlns:a14="http://schemas.microsoft.com/office/drawing/2010/main" val="0"/>
               </a:ext>
             </a:extLst>
           </a:blip>
@@ -8049,14 +8286,14 @@
           </a:ln>
           <a:extLst>
             <a:ext uri="{909E8E84-426E-40DD-AFC4-6F175D3DCCD1}">
-              <a14:hiddenFill xmlns="" xmlns:a14="http://schemas.microsoft.com/office/drawing/2010/main">
+              <a14:hiddenFill xmlns:a14="http://schemas.microsoft.com/office/drawing/2010/main">
                 <a:solidFill>
                   <a:schemeClr val="accent1"/>
                 </a:solidFill>
               </a14:hiddenFill>
             </a:ext>
             <a:ext uri="{91240B29-F687-4F45-9708-019B960494DF}">
-              <a14:hiddenLine xmlns="" xmlns:a14="http://schemas.microsoft.com/office/drawing/2010/main" w="9525">
+              <a14:hiddenLine xmlns:a14="http://schemas.microsoft.com/office/drawing/2010/main" w="9525">
                 <a:solidFill>
                   <a:schemeClr val="tx1"/>
                 </a:solidFill>
@@ -9138,8 +9375,8 @@
         </p:nvSpPr>
         <p:spPr>
           <a:xfrm>
-            <a:off x="1907704" y="5733256"/>
-            <a:ext cx="1512168" cy="576064"/>
+            <a:off x="1835696" y="5733256"/>
+            <a:ext cx="1584176" cy="576064"/>
           </a:xfrm>
           <a:prstGeom prst="roundRect">
             <a:avLst/>
@@ -9216,13 +9453,14 @@
           <p:cNvPr id="34" name="Rechte verbindingslijn met pijl 23"/>
           <p:cNvCxnSpPr>
             <a:stCxn id="32" idx="0"/>
+            <a:endCxn id="31" idx="2"/>
           </p:cNvCxnSpPr>
           <p:nvPr/>
         </p:nvCxnSpPr>
         <p:spPr>
           <a:xfrm flipV="1">
-            <a:off x="2663788" y="5212444"/>
-            <a:ext cx="0" cy="520812"/>
+            <a:off x="2627784" y="5166485"/>
+            <a:ext cx="0" cy="566771"/>
           </a:xfrm>
           <a:prstGeom prst="straightConnector1">
             <a:avLst/>
@@ -9291,7 +9529,7 @@
         </p:nvSpPr>
         <p:spPr>
           <a:xfrm>
-            <a:off x="4319972" y="3917436"/>
+            <a:off x="4045399" y="3942658"/>
             <a:ext cx="972108" cy="276999"/>
           </a:xfrm>
           <a:prstGeom prst="rect">
@@ -9321,8 +9559,8 @@
         </p:nvSpPr>
         <p:spPr>
           <a:xfrm>
-            <a:off x="2699792" y="5445224"/>
-            <a:ext cx="1044116" cy="276999"/>
+            <a:off x="2699792" y="5373216"/>
+            <a:ext cx="892640" cy="274460"/>
           </a:xfrm>
           <a:prstGeom prst="rect">
             <a:avLst/>
@@ -9337,7 +9575,7 @@
           <a:p>
             <a:r>
               <a:rPr lang="en-US" sz="1200" dirty="0" smtClean="0"/>
-              <a:t>UTP</a:t>
+              <a:t>Ethernet</a:t>
             </a:r>
             <a:endParaRPr lang="nl-NL" sz="1200" dirty="0"/>
           </a:p>
@@ -9625,7 +9863,7 @@
     </p:spTree>
     <p:extLst>
       <p:ext uri="{BB962C8B-B14F-4D97-AF65-F5344CB8AC3E}">
-        <p14:creationId xmlns="" xmlns:p14="http://schemas.microsoft.com/office/powerpoint/2010/main" val="1413730942"/>
+        <p14:creationId xmlns:p14="http://schemas.microsoft.com/office/powerpoint/2010/main" val="1413730942"/>
       </p:ext>
     </p:extLst>
   </p:cSld>
@@ -10122,7 +10360,7 @@
         <p:spPr>
           <a:xfrm>
             <a:off x="7532581" y="1372126"/>
-            <a:ext cx="665567" cy="369332"/>
+            <a:ext cx="1298753" cy="369332"/>
           </a:xfrm>
           <a:prstGeom prst="rect">
             <a:avLst/>
@@ -10137,8 +10375,9 @@
           <a:p>
             <a:r>
               <a:rPr lang="en-US" dirty="0" smtClean="0"/>
-              <a:t>JSON</a:t>
-            </a:r>
+              <a:t>WS / JSON</a:t>
+            </a:r>
+            <a:endParaRPr lang="en-US" dirty="0" smtClean="0"/>
           </a:p>
         </p:txBody>
       </p:sp>

--- a/doc/ppt/PlaatEnergy Design.pptx
+++ b/doc/ppt/PlaatEnergy Design.pptx
@@ -214,7 +214,7 @@
             <a:fld id="{AAA9B6CD-1D48-452A-A7F2-8CBBE02CC7D2}" type="datetimeFigureOut">
               <a:rPr lang="nl-NL" smtClean="0"/>
               <a:pPr/>
-              <a:t>4-7-2016</a:t>
+              <a:t>5-7-2016</a:t>
             </a:fld>
             <a:endParaRPr lang="nl-NL"/>
           </a:p>
@@ -678,7 +678,7 @@
             <a:fld id="{96BAE843-BE96-40CB-B634-F63C679A4CF5}" type="datetimeFigureOut">
               <a:rPr lang="nl-NL" smtClean="0"/>
               <a:pPr/>
-              <a:t>4-7-2016</a:t>
+              <a:t>5-7-2016</a:t>
             </a:fld>
             <a:endParaRPr lang="nl-NL"/>
           </a:p>
@@ -845,7 +845,7 @@
             <a:fld id="{96BAE843-BE96-40CB-B634-F63C679A4CF5}" type="datetimeFigureOut">
               <a:rPr lang="nl-NL" smtClean="0"/>
               <a:pPr/>
-              <a:t>4-7-2016</a:t>
+              <a:t>5-7-2016</a:t>
             </a:fld>
             <a:endParaRPr lang="nl-NL"/>
           </a:p>
@@ -1022,7 +1022,7 @@
             <a:fld id="{96BAE843-BE96-40CB-B634-F63C679A4CF5}" type="datetimeFigureOut">
               <a:rPr lang="nl-NL" smtClean="0"/>
               <a:pPr/>
-              <a:t>4-7-2016</a:t>
+              <a:t>5-7-2016</a:t>
             </a:fld>
             <a:endParaRPr lang="nl-NL"/>
           </a:p>
@@ -1207,7 +1207,7 @@
             <a:fld id="{96BAE843-BE96-40CB-B634-F63C679A4CF5}" type="datetimeFigureOut">
               <a:rPr lang="nl-NL" smtClean="0"/>
               <a:pPr/>
-              <a:t>4-7-2016</a:t>
+              <a:t>5-7-2016</a:t>
             </a:fld>
             <a:endParaRPr lang="nl-NL"/>
           </a:p>
@@ -1471,7 +1471,7 @@
             <a:fld id="{96BAE843-BE96-40CB-B634-F63C679A4CF5}" type="datetimeFigureOut">
               <a:rPr lang="nl-NL" smtClean="0"/>
               <a:pPr/>
-              <a:t>4-7-2016</a:t>
+              <a:t>5-7-2016</a:t>
             </a:fld>
             <a:endParaRPr lang="nl-NL"/>
           </a:p>
@@ -1821,7 +1821,7 @@
             <a:fld id="{96BAE843-BE96-40CB-B634-F63C679A4CF5}" type="datetimeFigureOut">
               <a:rPr lang="nl-NL" smtClean="0"/>
               <a:pPr/>
-              <a:t>4-7-2016</a:t>
+              <a:t>5-7-2016</a:t>
             </a:fld>
             <a:endParaRPr lang="nl-NL"/>
           </a:p>
@@ -2131,7 +2131,7 @@
             <a:fld id="{96BAE843-BE96-40CB-B634-F63C679A4CF5}" type="datetimeFigureOut">
               <a:rPr lang="nl-NL" smtClean="0"/>
               <a:pPr/>
-              <a:t>4-7-2016</a:t>
+              <a:t>5-7-2016</a:t>
             </a:fld>
             <a:endParaRPr lang="nl-NL"/>
           </a:p>
@@ -2360,7 +2360,7 @@
             <a:fld id="{96BAE843-BE96-40CB-B634-F63C679A4CF5}" type="datetimeFigureOut">
               <a:rPr lang="nl-NL" smtClean="0"/>
               <a:pPr/>
-              <a:t>4-7-2016</a:t>
+              <a:t>5-7-2016</a:t>
             </a:fld>
             <a:endParaRPr lang="nl-NL"/>
           </a:p>
@@ -2452,7 +2452,7 @@
             <a:fld id="{96BAE843-BE96-40CB-B634-F63C679A4CF5}" type="datetimeFigureOut">
               <a:rPr lang="nl-NL" smtClean="0"/>
               <a:pPr/>
-              <a:t>4-7-2016</a:t>
+              <a:t>5-7-2016</a:t>
             </a:fld>
             <a:endParaRPr lang="nl-NL"/>
           </a:p>
@@ -2742,7 +2742,7 @@
             <a:fld id="{96BAE843-BE96-40CB-B634-F63C679A4CF5}" type="datetimeFigureOut">
               <a:rPr lang="nl-NL" smtClean="0"/>
               <a:pPr/>
-              <a:t>4-7-2016</a:t>
+              <a:t>5-7-2016</a:t>
             </a:fld>
             <a:endParaRPr lang="nl-NL"/>
           </a:p>
@@ -3013,7 +3013,7 @@
             <a:fld id="{96BAE843-BE96-40CB-B634-F63C679A4CF5}" type="datetimeFigureOut">
               <a:rPr lang="nl-NL" smtClean="0"/>
               <a:pPr/>
-              <a:t>4-7-2016</a:t>
+              <a:t>5-7-2016</a:t>
             </a:fld>
             <a:endParaRPr lang="nl-NL"/>
           </a:p>
@@ -3225,7 +3225,7 @@
             <a:fld id="{96BAE843-BE96-40CB-B634-F63C679A4CF5}" type="datetimeFigureOut">
               <a:rPr lang="nl-NL" smtClean="0"/>
               <a:pPr/>
-              <a:t>4-7-2016</a:t>
+              <a:t>5-7-2016</a:t>
             </a:fld>
             <a:endParaRPr lang="nl-NL"/>
           </a:p>
@@ -6163,7 +6163,7 @@
         </p:blipFill>
         <p:spPr bwMode="auto">
           <a:xfrm>
-            <a:off x="6300192" y="2636912"/>
+            <a:off x="6280847" y="2372309"/>
             <a:ext cx="1135013" cy="1135013"/>
           </a:xfrm>
           <a:prstGeom prst="rect">
@@ -10377,7 +10377,6 @@
               <a:rPr lang="en-US" dirty="0" smtClean="0"/>
               <a:t>WS / JSON</a:t>
             </a:r>
-            <a:endParaRPr lang="en-US" dirty="0" smtClean="0"/>
           </a:p>
         </p:txBody>
       </p:sp>
@@ -10777,8 +10776,12 @@
               <a:buChar char="-"/>
             </a:pPr>
             <a:r>
-              <a:rPr lang="nl-NL" dirty="0" err="1" smtClean="0"/>
-              <a:t>kamstrup</a:t>
+              <a:rPr lang="nl-NL" dirty="0" err="1"/>
+              <a:t>K</a:t>
+            </a:r>
+            <a:r>
+              <a:rPr lang="nl-NL" smtClean="0"/>
+              <a:t>amstrup</a:t>
             </a:r>
             <a:endParaRPr lang="nl-NL" dirty="0" smtClean="0"/>
           </a:p>

--- a/doc/ppt/PlaatEnergy Design.pptx
+++ b/doc/ppt/PlaatEnergy Design.pptx
@@ -5,7 +5,7 @@
     <p:sldMasterId id="2147483900" r:id="rId1"/>
   </p:sldMasterIdLst>
   <p:notesMasterIdLst>
-    <p:notesMasterId r:id="rId24"/>
+    <p:notesMasterId r:id="rId23"/>
   </p:notesMasterIdLst>
   <p:sldIdLst>
     <p:sldId id="262" r:id="rId2"/>
@@ -17,19 +17,18 @@
     <p:sldId id="306" r:id="rId8"/>
     <p:sldId id="307" r:id="rId9"/>
     <p:sldId id="280" r:id="rId10"/>
-    <p:sldId id="304" r:id="rId11"/>
-    <p:sldId id="281" r:id="rId12"/>
-    <p:sldId id="315" r:id="rId13"/>
-    <p:sldId id="308" r:id="rId14"/>
-    <p:sldId id="309" r:id="rId15"/>
-    <p:sldId id="310" r:id="rId16"/>
-    <p:sldId id="311" r:id="rId17"/>
-    <p:sldId id="312" r:id="rId18"/>
-    <p:sldId id="313" r:id="rId19"/>
-    <p:sldId id="314" r:id="rId20"/>
-    <p:sldId id="297" r:id="rId21"/>
-    <p:sldId id="292" r:id="rId22"/>
-    <p:sldId id="302" r:id="rId23"/>
+    <p:sldId id="281" r:id="rId11"/>
+    <p:sldId id="315" r:id="rId12"/>
+    <p:sldId id="308" r:id="rId13"/>
+    <p:sldId id="309" r:id="rId14"/>
+    <p:sldId id="310" r:id="rId15"/>
+    <p:sldId id="311" r:id="rId16"/>
+    <p:sldId id="312" r:id="rId17"/>
+    <p:sldId id="313" r:id="rId18"/>
+    <p:sldId id="314" r:id="rId19"/>
+    <p:sldId id="297" r:id="rId20"/>
+    <p:sldId id="292" r:id="rId21"/>
+    <p:sldId id="302" r:id="rId22"/>
   </p:sldIdLst>
   <p:sldSz cx="9144000" cy="6858000" type="screen4x3"/>
   <p:notesSz cx="6858000" cy="9144000"/>
@@ -214,7 +213,7 @@
             <a:fld id="{AAA9B6CD-1D48-452A-A7F2-8CBBE02CC7D2}" type="datetimeFigureOut">
               <a:rPr lang="nl-NL" smtClean="0"/>
               <a:pPr/>
-              <a:t>5-7-2016</a:t>
+              <a:t>7-7-2016</a:t>
             </a:fld>
             <a:endParaRPr lang="nl-NL"/>
           </a:p>
@@ -678,7 +677,7 @@
             <a:fld id="{96BAE843-BE96-40CB-B634-F63C679A4CF5}" type="datetimeFigureOut">
               <a:rPr lang="nl-NL" smtClean="0"/>
               <a:pPr/>
-              <a:t>5-7-2016</a:t>
+              <a:t>7-7-2016</a:t>
             </a:fld>
             <a:endParaRPr lang="nl-NL"/>
           </a:p>
@@ -845,7 +844,7 @@
             <a:fld id="{96BAE843-BE96-40CB-B634-F63C679A4CF5}" type="datetimeFigureOut">
               <a:rPr lang="nl-NL" smtClean="0"/>
               <a:pPr/>
-              <a:t>5-7-2016</a:t>
+              <a:t>7-7-2016</a:t>
             </a:fld>
             <a:endParaRPr lang="nl-NL"/>
           </a:p>
@@ -1022,7 +1021,7 @@
             <a:fld id="{96BAE843-BE96-40CB-B634-F63C679A4CF5}" type="datetimeFigureOut">
               <a:rPr lang="nl-NL" smtClean="0"/>
               <a:pPr/>
-              <a:t>5-7-2016</a:t>
+              <a:t>7-7-2016</a:t>
             </a:fld>
             <a:endParaRPr lang="nl-NL"/>
           </a:p>
@@ -1207,7 +1206,7 @@
             <a:fld id="{96BAE843-BE96-40CB-B634-F63C679A4CF5}" type="datetimeFigureOut">
               <a:rPr lang="nl-NL" smtClean="0"/>
               <a:pPr/>
-              <a:t>5-7-2016</a:t>
+              <a:t>7-7-2016</a:t>
             </a:fld>
             <a:endParaRPr lang="nl-NL"/>
           </a:p>
@@ -1471,7 +1470,7 @@
             <a:fld id="{96BAE843-BE96-40CB-B634-F63C679A4CF5}" type="datetimeFigureOut">
               <a:rPr lang="nl-NL" smtClean="0"/>
               <a:pPr/>
-              <a:t>5-7-2016</a:t>
+              <a:t>7-7-2016</a:t>
             </a:fld>
             <a:endParaRPr lang="nl-NL"/>
           </a:p>
@@ -1821,7 +1820,7 @@
             <a:fld id="{96BAE843-BE96-40CB-B634-F63C679A4CF5}" type="datetimeFigureOut">
               <a:rPr lang="nl-NL" smtClean="0"/>
               <a:pPr/>
-              <a:t>5-7-2016</a:t>
+              <a:t>7-7-2016</a:t>
             </a:fld>
             <a:endParaRPr lang="nl-NL"/>
           </a:p>
@@ -2131,7 +2130,7 @@
             <a:fld id="{96BAE843-BE96-40CB-B634-F63C679A4CF5}" type="datetimeFigureOut">
               <a:rPr lang="nl-NL" smtClean="0"/>
               <a:pPr/>
-              <a:t>5-7-2016</a:t>
+              <a:t>7-7-2016</a:t>
             </a:fld>
             <a:endParaRPr lang="nl-NL"/>
           </a:p>
@@ -2360,7 +2359,7 @@
             <a:fld id="{96BAE843-BE96-40CB-B634-F63C679A4CF5}" type="datetimeFigureOut">
               <a:rPr lang="nl-NL" smtClean="0"/>
               <a:pPr/>
-              <a:t>5-7-2016</a:t>
+              <a:t>7-7-2016</a:t>
             </a:fld>
             <a:endParaRPr lang="nl-NL"/>
           </a:p>
@@ -2452,7 +2451,7 @@
             <a:fld id="{96BAE843-BE96-40CB-B634-F63C679A4CF5}" type="datetimeFigureOut">
               <a:rPr lang="nl-NL" smtClean="0"/>
               <a:pPr/>
-              <a:t>5-7-2016</a:t>
+              <a:t>7-7-2016</a:t>
             </a:fld>
             <a:endParaRPr lang="nl-NL"/>
           </a:p>
@@ -2742,7 +2741,7 @@
             <a:fld id="{96BAE843-BE96-40CB-B634-F63C679A4CF5}" type="datetimeFigureOut">
               <a:rPr lang="nl-NL" smtClean="0"/>
               <a:pPr/>
-              <a:t>5-7-2016</a:t>
+              <a:t>7-7-2016</a:t>
             </a:fld>
             <a:endParaRPr lang="nl-NL"/>
           </a:p>
@@ -3013,7 +3012,7 @@
             <a:fld id="{96BAE843-BE96-40CB-B634-F63C679A4CF5}" type="datetimeFigureOut">
               <a:rPr lang="nl-NL" smtClean="0"/>
               <a:pPr/>
-              <a:t>5-7-2016</a:t>
+              <a:t>7-7-2016</a:t>
             </a:fld>
             <a:endParaRPr lang="nl-NL"/>
           </a:p>
@@ -3225,7 +3224,7 @@
             <a:fld id="{96BAE843-BE96-40CB-B634-F63C679A4CF5}" type="datetimeFigureOut">
               <a:rPr lang="nl-NL" smtClean="0"/>
               <a:pPr/>
-              <a:t>5-7-2016</a:t>
+              <a:t>7-7-2016</a:t>
             </a:fld>
             <a:endParaRPr lang="nl-NL"/>
           </a:p>
@@ -3940,7 +3939,7 @@
       </p:grpSpPr>
       <p:sp>
         <p:nvSpPr>
-          <p:cNvPr id="2" name="Title 1"/>
+          <p:cNvPr id="2" name="Titel 1"/>
           <p:cNvSpPr>
             <a:spLocks noGrp="1"/>
           </p:cNvSpPr>
@@ -3950,8 +3949,8 @@
         </p:nvSpPr>
         <p:spPr>
           <a:xfrm>
-            <a:off x="0" y="3794"/>
-            <a:ext cx="9144000" cy="976934"/>
+            <a:off x="0" y="0"/>
+            <a:ext cx="9144000" cy="980728"/>
           </a:xfrm>
         </p:spPr>
         <p:txBody>
@@ -3959,83 +3958,105 @@
           <a:lstStyle/>
           <a:p>
             <a:r>
-              <a:rPr lang="nl-NL" sz="4400" dirty="0" smtClean="0"/>
-              <a:t>PlaatEnergy Data Model</a:t>
+              <a:rPr lang="en-US" sz="4400" dirty="0" smtClean="0"/>
+              <a:t>PlaatEnergy Key Features</a:t>
             </a:r>
             <a:endParaRPr lang="nl-NL" sz="4400" dirty="0"/>
           </a:p>
         </p:txBody>
       </p:sp>
-      <p:pic>
-        <p:nvPicPr>
-          <p:cNvPr id="1026" name="Picture 2"/>
-          <p:cNvPicPr>
-            <a:picLocks noChangeAspect="1" noChangeArrowheads="1"/>
-          </p:cNvPicPr>
-          <p:nvPr/>
-        </p:nvPicPr>
-        <p:blipFill>
-          <a:blip r:embed="rId2" cstate="print">
-            <a:extLst>
-              <a:ext uri="{28A0092B-C50C-407E-A947-70E740481C1C}">
-                <a14:useLocalDpi xmlns:a14="http://schemas.microsoft.com/office/drawing/2010/main" val="0"/>
-              </a:ext>
-            </a:extLst>
-          </a:blip>
-          <a:srcRect/>
-          <a:stretch>
-            <a:fillRect/>
-          </a:stretch>
-        </p:blipFill>
-        <p:spPr bwMode="auto">
-          <a:xfrm>
-            <a:off x="1259632" y="1124744"/>
-            <a:ext cx="6696744" cy="5095834"/>
-          </a:xfrm>
-          <a:prstGeom prst="rect">
-            <a:avLst/>
-          </a:prstGeom>
-          <a:noFill/>
-          <a:ln>
-            <a:noFill/>
-          </a:ln>
-          <a:effectLst/>
-          <a:extLst>
-            <a:ext uri="{909E8E84-426E-40DD-AFC4-6F175D3DCCD1}">
-              <a14:hiddenFill xmlns:a14="http://schemas.microsoft.com/office/drawing/2010/main">
-                <a:solidFill>
-                  <a:schemeClr val="accent1"/>
-                </a:solidFill>
-              </a14:hiddenFill>
-            </a:ext>
-            <a:ext uri="{91240B29-F687-4F45-9708-019B960494DF}">
-              <a14:hiddenLine xmlns:a14="http://schemas.microsoft.com/office/drawing/2010/main" w="9525">
-                <a:solidFill>
-                  <a:schemeClr val="tx1"/>
-                </a:solidFill>
-                <a:miter lim="800000"/>
-                <a:headEnd/>
-                <a:tailEnd/>
-              </a14:hiddenLine>
-            </a:ext>
-            <a:ext uri="{AF507438-7753-43E0-B8FC-AC1667EBCBE1}">
-              <a14:hiddenEffects xmlns:a14="http://schemas.microsoft.com/office/drawing/2010/main">
-                <a:effectLst>
-                  <a:outerShdw dist="35921" dir="2700000" algn="ctr" rotWithShape="0">
-                    <a:schemeClr val="bg2"/>
-                  </a:outerShdw>
-                </a:effectLst>
-              </a14:hiddenEffects>
-            </a:ext>
-          </a:extLst>
-        </p:spPr>
-      </p:pic>
+      <p:sp>
+        <p:nvSpPr>
+          <p:cNvPr id="3" name="Tijdelijke aanduiding voor inhoud 2"/>
+          <p:cNvSpPr>
+            <a:spLocks noGrp="1"/>
+          </p:cNvSpPr>
+          <p:nvPr>
+            <p:ph idx="1"/>
+          </p:nvPr>
+        </p:nvSpPr>
+        <p:spPr>
+          <a:xfrm>
+            <a:off x="467544" y="1268760"/>
+            <a:ext cx="8136904" cy="4925144"/>
+          </a:xfrm>
+        </p:spPr>
+        <p:txBody>
+          <a:bodyPr>
+            <a:normAutofit/>
+          </a:bodyPr>
+          <a:lstStyle/>
+          <a:p>
+            <a:r>
+              <a:rPr lang="en-US" sz="2800" dirty="0" smtClean="0"/>
+              <a:t>Measure each device every minute</a:t>
+            </a:r>
+          </a:p>
+          <a:p>
+            <a:r>
+              <a:rPr lang="en-US" sz="2800" dirty="0" smtClean="0"/>
+              <a:t>Easy to use web interface</a:t>
+            </a:r>
+          </a:p>
+          <a:p>
+            <a:r>
+              <a:rPr lang="en-US" sz="2800" dirty="0" smtClean="0"/>
+              <a:t>Show real-time, historical and forecast data</a:t>
+            </a:r>
+          </a:p>
+          <a:p>
+            <a:r>
+              <a:rPr lang="en-US" sz="2800" dirty="0" smtClean="0"/>
+              <a:t>Show financial data</a:t>
+            </a:r>
+          </a:p>
+          <a:p>
+            <a:r>
+              <a:rPr lang="en-US" sz="2800" dirty="0" smtClean="0"/>
+              <a:t>Support measurement corrections</a:t>
+            </a:r>
+          </a:p>
+          <a:p>
+            <a:r>
+              <a:rPr lang="en-US" sz="2800" dirty="0" smtClean="0"/>
+              <a:t>Export measure data to CSV or SQL</a:t>
+            </a:r>
+          </a:p>
+          <a:p>
+            <a:r>
+              <a:rPr lang="en-US" sz="2800" dirty="0" smtClean="0"/>
+              <a:t>Secure access to Web GUI and settings</a:t>
+            </a:r>
+          </a:p>
+          <a:p>
+            <a:r>
+              <a:rPr lang="en-US" sz="2800" dirty="0"/>
+              <a:t>Open Source </a:t>
+            </a:r>
+            <a:r>
+              <a:rPr lang="en-US" sz="2800" dirty="0" smtClean="0"/>
+              <a:t>project. So free </a:t>
+            </a:r>
+            <a:r>
+              <a:rPr lang="en-US" sz="2800" dirty="0"/>
+              <a:t>to use!</a:t>
+            </a:r>
+          </a:p>
+          <a:p>
+            <a:endParaRPr lang="en-US" sz="2800" dirty="0" smtClean="0"/>
+          </a:p>
+          <a:p>
+            <a:endParaRPr lang="en-US" dirty="0" smtClean="0"/>
+          </a:p>
+          <a:p>
+            <a:endParaRPr lang="en-US" dirty="0" smtClean="0"/>
+          </a:p>
+          <a:p>
+            <a:endParaRPr lang="nl-NL" dirty="0"/>
+          </a:p>
+        </p:txBody>
+      </p:sp>
     </p:spTree>
-    <p:extLst>
-      <p:ext uri="{BB962C8B-B14F-4D97-AF65-F5344CB8AC3E}">
-        <p14:creationId xmlns:p14="http://schemas.microsoft.com/office/powerpoint/2010/main" val="3805753622"/>
-      </p:ext>
-    </p:extLst>
   </p:cSld>
   <p:clrMapOvr>
     <a:masterClrMapping/>
@@ -4067,126 +4088,66 @@
           <a:chExt cx="0" cy="0"/>
         </a:xfrm>
       </p:grpSpPr>
-      <p:sp>
-        <p:nvSpPr>
-          <p:cNvPr id="2" name="Titel 1"/>
-          <p:cNvSpPr>
-            <a:spLocks noGrp="1"/>
-          </p:cNvSpPr>
-          <p:nvPr>
-            <p:ph type="title"/>
-          </p:nvPr>
-        </p:nvSpPr>
-        <p:spPr>
+      <p:pic>
+        <p:nvPicPr>
+          <p:cNvPr id="1026" name="Picture 2"/>
+          <p:cNvPicPr>
+            <a:picLocks noChangeAspect="1" noChangeArrowheads="1"/>
+          </p:cNvPicPr>
+          <p:nvPr/>
+        </p:nvPicPr>
+        <p:blipFill>
+          <a:blip r:embed="rId2">
+            <a:extLst>
+              <a:ext uri="{28A0092B-C50C-407E-A947-70E740481C1C}">
+                <a14:useLocalDpi xmlns:a14="http://schemas.microsoft.com/office/drawing/2010/main" val="0"/>
+              </a:ext>
+            </a:extLst>
+          </a:blip>
+          <a:srcRect/>
+          <a:stretch>
+            <a:fillRect/>
+          </a:stretch>
+        </p:blipFill>
+        <p:spPr bwMode="auto">
           <a:xfrm>
             <a:off x="0" y="0"/>
-            <a:ext cx="9144000" cy="980728"/>
-          </a:xfrm>
-        </p:spPr>
-        <p:txBody>
-          <a:bodyPr/>
-          <a:lstStyle/>
-          <a:p>
-            <a:r>
-              <a:rPr lang="en-US" sz="4400" dirty="0" smtClean="0"/>
-              <a:t>PlaatEnergy Key Features</a:t>
-            </a:r>
-            <a:endParaRPr lang="nl-NL" sz="4400" dirty="0"/>
-          </a:p>
-        </p:txBody>
-      </p:sp>
-      <p:sp>
-        <p:nvSpPr>
-          <p:cNvPr id="3" name="Tijdelijke aanduiding voor inhoud 2"/>
-          <p:cNvSpPr>
-            <a:spLocks noGrp="1"/>
-          </p:cNvSpPr>
-          <p:nvPr>
-            <p:ph idx="1"/>
-          </p:nvPr>
-        </p:nvSpPr>
-        <p:spPr>
-          <a:xfrm>
-            <a:off x="0" y="1268760"/>
-            <a:ext cx="9144000" cy="4925144"/>
-          </a:xfrm>
-        </p:spPr>
-        <p:txBody>
-          <a:bodyPr>
-            <a:normAutofit/>
-          </a:bodyPr>
-          <a:lstStyle/>
-          <a:p>
-            <a:r>
-              <a:rPr lang="en-US" sz="3200" dirty="0" smtClean="0"/>
-              <a:t>Measure each device every minute</a:t>
-            </a:r>
-          </a:p>
-          <a:p>
-            <a:r>
-              <a:rPr lang="en-US" sz="3200" dirty="0" smtClean="0"/>
-              <a:t>Easy to use web interface</a:t>
-            </a:r>
-          </a:p>
-          <a:p>
-            <a:r>
-              <a:rPr lang="en-US" sz="3200" dirty="0" smtClean="0"/>
-              <a:t>Show real-time, historical and forecast data</a:t>
-            </a:r>
-          </a:p>
-          <a:p>
-            <a:r>
-              <a:rPr lang="en-US" sz="3200" dirty="0" smtClean="0"/>
-              <a:t>Show financial data</a:t>
-            </a:r>
-          </a:p>
-          <a:p>
-            <a:r>
-              <a:rPr lang="en-US" sz="3200" dirty="0" smtClean="0"/>
-              <a:t>Support measurement corrections</a:t>
-            </a:r>
-          </a:p>
-          <a:p>
-            <a:r>
-              <a:rPr lang="en-US" sz="3200" dirty="0" smtClean="0"/>
-              <a:t>Export measure data to CSV or SQL</a:t>
-            </a:r>
-          </a:p>
-          <a:p>
-            <a:r>
-              <a:rPr lang="en-US" sz="3200" dirty="0" smtClean="0"/>
-              <a:t>Secure access to Web GUI and settings</a:t>
-            </a:r>
-          </a:p>
-          <a:p>
-            <a:r>
-              <a:rPr lang="en-US" sz="3200" dirty="0"/>
-              <a:t>Open Source </a:t>
-            </a:r>
-            <a:r>
-              <a:rPr lang="en-US" sz="3200" dirty="0" smtClean="0"/>
-              <a:t>project. So free </a:t>
-            </a:r>
-            <a:r>
-              <a:rPr lang="en-US" sz="3200" dirty="0"/>
-              <a:t>to use!</a:t>
-            </a:r>
-          </a:p>
-          <a:p>
-            <a:endParaRPr lang="en-US" sz="2800" dirty="0" smtClean="0"/>
-          </a:p>
-          <a:p>
-            <a:endParaRPr lang="en-US" dirty="0" smtClean="0"/>
-          </a:p>
-          <a:p>
-            <a:endParaRPr lang="en-US" dirty="0" smtClean="0"/>
-          </a:p>
-          <a:p>
-            <a:endParaRPr lang="nl-NL" dirty="0"/>
-          </a:p>
-        </p:txBody>
-      </p:sp>
+            <a:ext cx="9144000" cy="6858000"/>
+          </a:xfrm>
+          <a:prstGeom prst="rect">
+            <a:avLst/>
+          </a:prstGeom>
+          <a:noFill/>
+          <a:ln>
+            <a:noFill/>
+          </a:ln>
+          <a:extLst>
+            <a:ext uri="{909E8E84-426E-40DD-AFC4-6F175D3DCCD1}">
+              <a14:hiddenFill xmlns:a14="http://schemas.microsoft.com/office/drawing/2010/main">
+                <a:solidFill>
+                  <a:schemeClr val="accent1"/>
+                </a:solidFill>
+              </a14:hiddenFill>
+            </a:ext>
+            <a:ext uri="{91240B29-F687-4F45-9708-019B960494DF}">
+              <a14:hiddenLine xmlns:a14="http://schemas.microsoft.com/office/drawing/2010/main" w="9525">
+                <a:solidFill>
+                  <a:schemeClr val="tx1"/>
+                </a:solidFill>
+                <a:miter lim="800000"/>
+                <a:headEnd/>
+                <a:tailEnd/>
+              </a14:hiddenLine>
+            </a:ext>
+          </a:extLst>
+        </p:spPr>
+      </p:pic>
     </p:spTree>
+    <p:extLst>
+      <p:ext uri="{BB962C8B-B14F-4D97-AF65-F5344CB8AC3E}">
+        <p14:creationId xmlns:p14="http://schemas.microsoft.com/office/powerpoint/2010/main" val="4007061281"/>
+      </p:ext>
+    </p:extLst>
   </p:cSld>
   <p:clrMapOvr>
     <a:masterClrMapping/>
@@ -4220,14 +4181,14 @@
       </p:grpSpPr>
       <p:pic>
         <p:nvPicPr>
-          <p:cNvPr id="1026" name="Picture 2"/>
+          <p:cNvPr id="3074" name="Picture 2"/>
           <p:cNvPicPr>
             <a:picLocks noChangeAspect="1" noChangeArrowheads="1"/>
           </p:cNvPicPr>
           <p:nvPr/>
         </p:nvPicPr>
         <p:blipFill>
-          <a:blip r:embed="rId2">
+          <a:blip r:embed="rId2" cstate="print">
             <a:extLst>
               <a:ext uri="{28A0092B-C50C-407E-A947-70E740481C1C}">
                 <a14:useLocalDpi xmlns:a14="http://schemas.microsoft.com/office/drawing/2010/main" val="0"/>
@@ -4241,8 +4202,8 @@
         </p:blipFill>
         <p:spPr bwMode="auto">
           <a:xfrm>
-            <a:off x="0" y="0"/>
-            <a:ext cx="9144000" cy="6858000"/>
+            <a:off x="-1" y="0"/>
+            <a:ext cx="9144001" cy="6858000"/>
           </a:xfrm>
           <a:prstGeom prst="rect">
             <a:avLst/>
@@ -4275,13 +4236,20 @@
     </p:spTree>
     <p:extLst>
       <p:ext uri="{BB962C8B-B14F-4D97-AF65-F5344CB8AC3E}">
-        <p14:creationId xmlns:p14="http://schemas.microsoft.com/office/powerpoint/2010/main" val="4007061281"/>
+        <p14:creationId xmlns:p14="http://schemas.microsoft.com/office/powerpoint/2010/main" val="3034086706"/>
       </p:ext>
     </p:extLst>
   </p:cSld>
   <p:clrMapOvr>
     <a:masterClrMapping/>
   </p:clrMapOvr>
+  <p:timing>
+    <p:tnLst>
+      <p:par>
+        <p:cTn id="1" dur="indefinite" restart="never" nodeType="tmRoot"/>
+      </p:par>
+    </p:tnLst>
+  </p:timing>
 </p:sld>
 </file>
 
@@ -4304,7 +4272,7 @@
       </p:grpSpPr>
       <p:pic>
         <p:nvPicPr>
-          <p:cNvPr id="3074" name="Picture 2"/>
+          <p:cNvPr id="2050" name="Picture 2"/>
           <p:cNvPicPr>
             <a:picLocks noChangeAspect="1" noChangeArrowheads="1"/>
           </p:cNvPicPr>
@@ -4325,8 +4293,8 @@
         </p:blipFill>
         <p:spPr bwMode="auto">
           <a:xfrm>
-            <a:off x="-1" y="0"/>
-            <a:ext cx="9144001" cy="6858000"/>
+            <a:off x="0" y="0"/>
+            <a:ext cx="9144000" cy="6858000"/>
           </a:xfrm>
           <a:prstGeom prst="rect">
             <a:avLst/>
@@ -4359,7 +4327,7 @@
     </p:spTree>
     <p:extLst>
       <p:ext uri="{BB962C8B-B14F-4D97-AF65-F5344CB8AC3E}">
-        <p14:creationId xmlns:p14="http://schemas.microsoft.com/office/powerpoint/2010/main" val="3034086706"/>
+        <p14:creationId xmlns:p14="http://schemas.microsoft.com/office/powerpoint/2010/main" val="2630684592"/>
       </p:ext>
     </p:extLst>
   </p:cSld>
@@ -4395,7 +4363,7 @@
       </p:grpSpPr>
       <p:pic>
         <p:nvPicPr>
-          <p:cNvPr id="2050" name="Picture 2"/>
+          <p:cNvPr id="4098" name="Picture 2"/>
           <p:cNvPicPr>
             <a:picLocks noChangeAspect="1" noChangeArrowheads="1"/>
           </p:cNvPicPr>
@@ -4416,8 +4384,8 @@
         </p:blipFill>
         <p:spPr bwMode="auto">
           <a:xfrm>
-            <a:off x="0" y="0"/>
-            <a:ext cx="9144000" cy="6858000"/>
+            <a:off x="-1" y="0"/>
+            <a:ext cx="9144001" cy="6858000"/>
           </a:xfrm>
           <a:prstGeom prst="rect">
             <a:avLst/>
@@ -4450,7 +4418,7 @@
     </p:spTree>
     <p:extLst>
       <p:ext uri="{BB962C8B-B14F-4D97-AF65-F5344CB8AC3E}">
-        <p14:creationId xmlns:p14="http://schemas.microsoft.com/office/powerpoint/2010/main" val="2630684592"/>
+        <p14:creationId xmlns:p14="http://schemas.microsoft.com/office/powerpoint/2010/main" val="3944406094"/>
       </p:ext>
     </p:extLst>
   </p:cSld>
@@ -4486,20 +4454,14 @@
       </p:grpSpPr>
       <p:pic>
         <p:nvPicPr>
-          <p:cNvPr id="4098" name="Picture 2"/>
+          <p:cNvPr id="32771" name="Picture 3"/>
           <p:cNvPicPr>
             <a:picLocks noChangeAspect="1" noChangeArrowheads="1"/>
           </p:cNvPicPr>
           <p:nvPr/>
         </p:nvPicPr>
         <p:blipFill>
-          <a:blip r:embed="rId2" cstate="print">
-            <a:extLst>
-              <a:ext uri="{28A0092B-C50C-407E-A947-70E740481C1C}">
-                <a14:useLocalDpi xmlns:a14="http://schemas.microsoft.com/office/drawing/2010/main" val="0"/>
-              </a:ext>
-            </a:extLst>
-          </a:blip>
+          <a:blip r:embed="rId2" cstate="print"/>
           <a:srcRect/>
           <a:stretch>
             <a:fillRect/>
@@ -4507,41 +4469,25 @@
         </p:blipFill>
         <p:spPr bwMode="auto">
           <a:xfrm>
-            <a:off x="-1" y="0"/>
-            <a:ext cx="9144001" cy="6858000"/>
+            <a:off x="0" y="0"/>
+            <a:ext cx="9144000" cy="6858000"/>
           </a:xfrm>
           <a:prstGeom prst="rect">
             <a:avLst/>
           </a:prstGeom>
           <a:noFill/>
-          <a:ln>
+          <a:ln w="9525">
             <a:noFill/>
+            <a:miter lim="800000"/>
+            <a:headEnd/>
+            <a:tailEnd/>
           </a:ln>
-          <a:extLst>
-            <a:ext uri="{909E8E84-426E-40DD-AFC4-6F175D3DCCD1}">
-              <a14:hiddenFill xmlns:a14="http://schemas.microsoft.com/office/drawing/2010/main">
-                <a:solidFill>
-                  <a:schemeClr val="accent1"/>
-                </a:solidFill>
-              </a14:hiddenFill>
-            </a:ext>
-            <a:ext uri="{91240B29-F687-4F45-9708-019B960494DF}">
-              <a14:hiddenLine xmlns:a14="http://schemas.microsoft.com/office/drawing/2010/main" w="9525">
-                <a:solidFill>
-                  <a:schemeClr val="tx1"/>
-                </a:solidFill>
-                <a:miter lim="800000"/>
-                <a:headEnd/>
-                <a:tailEnd/>
-              </a14:hiddenLine>
-            </a:ext>
-          </a:extLst>
         </p:spPr>
       </p:pic>
     </p:spTree>
     <p:extLst>
       <p:ext uri="{BB962C8B-B14F-4D97-AF65-F5344CB8AC3E}">
-        <p14:creationId xmlns:p14="http://schemas.microsoft.com/office/powerpoint/2010/main" val="3944406094"/>
+        <p14:creationId xmlns:p14="http://schemas.microsoft.com/office/powerpoint/2010/main" val="2290251458"/>
       </p:ext>
     </p:extLst>
   </p:cSld>
@@ -4577,7 +4523,7 @@
       </p:grpSpPr>
       <p:pic>
         <p:nvPicPr>
-          <p:cNvPr id="32771" name="Picture 3"/>
+          <p:cNvPr id="33794" name="Picture 2"/>
           <p:cNvPicPr>
             <a:picLocks noChangeAspect="1" noChangeArrowheads="1"/>
           </p:cNvPicPr>
@@ -4610,7 +4556,7 @@
     </p:spTree>
     <p:extLst>
       <p:ext uri="{BB962C8B-B14F-4D97-AF65-F5344CB8AC3E}">
-        <p14:creationId xmlns:p14="http://schemas.microsoft.com/office/powerpoint/2010/main" val="2290251458"/>
+        <p14:creationId xmlns:p14="http://schemas.microsoft.com/office/powerpoint/2010/main" val="1416455645"/>
       </p:ext>
     </p:extLst>
   </p:cSld>
@@ -4646,7 +4592,7 @@
       </p:grpSpPr>
       <p:pic>
         <p:nvPicPr>
-          <p:cNvPr id="33794" name="Picture 2"/>
+          <p:cNvPr id="39938" name="Picture 2"/>
           <p:cNvPicPr>
             <a:picLocks noChangeAspect="1" noChangeArrowheads="1"/>
           </p:cNvPicPr>
@@ -4679,7 +4625,7 @@
     </p:spTree>
     <p:extLst>
       <p:ext uri="{BB962C8B-B14F-4D97-AF65-F5344CB8AC3E}">
-        <p14:creationId xmlns:p14="http://schemas.microsoft.com/office/powerpoint/2010/main" val="1416455645"/>
+        <p14:creationId xmlns:p14="http://schemas.microsoft.com/office/powerpoint/2010/main" val="917036414"/>
       </p:ext>
     </p:extLst>
   </p:cSld>
@@ -4715,7 +4661,7 @@
       </p:grpSpPr>
       <p:pic>
         <p:nvPicPr>
-          <p:cNvPr id="39938" name="Picture 2"/>
+          <p:cNvPr id="36866" name="Picture 2"/>
           <p:cNvPicPr>
             <a:picLocks noChangeAspect="1" noChangeArrowheads="1"/>
           </p:cNvPicPr>
@@ -4748,7 +4694,7 @@
     </p:spTree>
     <p:extLst>
       <p:ext uri="{BB962C8B-B14F-4D97-AF65-F5344CB8AC3E}">
-        <p14:creationId xmlns:p14="http://schemas.microsoft.com/office/powerpoint/2010/main" val="917036414"/>
+        <p14:creationId xmlns:p14="http://schemas.microsoft.com/office/powerpoint/2010/main" val="84156599"/>
       </p:ext>
     </p:extLst>
   </p:cSld>
@@ -4784,14 +4730,20 @@
       </p:grpSpPr>
       <p:pic>
         <p:nvPicPr>
-          <p:cNvPr id="36866" name="Picture 2"/>
+          <p:cNvPr id="6146" name="Picture 2" descr="http://www.webops.com/wp-content/uploads/requst-a-demo.jpg"/>
           <p:cNvPicPr>
             <a:picLocks noChangeAspect="1" noChangeArrowheads="1"/>
           </p:cNvPicPr>
           <p:nvPr/>
         </p:nvPicPr>
         <p:blipFill>
-          <a:blip r:embed="rId2" cstate="print"/>
+          <a:blip r:embed="rId2" cstate="print">
+            <a:extLst>
+              <a:ext uri="{28A0092B-C50C-407E-A947-70E740481C1C}">
+                <a14:useLocalDpi xmlns:a14="http://schemas.microsoft.com/office/drawing/2010/main" val="0"/>
+              </a:ext>
+            </a:extLst>
+          </a:blip>
           <a:srcRect/>
           <a:stretch>
             <a:fillRect/>
@@ -4806,18 +4758,21 @@
             <a:avLst/>
           </a:prstGeom>
           <a:noFill/>
-          <a:ln w="9525">
-            <a:noFill/>
-            <a:miter lim="800000"/>
-            <a:headEnd/>
-            <a:tailEnd/>
-          </a:ln>
+          <a:extLst>
+            <a:ext uri="{909E8E84-426E-40DD-AFC4-6F175D3DCCD1}">
+              <a14:hiddenFill xmlns:a14="http://schemas.microsoft.com/office/drawing/2010/main">
+                <a:solidFill>
+                  <a:srgbClr val="FFFFFF"/>
+                </a:solidFill>
+              </a14:hiddenFill>
+            </a:ext>
+          </a:extLst>
         </p:spPr>
       </p:pic>
     </p:spTree>
     <p:extLst>
       <p:ext uri="{BB962C8B-B14F-4D97-AF65-F5344CB8AC3E}">
-        <p14:creationId xmlns:p14="http://schemas.microsoft.com/office/powerpoint/2010/main" val="84156599"/>
+        <p14:creationId xmlns:p14="http://schemas.microsoft.com/office/powerpoint/2010/main" val="1507557307"/>
       </p:ext>
     </p:extLst>
   </p:cSld>
@@ -5028,53 +4983,164 @@
           <a:chExt cx="0" cy="0"/>
         </a:xfrm>
       </p:grpSpPr>
-      <p:pic>
-        <p:nvPicPr>
-          <p:cNvPr id="6146" name="Picture 2" descr="http://www.webops.com/wp-content/uploads/requst-a-demo.jpg"/>
-          <p:cNvPicPr>
-            <a:picLocks noChangeAspect="1" noChangeArrowheads="1"/>
-          </p:cNvPicPr>
-          <p:nvPr/>
-        </p:nvPicPr>
-        <p:blipFill>
-          <a:blip r:embed="rId2" cstate="print">
-            <a:extLst>
-              <a:ext uri="{28A0092B-C50C-407E-A947-70E740481C1C}">
-                <a14:useLocalDpi xmlns:a14="http://schemas.microsoft.com/office/drawing/2010/main" val="0"/>
-              </a:ext>
-            </a:extLst>
-          </a:blip>
-          <a:srcRect/>
-          <a:stretch>
-            <a:fillRect/>
-          </a:stretch>
-        </p:blipFill>
-        <p:spPr bwMode="auto">
+      <p:sp>
+        <p:nvSpPr>
+          <p:cNvPr id="2" name="Titel 1"/>
+          <p:cNvSpPr>
+            <a:spLocks noGrp="1"/>
+          </p:cNvSpPr>
+          <p:nvPr>
+            <p:ph type="title"/>
+          </p:nvPr>
+        </p:nvSpPr>
+        <p:spPr>
           <a:xfrm>
             <a:off x="0" y="0"/>
-            <a:ext cx="9144000" cy="6858000"/>
-          </a:xfrm>
-          <a:prstGeom prst="rect">
-            <a:avLst/>
-          </a:prstGeom>
-          <a:noFill/>
-          <a:extLst>
-            <a:ext uri="{909E8E84-426E-40DD-AFC4-6F175D3DCCD1}">
-              <a14:hiddenFill xmlns:a14="http://schemas.microsoft.com/office/drawing/2010/main">
-                <a:solidFill>
-                  <a:srgbClr val="FFFFFF"/>
-                </a:solidFill>
-              </a14:hiddenFill>
-            </a:ext>
-          </a:extLst>
-        </p:spPr>
-      </p:pic>
+            <a:ext cx="9144000" cy="980728"/>
+          </a:xfrm>
+        </p:spPr>
+        <p:txBody>
+          <a:bodyPr/>
+          <a:lstStyle/>
+          <a:p>
+            <a:r>
+              <a:rPr lang="en-US" sz="4400" dirty="0" smtClean="0"/>
+              <a:t>Conclusion</a:t>
+            </a:r>
+            <a:endParaRPr lang="nl-NL" sz="4400" dirty="0"/>
+          </a:p>
+        </p:txBody>
+      </p:sp>
+      <p:sp>
+        <p:nvSpPr>
+          <p:cNvPr id="3" name="Tijdelijke aanduiding voor inhoud 2"/>
+          <p:cNvSpPr>
+            <a:spLocks noGrp="1"/>
+          </p:cNvSpPr>
+          <p:nvPr>
+            <p:ph idx="1"/>
+          </p:nvPr>
+        </p:nvSpPr>
+        <p:spPr>
+          <a:xfrm>
+            <a:off x="395536" y="1196752"/>
+            <a:ext cx="8229600" cy="5040560"/>
+          </a:xfrm>
+        </p:spPr>
+        <p:txBody>
+          <a:bodyPr>
+            <a:normAutofit fontScale="92500"/>
+          </a:bodyPr>
+          <a:lstStyle/>
+          <a:p>
+            <a:r>
+              <a:rPr lang="en-US" sz="2800" dirty="0" smtClean="0"/>
+              <a:t>My energy consumption is dropped with </a:t>
+            </a:r>
+            <a:r>
+              <a:rPr lang="en-US" sz="2800" b="1" dirty="0" smtClean="0"/>
+              <a:t>25%</a:t>
+            </a:r>
+          </a:p>
+          <a:p>
+            <a:pPr marL="0" indent="0">
+              <a:buNone/>
+            </a:pPr>
+            <a:r>
+              <a:rPr lang="en-US" sz="2800" dirty="0" smtClean="0"/>
+              <a:t>    My gas </a:t>
+            </a:r>
+            <a:r>
+              <a:rPr lang="en-US" sz="2800" dirty="0"/>
+              <a:t>consumption </a:t>
+            </a:r>
+            <a:r>
+              <a:rPr lang="en-US" sz="2800" dirty="0" smtClean="0"/>
+              <a:t>is dropped with </a:t>
+            </a:r>
+            <a:r>
+              <a:rPr lang="en-US" sz="2800" b="1" dirty="0" smtClean="0"/>
+              <a:t>50%</a:t>
+            </a:r>
+          </a:p>
+          <a:p>
+            <a:pPr marL="0" indent="0">
+              <a:buNone/>
+            </a:pPr>
+            <a:r>
+              <a:rPr lang="en-US" sz="2800" dirty="0" smtClean="0"/>
+              <a:t>    Reason: I am more aware now.</a:t>
+            </a:r>
+          </a:p>
+          <a:p>
+            <a:pPr marL="0" indent="0">
+              <a:buNone/>
+            </a:pPr>
+            <a:endParaRPr lang="en-US" sz="2800" dirty="0" smtClean="0"/>
+          </a:p>
+          <a:p>
+            <a:r>
+              <a:rPr lang="en-US" sz="2800" dirty="0" smtClean="0"/>
+              <a:t>PlaatEnergy is downloaded ca. </a:t>
+            </a:r>
+            <a:r>
+              <a:rPr lang="en-US" sz="2800" b="1" dirty="0" smtClean="0"/>
+              <a:t>140</a:t>
+            </a:r>
+            <a:r>
+              <a:rPr lang="en-US" sz="2800" dirty="0" smtClean="0"/>
+              <a:t> times “Customers” sending great feedback back </a:t>
+            </a:r>
+            <a:r>
+              <a:rPr lang="en-US" sz="2800" b="1" dirty="0" smtClean="0">
+                <a:sym typeface="Wingdings" pitchFamily="2" charset="2"/>
+              </a:rPr>
+              <a:t></a:t>
+            </a:r>
+          </a:p>
+          <a:p>
+            <a:endParaRPr lang="en-US" sz="2800" dirty="0" smtClean="0">
+              <a:sym typeface="Wingdings" pitchFamily="2" charset="2"/>
+            </a:endParaRPr>
+          </a:p>
+          <a:p>
+            <a:r>
+              <a:rPr lang="en-US" sz="2800" b="1" dirty="0" smtClean="0">
+                <a:sym typeface="Wingdings" pitchFamily="2" charset="2"/>
+              </a:rPr>
+              <a:t>SOS Solutions</a:t>
+            </a:r>
+            <a:r>
+              <a:rPr lang="en-US" sz="2800" dirty="0" smtClean="0">
+                <a:sym typeface="Wingdings" pitchFamily="2" charset="2"/>
+              </a:rPr>
+              <a:t>. One of the biggest Raspberry Pi resellers in the </a:t>
+            </a:r>
+            <a:r>
+              <a:rPr lang="en-US" sz="2800" dirty="0">
+                <a:sym typeface="Wingdings" pitchFamily="2" charset="2"/>
+              </a:rPr>
+              <a:t>N</a:t>
+            </a:r>
+            <a:r>
+              <a:rPr lang="en-US" sz="2800" dirty="0" smtClean="0">
+                <a:sym typeface="Wingdings" pitchFamily="2" charset="2"/>
+              </a:rPr>
+              <a:t>etherlands will sell soon a Pi Smart Energy Kit with includes PlaatEnergy </a:t>
+            </a:r>
+            <a:r>
+              <a:rPr lang="en-US" sz="2800" b="1" dirty="0">
+                <a:sym typeface="Wingdings" pitchFamily="2" charset="2"/>
+              </a:rPr>
+              <a:t></a:t>
+            </a:r>
+          </a:p>
+          <a:p>
+            <a:endParaRPr lang="en-US" dirty="0" smtClean="0"/>
+          </a:p>
+        </p:txBody>
+      </p:sp>
     </p:spTree>
-    <p:extLst>
-      <p:ext uri="{BB962C8B-B14F-4D97-AF65-F5344CB8AC3E}">
-        <p14:creationId xmlns:p14="http://schemas.microsoft.com/office/powerpoint/2010/main" val="1507557307"/>
-      </p:ext>
-    </p:extLst>
   </p:cSld>
   <p:clrMapOvr>
     <a:masterClrMapping/>
@@ -5090,195 +5156,6 @@
 </file>
 
 <file path=ppt/slides/slide21.xml><?xml version="1.0" encoding="utf-8"?>
-<p:sld xmlns:a="http://schemas.openxmlformats.org/drawingml/2006/main" xmlns:r="http://schemas.openxmlformats.org/officeDocument/2006/relationships" xmlns:p="http://schemas.openxmlformats.org/presentationml/2006/main">
-  <p:cSld>
-    <p:spTree>
-      <p:nvGrpSpPr>
-        <p:cNvPr id="1" name=""/>
-        <p:cNvGrpSpPr/>
-        <p:nvPr/>
-      </p:nvGrpSpPr>
-      <p:grpSpPr>
-        <a:xfrm>
-          <a:off x="0" y="0"/>
-          <a:ext cx="0" cy="0"/>
-          <a:chOff x="0" y="0"/>
-          <a:chExt cx="0" cy="0"/>
-        </a:xfrm>
-      </p:grpSpPr>
-      <p:sp>
-        <p:nvSpPr>
-          <p:cNvPr id="2" name="Titel 1"/>
-          <p:cNvSpPr>
-            <a:spLocks noGrp="1"/>
-          </p:cNvSpPr>
-          <p:nvPr>
-            <p:ph type="title"/>
-          </p:nvPr>
-        </p:nvSpPr>
-        <p:spPr>
-          <a:xfrm>
-            <a:off x="0" y="0"/>
-            <a:ext cx="9144000" cy="980728"/>
-          </a:xfrm>
-        </p:spPr>
-        <p:txBody>
-          <a:bodyPr/>
-          <a:lstStyle/>
-          <a:p>
-            <a:r>
-              <a:rPr lang="en-US" sz="4400" dirty="0" smtClean="0"/>
-              <a:t>Conclusion</a:t>
-            </a:r>
-            <a:endParaRPr lang="nl-NL" sz="4400" dirty="0"/>
-          </a:p>
-        </p:txBody>
-      </p:sp>
-      <p:sp>
-        <p:nvSpPr>
-          <p:cNvPr id="3" name="Tijdelijke aanduiding voor inhoud 2"/>
-          <p:cNvSpPr>
-            <a:spLocks noGrp="1"/>
-          </p:cNvSpPr>
-          <p:nvPr>
-            <p:ph idx="1"/>
-          </p:nvPr>
-        </p:nvSpPr>
-        <p:spPr>
-          <a:xfrm>
-            <a:off x="395536" y="1196752"/>
-            <a:ext cx="8229600" cy="5040560"/>
-          </a:xfrm>
-        </p:spPr>
-        <p:txBody>
-          <a:bodyPr>
-            <a:normAutofit fontScale="92500"/>
-          </a:bodyPr>
-          <a:lstStyle/>
-          <a:p>
-            <a:r>
-              <a:rPr lang="en-US" sz="2800" dirty="0" smtClean="0"/>
-              <a:t>My energy consumption is dropped with </a:t>
-            </a:r>
-            <a:r>
-              <a:rPr lang="en-US" sz="2800" b="1" dirty="0" smtClean="0"/>
-              <a:t>25%</a:t>
-            </a:r>
-          </a:p>
-          <a:p>
-            <a:pPr marL="0" indent="0">
-              <a:buNone/>
-            </a:pPr>
-            <a:r>
-              <a:rPr lang="en-US" sz="2800" dirty="0" smtClean="0"/>
-              <a:t>    My gas </a:t>
-            </a:r>
-            <a:r>
-              <a:rPr lang="en-US" sz="2800" dirty="0"/>
-              <a:t>consumption </a:t>
-            </a:r>
-            <a:r>
-              <a:rPr lang="en-US" sz="2800" dirty="0" smtClean="0"/>
-              <a:t>is dropped with </a:t>
-            </a:r>
-            <a:r>
-              <a:rPr lang="en-US" sz="2800" b="1" dirty="0" smtClean="0"/>
-              <a:t>50%</a:t>
-            </a:r>
-          </a:p>
-          <a:p>
-            <a:pPr marL="0" indent="0">
-              <a:buNone/>
-            </a:pPr>
-            <a:r>
-              <a:rPr lang="en-US" sz="2800" dirty="0" smtClean="0"/>
-              <a:t>    Reason: I am more aware now.</a:t>
-            </a:r>
-          </a:p>
-          <a:p>
-            <a:pPr marL="0" indent="0">
-              <a:buNone/>
-            </a:pPr>
-            <a:endParaRPr lang="en-US" sz="2800" dirty="0" smtClean="0"/>
-          </a:p>
-          <a:p>
-            <a:r>
-              <a:rPr lang="en-US" sz="2800" dirty="0" smtClean="0"/>
-              <a:t>PlaatEnergy is downloaded ca. </a:t>
-            </a:r>
-            <a:r>
-              <a:rPr lang="en-US" sz="2800" b="1" dirty="0" smtClean="0"/>
-              <a:t>140</a:t>
-            </a:r>
-            <a:r>
-              <a:rPr lang="en-US" sz="2800" dirty="0" smtClean="0"/>
-              <a:t> times “Customers” sending great feedback back </a:t>
-            </a:r>
-            <a:r>
-              <a:rPr lang="en-US" sz="2800" b="1" dirty="0" smtClean="0">
-                <a:sym typeface="Wingdings" pitchFamily="2" charset="2"/>
-              </a:rPr>
-              <a:t></a:t>
-            </a:r>
-          </a:p>
-          <a:p>
-            <a:endParaRPr lang="en-US" sz="2800" dirty="0" smtClean="0">
-              <a:sym typeface="Wingdings" pitchFamily="2" charset="2"/>
-            </a:endParaRPr>
-          </a:p>
-          <a:p>
-            <a:r>
-              <a:rPr lang="en-US" sz="2800" b="1" dirty="0" smtClean="0">
-                <a:sym typeface="Wingdings" pitchFamily="2" charset="2"/>
-              </a:rPr>
-              <a:t>SOS Solutions</a:t>
-            </a:r>
-            <a:r>
-              <a:rPr lang="en-US" sz="2800" dirty="0" smtClean="0">
-                <a:sym typeface="Wingdings" pitchFamily="2" charset="2"/>
-              </a:rPr>
-              <a:t>. One of the biggest Raspberry Pi resellers in the </a:t>
-            </a:r>
-            <a:r>
-              <a:rPr lang="en-US" sz="2800" dirty="0">
-                <a:sym typeface="Wingdings" pitchFamily="2" charset="2"/>
-              </a:rPr>
-              <a:t>N</a:t>
-            </a:r>
-            <a:r>
-              <a:rPr lang="en-US" sz="2800" dirty="0" smtClean="0">
-                <a:sym typeface="Wingdings" pitchFamily="2" charset="2"/>
-              </a:rPr>
-              <a:t>etherlands will sell soon a Pi Smart Energy Kit with includes PlaatEnergy </a:t>
-            </a:r>
-            <a:r>
-              <a:rPr lang="en-US" sz="2800" b="1" dirty="0">
-                <a:sym typeface="Wingdings" pitchFamily="2" charset="2"/>
-              </a:rPr>
-              <a:t></a:t>
-            </a:r>
-          </a:p>
-          <a:p>
-            <a:endParaRPr lang="en-US" dirty="0" smtClean="0"/>
-          </a:p>
-        </p:txBody>
-      </p:sp>
-    </p:spTree>
-  </p:cSld>
-  <p:clrMapOvr>
-    <a:masterClrMapping/>
-  </p:clrMapOvr>
-  <p:timing>
-    <p:tnLst>
-      <p:par>
-        <p:cTn id="1" dur="indefinite" restart="never" nodeType="tmRoot"/>
-      </p:par>
-    </p:tnLst>
-  </p:timing>
-</p:sld>
-</file>
-
-<file path=ppt/slides/slide22.xml><?xml version="1.0" encoding="utf-8"?>
 <p:sld xmlns:a="http://schemas.openxmlformats.org/drawingml/2006/main" xmlns:r="http://schemas.openxmlformats.org/officeDocument/2006/relationships" xmlns:p="http://schemas.openxmlformats.org/presentationml/2006/main">
   <p:cSld>
     <p:spTree>
